--- a/docs/NewsAnalysis.pptx
+++ b/docs/NewsAnalysis.pptx
@@ -17,9 +17,10 @@
     <p:sldId id="264" r:id="rId12"/>
     <p:sldId id="265" r:id="rId13"/>
     <p:sldId id="266" r:id="rId14"/>
+    <p:sldId id="267" r:id="rId15"/>
   </p:sldIdLst>
   <p:sldSz cx="10080625" cy="7559675"/>
-  <p:notesSz cx="7559675" cy="10691812"/>
+  <p:notesSz cx="7772400" cy="10058400"/>
 </p:presentation>
 </file>
 
@@ -64,7 +65,7 @@
       </p:grpSpPr>
       <p:sp>
         <p:nvSpPr>
-          <p:cNvPr id="27" name="PlaceHolder 1"/>
+          <p:cNvPr id="24" name="PlaceHolder 1"/>
           <p:cNvSpPr>
             <a:spLocks noGrp="1"/>
           </p:cNvSpPr>
@@ -74,8 +75,8 @@
         </p:nvSpPr>
         <p:spPr>
           <a:xfrm>
-            <a:off x="720000" y="279720"/>
-            <a:ext cx="8855640" cy="1305000"/>
+            <a:off x="504000" y="301320"/>
+            <a:ext cx="9072000" cy="1261800"/>
           </a:xfrm>
           <a:prstGeom prst="rect">
             <a:avLst/>
@@ -84,18 +85,16 @@
         <p:txBody>
           <a:bodyPr lIns="0" rIns="0" tIns="0" bIns="0" anchor="ctr"/>
           <a:p>
-            <a:endParaRPr b="1" lang="ru-RU" sz="4400" spc="-1" strike="noStrike">
-              <a:solidFill>
-                <a:srgbClr val="333333"/>
-              </a:solidFill>
-              <a:latin typeface="Noto Sans Regular"/>
-            </a:endParaRPr>
-          </a:p>
-        </p:txBody>
-      </p:sp>
-      <p:sp>
-        <p:nvSpPr>
-          <p:cNvPr id="28" name="PlaceHolder 2"/>
+            <a:pPr algn="ctr"/>
+            <a:endParaRPr b="0" lang="ru-RU" sz="4400" spc="-1" strike="noStrike">
+              <a:latin typeface="Arial"/>
+            </a:endParaRPr>
+          </a:p>
+        </p:txBody>
+      </p:sp>
+      <p:sp>
+        <p:nvSpPr>
+          <p:cNvPr id="25" name="PlaceHolder 2"/>
           <p:cNvSpPr>
             <a:spLocks noGrp="1"/>
           </p:cNvSpPr>
@@ -105,28 +104,27 @@
         </p:nvSpPr>
         <p:spPr>
           <a:xfrm>
-            <a:off x="720000" y="2160000"/>
-            <a:ext cx="8640000" cy="2091240"/>
-          </a:xfrm>
-          <a:prstGeom prst="rect">
-            <a:avLst/>
-          </a:prstGeom>
-        </p:spPr>
-        <p:txBody>
-          <a:bodyPr lIns="0" rIns="0" tIns="0" bIns="0"/>
-          <a:p>
-            <a:endParaRPr b="0" lang="ru-RU" sz="2800" spc="-1" strike="noStrike">
-              <a:solidFill>
-                <a:srgbClr val="333333"/>
-              </a:solidFill>
-              <a:latin typeface="Noto Sans Regular"/>
-            </a:endParaRPr>
-          </a:p>
-        </p:txBody>
-      </p:sp>
-      <p:sp>
-        <p:nvSpPr>
-          <p:cNvPr id="29" name="PlaceHolder 3"/>
+            <a:off x="504000" y="1768680"/>
+            <a:ext cx="9072000" cy="2090880"/>
+          </a:xfrm>
+          <a:prstGeom prst="rect">
+            <a:avLst/>
+          </a:prstGeom>
+        </p:spPr>
+        <p:txBody>
+          <a:bodyPr lIns="0" rIns="0" tIns="0" bIns="0">
+            <a:normAutofit/>
+          </a:bodyPr>
+          <a:p>
+            <a:endParaRPr b="0" lang="ru-RU" sz="3200" spc="-1" strike="noStrike">
+              <a:latin typeface="Arial"/>
+            </a:endParaRPr>
+          </a:p>
+        </p:txBody>
+      </p:sp>
+      <p:sp>
+        <p:nvSpPr>
+          <p:cNvPr id="26" name="PlaceHolder 3"/>
           <p:cNvSpPr>
             <a:spLocks noGrp="1"/>
           </p:cNvSpPr>
@@ -136,21 +134,20 @@
         </p:nvSpPr>
         <p:spPr>
           <a:xfrm>
-            <a:off x="720000" y="4450320"/>
-            <a:ext cx="8640000" cy="2091240"/>
-          </a:xfrm>
-          <a:prstGeom prst="rect">
-            <a:avLst/>
-          </a:prstGeom>
-        </p:spPr>
-        <p:txBody>
-          <a:bodyPr lIns="0" rIns="0" tIns="0" bIns="0"/>
-          <a:p>
-            <a:endParaRPr b="0" lang="ru-RU" sz="2800" spc="-1" strike="noStrike">
-              <a:solidFill>
-                <a:srgbClr val="333333"/>
-              </a:solidFill>
-              <a:latin typeface="Noto Sans Regular"/>
+            <a:off x="504000" y="4058640"/>
+            <a:ext cx="9072000" cy="2090880"/>
+          </a:xfrm>
+          <a:prstGeom prst="rect">
+            <a:avLst/>
+          </a:prstGeom>
+        </p:spPr>
+        <p:txBody>
+          <a:bodyPr lIns="0" rIns="0" tIns="0" bIns="0">
+            <a:normAutofit/>
+          </a:bodyPr>
+          <a:p>
+            <a:endParaRPr b="0" lang="ru-RU" sz="3200" spc="-1" strike="noStrike">
+              <a:latin typeface="Arial"/>
             </a:endParaRPr>
           </a:p>
         </p:txBody>
@@ -179,7 +176,7 @@
       </p:grpSpPr>
       <p:sp>
         <p:nvSpPr>
-          <p:cNvPr id="30" name="PlaceHolder 1"/>
+          <p:cNvPr id="27" name="PlaceHolder 1"/>
           <p:cNvSpPr>
             <a:spLocks noGrp="1"/>
           </p:cNvSpPr>
@@ -189,8 +186,8 @@
         </p:nvSpPr>
         <p:spPr>
           <a:xfrm>
-            <a:off x="720000" y="279720"/>
-            <a:ext cx="8855640" cy="1305000"/>
+            <a:off x="504000" y="301320"/>
+            <a:ext cx="9072000" cy="1261800"/>
           </a:xfrm>
           <a:prstGeom prst="rect">
             <a:avLst/>
@@ -199,18 +196,16 @@
         <p:txBody>
           <a:bodyPr lIns="0" rIns="0" tIns="0" bIns="0" anchor="ctr"/>
           <a:p>
-            <a:endParaRPr b="1" lang="ru-RU" sz="4400" spc="-1" strike="noStrike">
-              <a:solidFill>
-                <a:srgbClr val="333333"/>
-              </a:solidFill>
-              <a:latin typeface="Noto Sans Regular"/>
-            </a:endParaRPr>
-          </a:p>
-        </p:txBody>
-      </p:sp>
-      <p:sp>
-        <p:nvSpPr>
-          <p:cNvPr id="31" name="PlaceHolder 2"/>
+            <a:pPr algn="ctr"/>
+            <a:endParaRPr b="0" lang="ru-RU" sz="4400" spc="-1" strike="noStrike">
+              <a:latin typeface="Arial"/>
+            </a:endParaRPr>
+          </a:p>
+        </p:txBody>
+      </p:sp>
+      <p:sp>
+        <p:nvSpPr>
+          <p:cNvPr id="28" name="PlaceHolder 2"/>
           <p:cNvSpPr>
             <a:spLocks noGrp="1"/>
           </p:cNvSpPr>
@@ -220,28 +215,27 @@
         </p:nvSpPr>
         <p:spPr>
           <a:xfrm>
-            <a:off x="720000" y="2160000"/>
-            <a:ext cx="4215960" cy="2091240"/>
-          </a:xfrm>
-          <a:prstGeom prst="rect">
-            <a:avLst/>
-          </a:prstGeom>
-        </p:spPr>
-        <p:txBody>
-          <a:bodyPr lIns="0" rIns="0" tIns="0" bIns="0"/>
-          <a:p>
-            <a:endParaRPr b="0" lang="ru-RU" sz="2800" spc="-1" strike="noStrike">
-              <a:solidFill>
-                <a:srgbClr val="333333"/>
-              </a:solidFill>
-              <a:latin typeface="Noto Sans Regular"/>
-            </a:endParaRPr>
-          </a:p>
-        </p:txBody>
-      </p:sp>
-      <p:sp>
-        <p:nvSpPr>
-          <p:cNvPr id="32" name="PlaceHolder 3"/>
+            <a:off x="504000" y="1768680"/>
+            <a:ext cx="4426920" cy="2090880"/>
+          </a:xfrm>
+          <a:prstGeom prst="rect">
+            <a:avLst/>
+          </a:prstGeom>
+        </p:spPr>
+        <p:txBody>
+          <a:bodyPr lIns="0" rIns="0" tIns="0" bIns="0">
+            <a:normAutofit/>
+          </a:bodyPr>
+          <a:p>
+            <a:endParaRPr b="0" lang="ru-RU" sz="3200" spc="-1" strike="noStrike">
+              <a:latin typeface="Arial"/>
+            </a:endParaRPr>
+          </a:p>
+        </p:txBody>
+      </p:sp>
+      <p:sp>
+        <p:nvSpPr>
+          <p:cNvPr id="29" name="PlaceHolder 3"/>
           <p:cNvSpPr>
             <a:spLocks noGrp="1"/>
           </p:cNvSpPr>
@@ -251,28 +245,27 @@
         </p:nvSpPr>
         <p:spPr>
           <a:xfrm>
-            <a:off x="5147280" y="2160000"/>
-            <a:ext cx="4215960" cy="2091240"/>
-          </a:xfrm>
-          <a:prstGeom prst="rect">
-            <a:avLst/>
-          </a:prstGeom>
-        </p:spPr>
-        <p:txBody>
-          <a:bodyPr lIns="0" rIns="0" tIns="0" bIns="0"/>
-          <a:p>
-            <a:endParaRPr b="0" lang="ru-RU" sz="2800" spc="-1" strike="noStrike">
-              <a:solidFill>
-                <a:srgbClr val="333333"/>
-              </a:solidFill>
-              <a:latin typeface="Noto Sans Regular"/>
-            </a:endParaRPr>
-          </a:p>
-        </p:txBody>
-      </p:sp>
-      <p:sp>
-        <p:nvSpPr>
-          <p:cNvPr id="33" name="PlaceHolder 4"/>
+            <a:off x="5152680" y="1768680"/>
+            <a:ext cx="4426920" cy="2090880"/>
+          </a:xfrm>
+          <a:prstGeom prst="rect">
+            <a:avLst/>
+          </a:prstGeom>
+        </p:spPr>
+        <p:txBody>
+          <a:bodyPr lIns="0" rIns="0" tIns="0" bIns="0">
+            <a:normAutofit/>
+          </a:bodyPr>
+          <a:p>
+            <a:endParaRPr b="0" lang="ru-RU" sz="3200" spc="-1" strike="noStrike">
+              <a:latin typeface="Arial"/>
+            </a:endParaRPr>
+          </a:p>
+        </p:txBody>
+      </p:sp>
+      <p:sp>
+        <p:nvSpPr>
+          <p:cNvPr id="30" name="PlaceHolder 4"/>
           <p:cNvSpPr>
             <a:spLocks noGrp="1"/>
           </p:cNvSpPr>
@@ -282,28 +275,27 @@
         </p:nvSpPr>
         <p:spPr>
           <a:xfrm>
-            <a:off x="720000" y="4450320"/>
-            <a:ext cx="4215960" cy="2091240"/>
-          </a:xfrm>
-          <a:prstGeom prst="rect">
-            <a:avLst/>
-          </a:prstGeom>
-        </p:spPr>
-        <p:txBody>
-          <a:bodyPr lIns="0" rIns="0" tIns="0" bIns="0"/>
-          <a:p>
-            <a:endParaRPr b="0" lang="ru-RU" sz="2800" spc="-1" strike="noStrike">
-              <a:solidFill>
-                <a:srgbClr val="333333"/>
-              </a:solidFill>
-              <a:latin typeface="Noto Sans Regular"/>
-            </a:endParaRPr>
-          </a:p>
-        </p:txBody>
-      </p:sp>
-      <p:sp>
-        <p:nvSpPr>
-          <p:cNvPr id="34" name="PlaceHolder 5"/>
+            <a:off x="504000" y="4058640"/>
+            <a:ext cx="4426920" cy="2090880"/>
+          </a:xfrm>
+          <a:prstGeom prst="rect">
+            <a:avLst/>
+          </a:prstGeom>
+        </p:spPr>
+        <p:txBody>
+          <a:bodyPr lIns="0" rIns="0" tIns="0" bIns="0">
+            <a:normAutofit/>
+          </a:bodyPr>
+          <a:p>
+            <a:endParaRPr b="0" lang="ru-RU" sz="3200" spc="-1" strike="noStrike">
+              <a:latin typeface="Arial"/>
+            </a:endParaRPr>
+          </a:p>
+        </p:txBody>
+      </p:sp>
+      <p:sp>
+        <p:nvSpPr>
+          <p:cNvPr id="31" name="PlaceHolder 5"/>
           <p:cNvSpPr>
             <a:spLocks noGrp="1"/>
           </p:cNvSpPr>
@@ -313,21 +305,20 @@
         </p:nvSpPr>
         <p:spPr>
           <a:xfrm>
-            <a:off x="5147280" y="4450320"/>
-            <a:ext cx="4215960" cy="2091240"/>
-          </a:xfrm>
-          <a:prstGeom prst="rect">
-            <a:avLst/>
-          </a:prstGeom>
-        </p:spPr>
-        <p:txBody>
-          <a:bodyPr lIns="0" rIns="0" tIns="0" bIns="0"/>
-          <a:p>
-            <a:endParaRPr b="0" lang="ru-RU" sz="2800" spc="-1" strike="noStrike">
-              <a:solidFill>
-                <a:srgbClr val="333333"/>
-              </a:solidFill>
-              <a:latin typeface="Noto Sans Regular"/>
+            <a:off x="5152680" y="4058640"/>
+            <a:ext cx="4426920" cy="2090880"/>
+          </a:xfrm>
+          <a:prstGeom prst="rect">
+            <a:avLst/>
+          </a:prstGeom>
+        </p:spPr>
+        <p:txBody>
+          <a:bodyPr lIns="0" rIns="0" tIns="0" bIns="0">
+            <a:normAutofit/>
+          </a:bodyPr>
+          <a:p>
+            <a:endParaRPr b="0" lang="ru-RU" sz="3200" spc="-1" strike="noStrike">
+              <a:latin typeface="Arial"/>
             </a:endParaRPr>
           </a:p>
         </p:txBody>
@@ -356,7 +347,7 @@
       </p:grpSpPr>
       <p:sp>
         <p:nvSpPr>
-          <p:cNvPr id="35" name="PlaceHolder 1"/>
+          <p:cNvPr id="32" name="PlaceHolder 1"/>
           <p:cNvSpPr>
             <a:spLocks noGrp="1"/>
           </p:cNvSpPr>
@@ -366,8 +357,8 @@
         </p:nvSpPr>
         <p:spPr>
           <a:xfrm>
-            <a:off x="720000" y="279720"/>
-            <a:ext cx="8855640" cy="1305000"/>
+            <a:off x="504000" y="301320"/>
+            <a:ext cx="9072000" cy="1261800"/>
           </a:xfrm>
           <a:prstGeom prst="rect">
             <a:avLst/>
@@ -376,18 +367,16 @@
         <p:txBody>
           <a:bodyPr lIns="0" rIns="0" tIns="0" bIns="0" anchor="ctr"/>
           <a:p>
-            <a:endParaRPr b="1" lang="ru-RU" sz="4400" spc="-1" strike="noStrike">
-              <a:solidFill>
-                <a:srgbClr val="333333"/>
-              </a:solidFill>
-              <a:latin typeface="Noto Sans Regular"/>
-            </a:endParaRPr>
-          </a:p>
-        </p:txBody>
-      </p:sp>
-      <p:sp>
-        <p:nvSpPr>
-          <p:cNvPr id="36" name="PlaceHolder 2"/>
+            <a:pPr algn="ctr"/>
+            <a:endParaRPr b="0" lang="ru-RU" sz="4400" spc="-1" strike="noStrike">
+              <a:latin typeface="Arial"/>
+            </a:endParaRPr>
+          </a:p>
+        </p:txBody>
+      </p:sp>
+      <p:sp>
+        <p:nvSpPr>
+          <p:cNvPr id="33" name="PlaceHolder 2"/>
           <p:cNvSpPr>
             <a:spLocks noGrp="1"/>
           </p:cNvSpPr>
@@ -397,28 +386,27 @@
         </p:nvSpPr>
         <p:spPr>
           <a:xfrm>
-            <a:off x="720000" y="2160000"/>
-            <a:ext cx="2781720" cy="2091240"/>
-          </a:xfrm>
-          <a:prstGeom prst="rect">
-            <a:avLst/>
-          </a:prstGeom>
-        </p:spPr>
-        <p:txBody>
-          <a:bodyPr lIns="0" rIns="0" tIns="0" bIns="0"/>
-          <a:p>
-            <a:endParaRPr b="0" lang="ru-RU" sz="2800" spc="-1" strike="noStrike">
-              <a:solidFill>
-                <a:srgbClr val="333333"/>
-              </a:solidFill>
-              <a:latin typeface="Noto Sans Regular"/>
-            </a:endParaRPr>
-          </a:p>
-        </p:txBody>
-      </p:sp>
-      <p:sp>
-        <p:nvSpPr>
-          <p:cNvPr id="37" name="PlaceHolder 3"/>
+            <a:off x="504000" y="1768680"/>
+            <a:ext cx="2921040" cy="2090880"/>
+          </a:xfrm>
+          <a:prstGeom prst="rect">
+            <a:avLst/>
+          </a:prstGeom>
+        </p:spPr>
+        <p:txBody>
+          <a:bodyPr lIns="0" rIns="0" tIns="0" bIns="0">
+            <a:normAutofit/>
+          </a:bodyPr>
+          <a:p>
+            <a:endParaRPr b="0" lang="ru-RU" sz="3200" spc="-1" strike="noStrike">
+              <a:latin typeface="Arial"/>
+            </a:endParaRPr>
+          </a:p>
+        </p:txBody>
+      </p:sp>
+      <p:sp>
+        <p:nvSpPr>
+          <p:cNvPr id="34" name="PlaceHolder 3"/>
           <p:cNvSpPr>
             <a:spLocks noGrp="1"/>
           </p:cNvSpPr>
@@ -428,28 +416,27 @@
         </p:nvSpPr>
         <p:spPr>
           <a:xfrm>
-            <a:off x="3641040" y="2160000"/>
-            <a:ext cx="2781720" cy="2091240"/>
-          </a:xfrm>
-          <a:prstGeom prst="rect">
-            <a:avLst/>
-          </a:prstGeom>
-        </p:spPr>
-        <p:txBody>
-          <a:bodyPr lIns="0" rIns="0" tIns="0" bIns="0"/>
-          <a:p>
-            <a:endParaRPr b="0" lang="ru-RU" sz="2800" spc="-1" strike="noStrike">
-              <a:solidFill>
-                <a:srgbClr val="333333"/>
-              </a:solidFill>
-              <a:latin typeface="Noto Sans Regular"/>
-            </a:endParaRPr>
-          </a:p>
-        </p:txBody>
-      </p:sp>
-      <p:sp>
-        <p:nvSpPr>
-          <p:cNvPr id="38" name="PlaceHolder 4"/>
+            <a:off x="3571560" y="1768680"/>
+            <a:ext cx="2921040" cy="2090880"/>
+          </a:xfrm>
+          <a:prstGeom prst="rect">
+            <a:avLst/>
+          </a:prstGeom>
+        </p:spPr>
+        <p:txBody>
+          <a:bodyPr lIns="0" rIns="0" tIns="0" bIns="0">
+            <a:normAutofit/>
+          </a:bodyPr>
+          <a:p>
+            <a:endParaRPr b="0" lang="ru-RU" sz="3200" spc="-1" strike="noStrike">
+              <a:latin typeface="Arial"/>
+            </a:endParaRPr>
+          </a:p>
+        </p:txBody>
+      </p:sp>
+      <p:sp>
+        <p:nvSpPr>
+          <p:cNvPr id="35" name="PlaceHolder 4"/>
           <p:cNvSpPr>
             <a:spLocks noGrp="1"/>
           </p:cNvSpPr>
@@ -459,28 +446,27 @@
         </p:nvSpPr>
         <p:spPr>
           <a:xfrm>
-            <a:off x="6562440" y="2160000"/>
-            <a:ext cx="2781720" cy="2091240"/>
-          </a:xfrm>
-          <a:prstGeom prst="rect">
-            <a:avLst/>
-          </a:prstGeom>
-        </p:spPr>
-        <p:txBody>
-          <a:bodyPr lIns="0" rIns="0" tIns="0" bIns="0"/>
-          <a:p>
-            <a:endParaRPr b="0" lang="ru-RU" sz="2800" spc="-1" strike="noStrike">
-              <a:solidFill>
-                <a:srgbClr val="333333"/>
-              </a:solidFill>
-              <a:latin typeface="Noto Sans Regular"/>
-            </a:endParaRPr>
-          </a:p>
-        </p:txBody>
-      </p:sp>
-      <p:sp>
-        <p:nvSpPr>
-          <p:cNvPr id="39" name="PlaceHolder 5"/>
+            <a:off x="6639120" y="1768680"/>
+            <a:ext cx="2921040" cy="2090880"/>
+          </a:xfrm>
+          <a:prstGeom prst="rect">
+            <a:avLst/>
+          </a:prstGeom>
+        </p:spPr>
+        <p:txBody>
+          <a:bodyPr lIns="0" rIns="0" tIns="0" bIns="0">
+            <a:normAutofit/>
+          </a:bodyPr>
+          <a:p>
+            <a:endParaRPr b="0" lang="ru-RU" sz="3200" spc="-1" strike="noStrike">
+              <a:latin typeface="Arial"/>
+            </a:endParaRPr>
+          </a:p>
+        </p:txBody>
+      </p:sp>
+      <p:sp>
+        <p:nvSpPr>
+          <p:cNvPr id="36" name="PlaceHolder 5"/>
           <p:cNvSpPr>
             <a:spLocks noGrp="1"/>
           </p:cNvSpPr>
@@ -490,28 +476,27 @@
         </p:nvSpPr>
         <p:spPr>
           <a:xfrm>
-            <a:off x="720000" y="4450320"/>
-            <a:ext cx="2781720" cy="2091240"/>
-          </a:xfrm>
-          <a:prstGeom prst="rect">
-            <a:avLst/>
-          </a:prstGeom>
-        </p:spPr>
-        <p:txBody>
-          <a:bodyPr lIns="0" rIns="0" tIns="0" bIns="0"/>
-          <a:p>
-            <a:endParaRPr b="0" lang="ru-RU" sz="2800" spc="-1" strike="noStrike">
-              <a:solidFill>
-                <a:srgbClr val="333333"/>
-              </a:solidFill>
-              <a:latin typeface="Noto Sans Regular"/>
-            </a:endParaRPr>
-          </a:p>
-        </p:txBody>
-      </p:sp>
-      <p:sp>
-        <p:nvSpPr>
-          <p:cNvPr id="40" name="PlaceHolder 6"/>
+            <a:off x="504000" y="4058640"/>
+            <a:ext cx="2921040" cy="2090880"/>
+          </a:xfrm>
+          <a:prstGeom prst="rect">
+            <a:avLst/>
+          </a:prstGeom>
+        </p:spPr>
+        <p:txBody>
+          <a:bodyPr lIns="0" rIns="0" tIns="0" bIns="0">
+            <a:normAutofit/>
+          </a:bodyPr>
+          <a:p>
+            <a:endParaRPr b="0" lang="ru-RU" sz="3200" spc="-1" strike="noStrike">
+              <a:latin typeface="Arial"/>
+            </a:endParaRPr>
+          </a:p>
+        </p:txBody>
+      </p:sp>
+      <p:sp>
+        <p:nvSpPr>
+          <p:cNvPr id="37" name="PlaceHolder 6"/>
           <p:cNvSpPr>
             <a:spLocks noGrp="1"/>
           </p:cNvSpPr>
@@ -521,28 +506,27 @@
         </p:nvSpPr>
         <p:spPr>
           <a:xfrm>
-            <a:off x="3641040" y="4450320"/>
-            <a:ext cx="2781720" cy="2091240"/>
-          </a:xfrm>
-          <a:prstGeom prst="rect">
-            <a:avLst/>
-          </a:prstGeom>
-        </p:spPr>
-        <p:txBody>
-          <a:bodyPr lIns="0" rIns="0" tIns="0" bIns="0"/>
-          <a:p>
-            <a:endParaRPr b="0" lang="ru-RU" sz="2800" spc="-1" strike="noStrike">
-              <a:solidFill>
-                <a:srgbClr val="333333"/>
-              </a:solidFill>
-              <a:latin typeface="Noto Sans Regular"/>
-            </a:endParaRPr>
-          </a:p>
-        </p:txBody>
-      </p:sp>
-      <p:sp>
-        <p:nvSpPr>
-          <p:cNvPr id="41" name="PlaceHolder 7"/>
+            <a:off x="3571560" y="4058640"/>
+            <a:ext cx="2921040" cy="2090880"/>
+          </a:xfrm>
+          <a:prstGeom prst="rect">
+            <a:avLst/>
+          </a:prstGeom>
+        </p:spPr>
+        <p:txBody>
+          <a:bodyPr lIns="0" rIns="0" tIns="0" bIns="0">
+            <a:normAutofit/>
+          </a:bodyPr>
+          <a:p>
+            <a:endParaRPr b="0" lang="ru-RU" sz="3200" spc="-1" strike="noStrike">
+              <a:latin typeface="Arial"/>
+            </a:endParaRPr>
+          </a:p>
+        </p:txBody>
+      </p:sp>
+      <p:sp>
+        <p:nvSpPr>
+          <p:cNvPr id="38" name="PlaceHolder 7"/>
           <p:cNvSpPr>
             <a:spLocks noGrp="1"/>
           </p:cNvSpPr>
@@ -552,21 +536,20 @@
         </p:nvSpPr>
         <p:spPr>
           <a:xfrm>
-            <a:off x="6562440" y="4450320"/>
-            <a:ext cx="2781720" cy="2091240"/>
-          </a:xfrm>
-          <a:prstGeom prst="rect">
-            <a:avLst/>
-          </a:prstGeom>
-        </p:spPr>
-        <p:txBody>
-          <a:bodyPr lIns="0" rIns="0" tIns="0" bIns="0"/>
-          <a:p>
-            <a:endParaRPr b="0" lang="ru-RU" sz="2800" spc="-1" strike="noStrike">
-              <a:solidFill>
-                <a:srgbClr val="333333"/>
-              </a:solidFill>
-              <a:latin typeface="Noto Sans Regular"/>
+            <a:off x="6639120" y="4058640"/>
+            <a:ext cx="2921040" cy="2090880"/>
+          </a:xfrm>
+          <a:prstGeom prst="rect">
+            <a:avLst/>
+          </a:prstGeom>
+        </p:spPr>
+        <p:txBody>
+          <a:bodyPr lIns="0" rIns="0" tIns="0" bIns="0">
+            <a:normAutofit/>
+          </a:bodyPr>
+          <a:p>
+            <a:endParaRPr b="0" lang="ru-RU" sz="3200" spc="-1" strike="noStrike">
+              <a:latin typeface="Arial"/>
             </a:endParaRPr>
           </a:p>
         </p:txBody>
@@ -617,7 +600,7 @@
       </p:grpSpPr>
       <p:sp>
         <p:nvSpPr>
-          <p:cNvPr id="48" name="PlaceHolder 1"/>
+          <p:cNvPr id="42" name="PlaceHolder 1"/>
           <p:cNvSpPr>
             <a:spLocks noGrp="1"/>
           </p:cNvSpPr>
@@ -627,8 +610,8 @@
         </p:nvSpPr>
         <p:spPr>
           <a:xfrm>
-            <a:off x="720000" y="279720"/>
-            <a:ext cx="8855640" cy="1305000"/>
+            <a:off x="504000" y="301320"/>
+            <a:ext cx="9072000" cy="1261800"/>
           </a:xfrm>
           <a:prstGeom prst="rect">
             <a:avLst/>
@@ -637,18 +620,16 @@
         <p:txBody>
           <a:bodyPr lIns="0" rIns="0" tIns="0" bIns="0" anchor="ctr"/>
           <a:p>
-            <a:endParaRPr b="1" lang="ru-RU" sz="4400" spc="-1" strike="noStrike">
-              <a:solidFill>
-                <a:srgbClr val="333333"/>
-              </a:solidFill>
-              <a:latin typeface="Noto Sans Regular"/>
-            </a:endParaRPr>
-          </a:p>
-        </p:txBody>
-      </p:sp>
-      <p:sp>
-        <p:nvSpPr>
-          <p:cNvPr id="49" name="PlaceHolder 2"/>
+            <a:pPr algn="ctr"/>
+            <a:endParaRPr b="0" lang="ru-RU" sz="4400" spc="-1" strike="noStrike">
+              <a:latin typeface="Arial"/>
+            </a:endParaRPr>
+          </a:p>
+        </p:txBody>
+      </p:sp>
+      <p:sp>
+        <p:nvSpPr>
+          <p:cNvPr id="43" name="PlaceHolder 2"/>
           <p:cNvSpPr>
             <a:spLocks noGrp="1"/>
           </p:cNvSpPr>
@@ -658,8 +639,8 @@
         </p:nvSpPr>
         <p:spPr>
           <a:xfrm>
-            <a:off x="720000" y="2160000"/>
-            <a:ext cx="8640000" cy="4384800"/>
+            <a:off x="504000" y="1768680"/>
+            <a:ext cx="9072000" cy="4384080"/>
           </a:xfrm>
           <a:prstGeom prst="rect">
             <a:avLst/>
@@ -699,7 +680,7 @@
       </p:grpSpPr>
       <p:sp>
         <p:nvSpPr>
-          <p:cNvPr id="50" name="PlaceHolder 1"/>
+          <p:cNvPr id="44" name="PlaceHolder 1"/>
           <p:cNvSpPr>
             <a:spLocks noGrp="1"/>
           </p:cNvSpPr>
@@ -709,8 +690,8 @@
         </p:nvSpPr>
         <p:spPr>
           <a:xfrm>
-            <a:off x="720000" y="279720"/>
-            <a:ext cx="8855640" cy="1305000"/>
+            <a:off x="504000" y="301320"/>
+            <a:ext cx="9072000" cy="1261800"/>
           </a:xfrm>
           <a:prstGeom prst="rect">
             <a:avLst/>
@@ -719,18 +700,16 @@
         <p:txBody>
           <a:bodyPr lIns="0" rIns="0" tIns="0" bIns="0" anchor="ctr"/>
           <a:p>
-            <a:endParaRPr b="1" lang="ru-RU" sz="4400" spc="-1" strike="noStrike">
-              <a:solidFill>
-                <a:srgbClr val="333333"/>
-              </a:solidFill>
-              <a:latin typeface="Noto Sans Regular"/>
-            </a:endParaRPr>
-          </a:p>
-        </p:txBody>
-      </p:sp>
-      <p:sp>
-        <p:nvSpPr>
-          <p:cNvPr id="51" name="PlaceHolder 2"/>
+            <a:pPr algn="ctr"/>
+            <a:endParaRPr b="0" lang="ru-RU" sz="4400" spc="-1" strike="noStrike">
+              <a:latin typeface="Arial"/>
+            </a:endParaRPr>
+          </a:p>
+        </p:txBody>
+      </p:sp>
+      <p:sp>
+        <p:nvSpPr>
+          <p:cNvPr id="45" name="PlaceHolder 2"/>
           <p:cNvSpPr>
             <a:spLocks noGrp="1"/>
           </p:cNvSpPr>
@@ -740,21 +719,20 @@
         </p:nvSpPr>
         <p:spPr>
           <a:xfrm>
-            <a:off x="720000" y="2160000"/>
-            <a:ext cx="8640000" cy="4384800"/>
-          </a:xfrm>
-          <a:prstGeom prst="rect">
-            <a:avLst/>
-          </a:prstGeom>
-        </p:spPr>
-        <p:txBody>
-          <a:bodyPr lIns="0" rIns="0" tIns="0" bIns="0"/>
-          <a:p>
-            <a:endParaRPr b="0" lang="ru-RU" sz="2800" spc="-1" strike="noStrike">
-              <a:solidFill>
-                <a:srgbClr val="333333"/>
-              </a:solidFill>
-              <a:latin typeface="Noto Sans Regular"/>
+            <a:off x="504000" y="1768680"/>
+            <a:ext cx="9072000" cy="4384080"/>
+          </a:xfrm>
+          <a:prstGeom prst="rect">
+            <a:avLst/>
+          </a:prstGeom>
+        </p:spPr>
+        <p:txBody>
+          <a:bodyPr lIns="0" rIns="0" tIns="0" bIns="0">
+            <a:normAutofit/>
+          </a:bodyPr>
+          <a:p>
+            <a:endParaRPr b="0" lang="ru-RU" sz="3200" spc="-1" strike="noStrike">
+              <a:latin typeface="Arial"/>
             </a:endParaRPr>
           </a:p>
         </p:txBody>
@@ -783,7 +761,7 @@
       </p:grpSpPr>
       <p:sp>
         <p:nvSpPr>
-          <p:cNvPr id="52" name="PlaceHolder 1"/>
+          <p:cNvPr id="46" name="PlaceHolder 1"/>
           <p:cNvSpPr>
             <a:spLocks noGrp="1"/>
           </p:cNvSpPr>
@@ -793,8 +771,8 @@
         </p:nvSpPr>
         <p:spPr>
           <a:xfrm>
-            <a:off x="720000" y="279720"/>
-            <a:ext cx="8855640" cy="1305000"/>
+            <a:off x="504000" y="301320"/>
+            <a:ext cx="9072000" cy="1261800"/>
           </a:xfrm>
           <a:prstGeom prst="rect">
             <a:avLst/>
@@ -803,18 +781,16 @@
         <p:txBody>
           <a:bodyPr lIns="0" rIns="0" tIns="0" bIns="0" anchor="ctr"/>
           <a:p>
-            <a:endParaRPr b="1" lang="ru-RU" sz="4400" spc="-1" strike="noStrike">
-              <a:solidFill>
-                <a:srgbClr val="333333"/>
-              </a:solidFill>
-              <a:latin typeface="Noto Sans Regular"/>
-            </a:endParaRPr>
-          </a:p>
-        </p:txBody>
-      </p:sp>
-      <p:sp>
-        <p:nvSpPr>
-          <p:cNvPr id="53" name="PlaceHolder 2"/>
+            <a:pPr algn="ctr"/>
+            <a:endParaRPr b="0" lang="ru-RU" sz="4400" spc="-1" strike="noStrike">
+              <a:latin typeface="Arial"/>
+            </a:endParaRPr>
+          </a:p>
+        </p:txBody>
+      </p:sp>
+      <p:sp>
+        <p:nvSpPr>
+          <p:cNvPr id="47" name="PlaceHolder 2"/>
           <p:cNvSpPr>
             <a:spLocks noGrp="1"/>
           </p:cNvSpPr>
@@ -824,28 +800,27 @@
         </p:nvSpPr>
         <p:spPr>
           <a:xfrm>
-            <a:off x="720000" y="2160000"/>
-            <a:ext cx="4215960" cy="4384800"/>
-          </a:xfrm>
-          <a:prstGeom prst="rect">
-            <a:avLst/>
-          </a:prstGeom>
-        </p:spPr>
-        <p:txBody>
-          <a:bodyPr lIns="0" rIns="0" tIns="0" bIns="0"/>
-          <a:p>
-            <a:endParaRPr b="0" lang="ru-RU" sz="2800" spc="-1" strike="noStrike">
-              <a:solidFill>
-                <a:srgbClr val="333333"/>
-              </a:solidFill>
-              <a:latin typeface="Noto Sans Regular"/>
-            </a:endParaRPr>
-          </a:p>
-        </p:txBody>
-      </p:sp>
-      <p:sp>
-        <p:nvSpPr>
-          <p:cNvPr id="54" name="PlaceHolder 3"/>
+            <a:off x="504000" y="1768680"/>
+            <a:ext cx="4426920" cy="4384080"/>
+          </a:xfrm>
+          <a:prstGeom prst="rect">
+            <a:avLst/>
+          </a:prstGeom>
+        </p:spPr>
+        <p:txBody>
+          <a:bodyPr lIns="0" rIns="0" tIns="0" bIns="0">
+            <a:normAutofit/>
+          </a:bodyPr>
+          <a:p>
+            <a:endParaRPr b="0" lang="ru-RU" sz="3200" spc="-1" strike="noStrike">
+              <a:latin typeface="Arial"/>
+            </a:endParaRPr>
+          </a:p>
+        </p:txBody>
+      </p:sp>
+      <p:sp>
+        <p:nvSpPr>
+          <p:cNvPr id="48" name="PlaceHolder 3"/>
           <p:cNvSpPr>
             <a:spLocks noGrp="1"/>
           </p:cNvSpPr>
@@ -855,21 +830,20 @@
         </p:nvSpPr>
         <p:spPr>
           <a:xfrm>
-            <a:off x="5147280" y="2160000"/>
-            <a:ext cx="4215960" cy="4384800"/>
-          </a:xfrm>
-          <a:prstGeom prst="rect">
-            <a:avLst/>
-          </a:prstGeom>
-        </p:spPr>
-        <p:txBody>
-          <a:bodyPr lIns="0" rIns="0" tIns="0" bIns="0"/>
-          <a:p>
-            <a:endParaRPr b="0" lang="ru-RU" sz="2800" spc="-1" strike="noStrike">
-              <a:solidFill>
-                <a:srgbClr val="333333"/>
-              </a:solidFill>
-              <a:latin typeface="Noto Sans Regular"/>
+            <a:off x="5152680" y="1768680"/>
+            <a:ext cx="4426920" cy="4384080"/>
+          </a:xfrm>
+          <a:prstGeom prst="rect">
+            <a:avLst/>
+          </a:prstGeom>
+        </p:spPr>
+        <p:txBody>
+          <a:bodyPr lIns="0" rIns="0" tIns="0" bIns="0">
+            <a:normAutofit/>
+          </a:bodyPr>
+          <a:p>
+            <a:endParaRPr b="0" lang="ru-RU" sz="3200" spc="-1" strike="noStrike">
+              <a:latin typeface="Arial"/>
             </a:endParaRPr>
           </a:p>
         </p:txBody>
@@ -898,7 +872,7 @@
       </p:grpSpPr>
       <p:sp>
         <p:nvSpPr>
-          <p:cNvPr id="55" name="PlaceHolder 1"/>
+          <p:cNvPr id="49" name="PlaceHolder 1"/>
           <p:cNvSpPr>
             <a:spLocks noGrp="1"/>
           </p:cNvSpPr>
@@ -908,8 +882,8 @@
         </p:nvSpPr>
         <p:spPr>
           <a:xfrm>
-            <a:off x="720000" y="279720"/>
-            <a:ext cx="8855640" cy="1305000"/>
+            <a:off x="504000" y="301320"/>
+            <a:ext cx="9072000" cy="1261800"/>
           </a:xfrm>
           <a:prstGeom prst="rect">
             <a:avLst/>
@@ -918,11 +892,9 @@
         <p:txBody>
           <a:bodyPr lIns="0" rIns="0" tIns="0" bIns="0" anchor="ctr"/>
           <a:p>
-            <a:endParaRPr b="1" lang="ru-RU" sz="4400" spc="-1" strike="noStrike">
-              <a:solidFill>
-                <a:srgbClr val="333333"/>
-              </a:solidFill>
-              <a:latin typeface="Noto Sans Regular"/>
+            <a:pPr algn="ctr"/>
+            <a:endParaRPr b="0" lang="ru-RU" sz="4400" spc="-1" strike="noStrike">
+              <a:latin typeface="Arial"/>
             </a:endParaRPr>
           </a:p>
         </p:txBody>
@@ -951,7 +923,7 @@
       </p:grpSpPr>
       <p:sp>
         <p:nvSpPr>
-          <p:cNvPr id="56" name="PlaceHolder 1"/>
+          <p:cNvPr id="50" name="PlaceHolder 1"/>
           <p:cNvSpPr>
             <a:spLocks noGrp="1"/>
           </p:cNvSpPr>
@@ -961,8 +933,8 @@
         </p:nvSpPr>
         <p:spPr>
           <a:xfrm>
-            <a:off x="720000" y="300960"/>
-            <a:ext cx="8855640" cy="5853600"/>
+            <a:off x="504000" y="301320"/>
+            <a:ext cx="9072000" cy="5850360"/>
           </a:xfrm>
           <a:prstGeom prst="rect">
             <a:avLst/>
@@ -1002,7 +974,7 @@
       </p:grpSpPr>
       <p:sp>
         <p:nvSpPr>
-          <p:cNvPr id="57" name="PlaceHolder 1"/>
+          <p:cNvPr id="51" name="PlaceHolder 1"/>
           <p:cNvSpPr>
             <a:spLocks noGrp="1"/>
           </p:cNvSpPr>
@@ -1012,8 +984,8 @@
         </p:nvSpPr>
         <p:spPr>
           <a:xfrm>
-            <a:off x="720000" y="279720"/>
-            <a:ext cx="8855640" cy="1305000"/>
+            <a:off x="504000" y="301320"/>
+            <a:ext cx="9072000" cy="1261800"/>
           </a:xfrm>
           <a:prstGeom prst="rect">
             <a:avLst/>
@@ -1022,18 +994,16 @@
         <p:txBody>
           <a:bodyPr lIns="0" rIns="0" tIns="0" bIns="0" anchor="ctr"/>
           <a:p>
-            <a:endParaRPr b="1" lang="ru-RU" sz="4400" spc="-1" strike="noStrike">
-              <a:solidFill>
-                <a:srgbClr val="333333"/>
-              </a:solidFill>
-              <a:latin typeface="Noto Sans Regular"/>
-            </a:endParaRPr>
-          </a:p>
-        </p:txBody>
-      </p:sp>
-      <p:sp>
-        <p:nvSpPr>
-          <p:cNvPr id="58" name="PlaceHolder 2"/>
+            <a:pPr algn="ctr"/>
+            <a:endParaRPr b="0" lang="ru-RU" sz="4400" spc="-1" strike="noStrike">
+              <a:latin typeface="Arial"/>
+            </a:endParaRPr>
+          </a:p>
+        </p:txBody>
+      </p:sp>
+      <p:sp>
+        <p:nvSpPr>
+          <p:cNvPr id="52" name="PlaceHolder 2"/>
           <p:cNvSpPr>
             <a:spLocks noGrp="1"/>
           </p:cNvSpPr>
@@ -1043,28 +1013,27 @@
         </p:nvSpPr>
         <p:spPr>
           <a:xfrm>
-            <a:off x="720000" y="2160000"/>
-            <a:ext cx="4215960" cy="2091240"/>
-          </a:xfrm>
-          <a:prstGeom prst="rect">
-            <a:avLst/>
-          </a:prstGeom>
-        </p:spPr>
-        <p:txBody>
-          <a:bodyPr lIns="0" rIns="0" tIns="0" bIns="0"/>
-          <a:p>
-            <a:endParaRPr b="0" lang="ru-RU" sz="2800" spc="-1" strike="noStrike">
-              <a:solidFill>
-                <a:srgbClr val="333333"/>
-              </a:solidFill>
-              <a:latin typeface="Noto Sans Regular"/>
-            </a:endParaRPr>
-          </a:p>
-        </p:txBody>
-      </p:sp>
-      <p:sp>
-        <p:nvSpPr>
-          <p:cNvPr id="59" name="PlaceHolder 3"/>
+            <a:off x="504000" y="1768680"/>
+            <a:ext cx="4426920" cy="2090880"/>
+          </a:xfrm>
+          <a:prstGeom prst="rect">
+            <a:avLst/>
+          </a:prstGeom>
+        </p:spPr>
+        <p:txBody>
+          <a:bodyPr lIns="0" rIns="0" tIns="0" bIns="0">
+            <a:normAutofit/>
+          </a:bodyPr>
+          <a:p>
+            <a:endParaRPr b="0" lang="ru-RU" sz="3200" spc="-1" strike="noStrike">
+              <a:latin typeface="Arial"/>
+            </a:endParaRPr>
+          </a:p>
+        </p:txBody>
+      </p:sp>
+      <p:sp>
+        <p:nvSpPr>
+          <p:cNvPr id="53" name="PlaceHolder 3"/>
           <p:cNvSpPr>
             <a:spLocks noGrp="1"/>
           </p:cNvSpPr>
@@ -1074,28 +1043,27 @@
         </p:nvSpPr>
         <p:spPr>
           <a:xfrm>
-            <a:off x="5147280" y="2160000"/>
-            <a:ext cx="4215960" cy="4384800"/>
-          </a:xfrm>
-          <a:prstGeom prst="rect">
-            <a:avLst/>
-          </a:prstGeom>
-        </p:spPr>
-        <p:txBody>
-          <a:bodyPr lIns="0" rIns="0" tIns="0" bIns="0"/>
-          <a:p>
-            <a:endParaRPr b="0" lang="ru-RU" sz="2800" spc="-1" strike="noStrike">
-              <a:solidFill>
-                <a:srgbClr val="333333"/>
-              </a:solidFill>
-              <a:latin typeface="Noto Sans Regular"/>
-            </a:endParaRPr>
-          </a:p>
-        </p:txBody>
-      </p:sp>
-      <p:sp>
-        <p:nvSpPr>
-          <p:cNvPr id="60" name="PlaceHolder 4"/>
+            <a:off x="5152680" y="1768680"/>
+            <a:ext cx="4426920" cy="4384080"/>
+          </a:xfrm>
+          <a:prstGeom prst="rect">
+            <a:avLst/>
+          </a:prstGeom>
+        </p:spPr>
+        <p:txBody>
+          <a:bodyPr lIns="0" rIns="0" tIns="0" bIns="0">
+            <a:normAutofit/>
+          </a:bodyPr>
+          <a:p>
+            <a:endParaRPr b="0" lang="ru-RU" sz="3200" spc="-1" strike="noStrike">
+              <a:latin typeface="Arial"/>
+            </a:endParaRPr>
+          </a:p>
+        </p:txBody>
+      </p:sp>
+      <p:sp>
+        <p:nvSpPr>
+          <p:cNvPr id="54" name="PlaceHolder 4"/>
           <p:cNvSpPr>
             <a:spLocks noGrp="1"/>
           </p:cNvSpPr>
@@ -1105,21 +1073,20 @@
         </p:nvSpPr>
         <p:spPr>
           <a:xfrm>
-            <a:off x="720000" y="4450320"/>
-            <a:ext cx="4215960" cy="2091240"/>
-          </a:xfrm>
-          <a:prstGeom prst="rect">
-            <a:avLst/>
-          </a:prstGeom>
-        </p:spPr>
-        <p:txBody>
-          <a:bodyPr lIns="0" rIns="0" tIns="0" bIns="0"/>
-          <a:p>
-            <a:endParaRPr b="0" lang="ru-RU" sz="2800" spc="-1" strike="noStrike">
-              <a:solidFill>
-                <a:srgbClr val="333333"/>
-              </a:solidFill>
-              <a:latin typeface="Noto Sans Regular"/>
+            <a:off x="504000" y="4058640"/>
+            <a:ext cx="4426920" cy="2090880"/>
+          </a:xfrm>
+          <a:prstGeom prst="rect">
+            <a:avLst/>
+          </a:prstGeom>
+        </p:spPr>
+        <p:txBody>
+          <a:bodyPr lIns="0" rIns="0" tIns="0" bIns="0">
+            <a:normAutofit/>
+          </a:bodyPr>
+          <a:p>
+            <a:endParaRPr b="0" lang="ru-RU" sz="3200" spc="-1" strike="noStrike">
+              <a:latin typeface="Arial"/>
             </a:endParaRPr>
           </a:p>
         </p:txBody>
@@ -1148,7 +1115,7 @@
       </p:grpSpPr>
       <p:sp>
         <p:nvSpPr>
-          <p:cNvPr id="6" name="PlaceHolder 1"/>
+          <p:cNvPr id="3" name="PlaceHolder 1"/>
           <p:cNvSpPr>
             <a:spLocks noGrp="1"/>
           </p:cNvSpPr>
@@ -1158,8 +1125,8 @@
         </p:nvSpPr>
         <p:spPr>
           <a:xfrm>
-            <a:off x="720000" y="279720"/>
-            <a:ext cx="8855640" cy="1305000"/>
+            <a:off x="504000" y="301320"/>
+            <a:ext cx="9072000" cy="1261800"/>
           </a:xfrm>
           <a:prstGeom prst="rect">
             <a:avLst/>
@@ -1168,18 +1135,16 @@
         <p:txBody>
           <a:bodyPr lIns="0" rIns="0" tIns="0" bIns="0" anchor="ctr"/>
           <a:p>
-            <a:endParaRPr b="1" lang="ru-RU" sz="4400" spc="-1" strike="noStrike">
-              <a:solidFill>
-                <a:srgbClr val="333333"/>
-              </a:solidFill>
-              <a:latin typeface="Noto Sans Regular"/>
-            </a:endParaRPr>
-          </a:p>
-        </p:txBody>
-      </p:sp>
-      <p:sp>
-        <p:nvSpPr>
-          <p:cNvPr id="7" name="PlaceHolder 2"/>
+            <a:pPr algn="ctr"/>
+            <a:endParaRPr b="0" lang="ru-RU" sz="4400" spc="-1" strike="noStrike">
+              <a:latin typeface="Arial"/>
+            </a:endParaRPr>
+          </a:p>
+        </p:txBody>
+      </p:sp>
+      <p:sp>
+        <p:nvSpPr>
+          <p:cNvPr id="4" name="PlaceHolder 2"/>
           <p:cNvSpPr>
             <a:spLocks noGrp="1"/>
           </p:cNvSpPr>
@@ -1189,8 +1154,8 @@
         </p:nvSpPr>
         <p:spPr>
           <a:xfrm>
-            <a:off x="720000" y="2160000"/>
-            <a:ext cx="8640000" cy="4384800"/>
+            <a:off x="504000" y="1768680"/>
+            <a:ext cx="9072000" cy="4384080"/>
           </a:xfrm>
           <a:prstGeom prst="rect">
             <a:avLst/>
@@ -1230,7 +1195,7 @@
       </p:grpSpPr>
       <p:sp>
         <p:nvSpPr>
-          <p:cNvPr id="61" name="PlaceHolder 1"/>
+          <p:cNvPr id="55" name="PlaceHolder 1"/>
           <p:cNvSpPr>
             <a:spLocks noGrp="1"/>
           </p:cNvSpPr>
@@ -1240,8 +1205,8 @@
         </p:nvSpPr>
         <p:spPr>
           <a:xfrm>
-            <a:off x="720000" y="279720"/>
-            <a:ext cx="8855640" cy="1305000"/>
+            <a:off x="504000" y="301320"/>
+            <a:ext cx="9072000" cy="1261800"/>
           </a:xfrm>
           <a:prstGeom prst="rect">
             <a:avLst/>
@@ -1250,18 +1215,16 @@
         <p:txBody>
           <a:bodyPr lIns="0" rIns="0" tIns="0" bIns="0" anchor="ctr"/>
           <a:p>
-            <a:endParaRPr b="1" lang="ru-RU" sz="4400" spc="-1" strike="noStrike">
-              <a:solidFill>
-                <a:srgbClr val="333333"/>
-              </a:solidFill>
-              <a:latin typeface="Noto Sans Regular"/>
-            </a:endParaRPr>
-          </a:p>
-        </p:txBody>
-      </p:sp>
-      <p:sp>
-        <p:nvSpPr>
-          <p:cNvPr id="62" name="PlaceHolder 2"/>
+            <a:pPr algn="ctr"/>
+            <a:endParaRPr b="0" lang="ru-RU" sz="4400" spc="-1" strike="noStrike">
+              <a:latin typeface="Arial"/>
+            </a:endParaRPr>
+          </a:p>
+        </p:txBody>
+      </p:sp>
+      <p:sp>
+        <p:nvSpPr>
+          <p:cNvPr id="56" name="PlaceHolder 2"/>
           <p:cNvSpPr>
             <a:spLocks noGrp="1"/>
           </p:cNvSpPr>
@@ -1271,28 +1234,27 @@
         </p:nvSpPr>
         <p:spPr>
           <a:xfrm>
-            <a:off x="720000" y="2160000"/>
-            <a:ext cx="4215960" cy="4384800"/>
-          </a:xfrm>
-          <a:prstGeom prst="rect">
-            <a:avLst/>
-          </a:prstGeom>
-        </p:spPr>
-        <p:txBody>
-          <a:bodyPr lIns="0" rIns="0" tIns="0" bIns="0"/>
-          <a:p>
-            <a:endParaRPr b="0" lang="ru-RU" sz="2800" spc="-1" strike="noStrike">
-              <a:solidFill>
-                <a:srgbClr val="333333"/>
-              </a:solidFill>
-              <a:latin typeface="Noto Sans Regular"/>
-            </a:endParaRPr>
-          </a:p>
-        </p:txBody>
-      </p:sp>
-      <p:sp>
-        <p:nvSpPr>
-          <p:cNvPr id="63" name="PlaceHolder 3"/>
+            <a:off x="504000" y="1768680"/>
+            <a:ext cx="4426920" cy="4384080"/>
+          </a:xfrm>
+          <a:prstGeom prst="rect">
+            <a:avLst/>
+          </a:prstGeom>
+        </p:spPr>
+        <p:txBody>
+          <a:bodyPr lIns="0" rIns="0" tIns="0" bIns="0">
+            <a:normAutofit/>
+          </a:bodyPr>
+          <a:p>
+            <a:endParaRPr b="0" lang="ru-RU" sz="3200" spc="-1" strike="noStrike">
+              <a:latin typeface="Arial"/>
+            </a:endParaRPr>
+          </a:p>
+        </p:txBody>
+      </p:sp>
+      <p:sp>
+        <p:nvSpPr>
+          <p:cNvPr id="57" name="PlaceHolder 3"/>
           <p:cNvSpPr>
             <a:spLocks noGrp="1"/>
           </p:cNvSpPr>
@@ -1302,28 +1264,27 @@
         </p:nvSpPr>
         <p:spPr>
           <a:xfrm>
-            <a:off x="5147280" y="2160000"/>
-            <a:ext cx="4215960" cy="2091240"/>
-          </a:xfrm>
-          <a:prstGeom prst="rect">
-            <a:avLst/>
-          </a:prstGeom>
-        </p:spPr>
-        <p:txBody>
-          <a:bodyPr lIns="0" rIns="0" tIns="0" bIns="0"/>
-          <a:p>
-            <a:endParaRPr b="0" lang="ru-RU" sz="2800" spc="-1" strike="noStrike">
-              <a:solidFill>
-                <a:srgbClr val="333333"/>
-              </a:solidFill>
-              <a:latin typeface="Noto Sans Regular"/>
-            </a:endParaRPr>
-          </a:p>
-        </p:txBody>
-      </p:sp>
-      <p:sp>
-        <p:nvSpPr>
-          <p:cNvPr id="64" name="PlaceHolder 4"/>
+            <a:off x="5152680" y="1768680"/>
+            <a:ext cx="4426920" cy="2090880"/>
+          </a:xfrm>
+          <a:prstGeom prst="rect">
+            <a:avLst/>
+          </a:prstGeom>
+        </p:spPr>
+        <p:txBody>
+          <a:bodyPr lIns="0" rIns="0" tIns="0" bIns="0">
+            <a:normAutofit/>
+          </a:bodyPr>
+          <a:p>
+            <a:endParaRPr b="0" lang="ru-RU" sz="3200" spc="-1" strike="noStrike">
+              <a:latin typeface="Arial"/>
+            </a:endParaRPr>
+          </a:p>
+        </p:txBody>
+      </p:sp>
+      <p:sp>
+        <p:nvSpPr>
+          <p:cNvPr id="58" name="PlaceHolder 4"/>
           <p:cNvSpPr>
             <a:spLocks noGrp="1"/>
           </p:cNvSpPr>
@@ -1333,21 +1294,20 @@
         </p:nvSpPr>
         <p:spPr>
           <a:xfrm>
-            <a:off x="5147280" y="4450320"/>
-            <a:ext cx="4215960" cy="2091240"/>
-          </a:xfrm>
-          <a:prstGeom prst="rect">
-            <a:avLst/>
-          </a:prstGeom>
-        </p:spPr>
-        <p:txBody>
-          <a:bodyPr lIns="0" rIns="0" tIns="0" bIns="0"/>
-          <a:p>
-            <a:endParaRPr b="0" lang="ru-RU" sz="2800" spc="-1" strike="noStrike">
-              <a:solidFill>
-                <a:srgbClr val="333333"/>
-              </a:solidFill>
-              <a:latin typeface="Noto Sans Regular"/>
+            <a:off x="5152680" y="4058640"/>
+            <a:ext cx="4426920" cy="2090880"/>
+          </a:xfrm>
+          <a:prstGeom prst="rect">
+            <a:avLst/>
+          </a:prstGeom>
+        </p:spPr>
+        <p:txBody>
+          <a:bodyPr lIns="0" rIns="0" tIns="0" bIns="0">
+            <a:normAutofit/>
+          </a:bodyPr>
+          <a:p>
+            <a:endParaRPr b="0" lang="ru-RU" sz="3200" spc="-1" strike="noStrike">
+              <a:latin typeface="Arial"/>
             </a:endParaRPr>
           </a:p>
         </p:txBody>
@@ -1376,7 +1336,7 @@
       </p:grpSpPr>
       <p:sp>
         <p:nvSpPr>
-          <p:cNvPr id="65" name="PlaceHolder 1"/>
+          <p:cNvPr id="59" name="PlaceHolder 1"/>
           <p:cNvSpPr>
             <a:spLocks noGrp="1"/>
           </p:cNvSpPr>
@@ -1386,8 +1346,8 @@
         </p:nvSpPr>
         <p:spPr>
           <a:xfrm>
-            <a:off x="720000" y="279720"/>
-            <a:ext cx="8855640" cy="1305000"/>
+            <a:off x="504000" y="301320"/>
+            <a:ext cx="9072000" cy="1261800"/>
           </a:xfrm>
           <a:prstGeom prst="rect">
             <a:avLst/>
@@ -1396,18 +1356,16 @@
         <p:txBody>
           <a:bodyPr lIns="0" rIns="0" tIns="0" bIns="0" anchor="ctr"/>
           <a:p>
-            <a:endParaRPr b="1" lang="ru-RU" sz="4400" spc="-1" strike="noStrike">
-              <a:solidFill>
-                <a:srgbClr val="333333"/>
-              </a:solidFill>
-              <a:latin typeface="Noto Sans Regular"/>
-            </a:endParaRPr>
-          </a:p>
-        </p:txBody>
-      </p:sp>
-      <p:sp>
-        <p:nvSpPr>
-          <p:cNvPr id="66" name="PlaceHolder 2"/>
+            <a:pPr algn="ctr"/>
+            <a:endParaRPr b="0" lang="ru-RU" sz="4400" spc="-1" strike="noStrike">
+              <a:latin typeface="Arial"/>
+            </a:endParaRPr>
+          </a:p>
+        </p:txBody>
+      </p:sp>
+      <p:sp>
+        <p:nvSpPr>
+          <p:cNvPr id="60" name="PlaceHolder 2"/>
           <p:cNvSpPr>
             <a:spLocks noGrp="1"/>
           </p:cNvSpPr>
@@ -1417,28 +1375,27 @@
         </p:nvSpPr>
         <p:spPr>
           <a:xfrm>
-            <a:off x="720000" y="2160000"/>
-            <a:ext cx="4215960" cy="2091240"/>
-          </a:xfrm>
-          <a:prstGeom prst="rect">
-            <a:avLst/>
-          </a:prstGeom>
-        </p:spPr>
-        <p:txBody>
-          <a:bodyPr lIns="0" rIns="0" tIns="0" bIns="0"/>
-          <a:p>
-            <a:endParaRPr b="0" lang="ru-RU" sz="2800" spc="-1" strike="noStrike">
-              <a:solidFill>
-                <a:srgbClr val="333333"/>
-              </a:solidFill>
-              <a:latin typeface="Noto Sans Regular"/>
-            </a:endParaRPr>
-          </a:p>
-        </p:txBody>
-      </p:sp>
-      <p:sp>
-        <p:nvSpPr>
-          <p:cNvPr id="67" name="PlaceHolder 3"/>
+            <a:off x="504000" y="1768680"/>
+            <a:ext cx="4426920" cy="2090880"/>
+          </a:xfrm>
+          <a:prstGeom prst="rect">
+            <a:avLst/>
+          </a:prstGeom>
+        </p:spPr>
+        <p:txBody>
+          <a:bodyPr lIns="0" rIns="0" tIns="0" bIns="0">
+            <a:normAutofit/>
+          </a:bodyPr>
+          <a:p>
+            <a:endParaRPr b="0" lang="ru-RU" sz="3200" spc="-1" strike="noStrike">
+              <a:latin typeface="Arial"/>
+            </a:endParaRPr>
+          </a:p>
+        </p:txBody>
+      </p:sp>
+      <p:sp>
+        <p:nvSpPr>
+          <p:cNvPr id="61" name="PlaceHolder 3"/>
           <p:cNvSpPr>
             <a:spLocks noGrp="1"/>
           </p:cNvSpPr>
@@ -1448,28 +1405,27 @@
         </p:nvSpPr>
         <p:spPr>
           <a:xfrm>
-            <a:off x="5147280" y="2160000"/>
-            <a:ext cx="4215960" cy="2091240"/>
-          </a:xfrm>
-          <a:prstGeom prst="rect">
-            <a:avLst/>
-          </a:prstGeom>
-        </p:spPr>
-        <p:txBody>
-          <a:bodyPr lIns="0" rIns="0" tIns="0" bIns="0"/>
-          <a:p>
-            <a:endParaRPr b="0" lang="ru-RU" sz="2800" spc="-1" strike="noStrike">
-              <a:solidFill>
-                <a:srgbClr val="333333"/>
-              </a:solidFill>
-              <a:latin typeface="Noto Sans Regular"/>
-            </a:endParaRPr>
-          </a:p>
-        </p:txBody>
-      </p:sp>
-      <p:sp>
-        <p:nvSpPr>
-          <p:cNvPr id="68" name="PlaceHolder 4"/>
+            <a:off x="5152680" y="1768680"/>
+            <a:ext cx="4426920" cy="2090880"/>
+          </a:xfrm>
+          <a:prstGeom prst="rect">
+            <a:avLst/>
+          </a:prstGeom>
+        </p:spPr>
+        <p:txBody>
+          <a:bodyPr lIns="0" rIns="0" tIns="0" bIns="0">
+            <a:normAutofit/>
+          </a:bodyPr>
+          <a:p>
+            <a:endParaRPr b="0" lang="ru-RU" sz="3200" spc="-1" strike="noStrike">
+              <a:latin typeface="Arial"/>
+            </a:endParaRPr>
+          </a:p>
+        </p:txBody>
+      </p:sp>
+      <p:sp>
+        <p:nvSpPr>
+          <p:cNvPr id="62" name="PlaceHolder 4"/>
           <p:cNvSpPr>
             <a:spLocks noGrp="1"/>
           </p:cNvSpPr>
@@ -1479,21 +1435,20 @@
         </p:nvSpPr>
         <p:spPr>
           <a:xfrm>
-            <a:off x="720000" y="4450320"/>
-            <a:ext cx="8640000" cy="2091240"/>
-          </a:xfrm>
-          <a:prstGeom prst="rect">
-            <a:avLst/>
-          </a:prstGeom>
-        </p:spPr>
-        <p:txBody>
-          <a:bodyPr lIns="0" rIns="0" tIns="0" bIns="0"/>
-          <a:p>
-            <a:endParaRPr b="0" lang="ru-RU" sz="2800" spc="-1" strike="noStrike">
-              <a:solidFill>
-                <a:srgbClr val="333333"/>
-              </a:solidFill>
-              <a:latin typeface="Noto Sans Regular"/>
+            <a:off x="504000" y="4058640"/>
+            <a:ext cx="9072000" cy="2090880"/>
+          </a:xfrm>
+          <a:prstGeom prst="rect">
+            <a:avLst/>
+          </a:prstGeom>
+        </p:spPr>
+        <p:txBody>
+          <a:bodyPr lIns="0" rIns="0" tIns="0" bIns="0">
+            <a:normAutofit/>
+          </a:bodyPr>
+          <a:p>
+            <a:endParaRPr b="0" lang="ru-RU" sz="3200" spc="-1" strike="noStrike">
+              <a:latin typeface="Arial"/>
             </a:endParaRPr>
           </a:p>
         </p:txBody>
@@ -1522,7 +1477,7 @@
       </p:grpSpPr>
       <p:sp>
         <p:nvSpPr>
-          <p:cNvPr id="69" name="PlaceHolder 1"/>
+          <p:cNvPr id="63" name="PlaceHolder 1"/>
           <p:cNvSpPr>
             <a:spLocks noGrp="1"/>
           </p:cNvSpPr>
@@ -1532,8 +1487,8 @@
         </p:nvSpPr>
         <p:spPr>
           <a:xfrm>
-            <a:off x="720000" y="279720"/>
-            <a:ext cx="8855640" cy="1305000"/>
+            <a:off x="504000" y="301320"/>
+            <a:ext cx="9072000" cy="1261800"/>
           </a:xfrm>
           <a:prstGeom prst="rect">
             <a:avLst/>
@@ -1542,18 +1497,16 @@
         <p:txBody>
           <a:bodyPr lIns="0" rIns="0" tIns="0" bIns="0" anchor="ctr"/>
           <a:p>
-            <a:endParaRPr b="1" lang="ru-RU" sz="4400" spc="-1" strike="noStrike">
-              <a:solidFill>
-                <a:srgbClr val="333333"/>
-              </a:solidFill>
-              <a:latin typeface="Noto Sans Regular"/>
-            </a:endParaRPr>
-          </a:p>
-        </p:txBody>
-      </p:sp>
-      <p:sp>
-        <p:nvSpPr>
-          <p:cNvPr id="70" name="PlaceHolder 2"/>
+            <a:pPr algn="ctr"/>
+            <a:endParaRPr b="0" lang="ru-RU" sz="4400" spc="-1" strike="noStrike">
+              <a:latin typeface="Arial"/>
+            </a:endParaRPr>
+          </a:p>
+        </p:txBody>
+      </p:sp>
+      <p:sp>
+        <p:nvSpPr>
+          <p:cNvPr id="64" name="PlaceHolder 2"/>
           <p:cNvSpPr>
             <a:spLocks noGrp="1"/>
           </p:cNvSpPr>
@@ -1563,28 +1516,27 @@
         </p:nvSpPr>
         <p:spPr>
           <a:xfrm>
-            <a:off x="720000" y="2160000"/>
-            <a:ext cx="8640000" cy="2091240"/>
-          </a:xfrm>
-          <a:prstGeom prst="rect">
-            <a:avLst/>
-          </a:prstGeom>
-        </p:spPr>
-        <p:txBody>
-          <a:bodyPr lIns="0" rIns="0" tIns="0" bIns="0"/>
-          <a:p>
-            <a:endParaRPr b="0" lang="ru-RU" sz="2800" spc="-1" strike="noStrike">
-              <a:solidFill>
-                <a:srgbClr val="333333"/>
-              </a:solidFill>
-              <a:latin typeface="Noto Sans Regular"/>
-            </a:endParaRPr>
-          </a:p>
-        </p:txBody>
-      </p:sp>
-      <p:sp>
-        <p:nvSpPr>
-          <p:cNvPr id="71" name="PlaceHolder 3"/>
+            <a:off x="504000" y="1768680"/>
+            <a:ext cx="9072000" cy="2090880"/>
+          </a:xfrm>
+          <a:prstGeom prst="rect">
+            <a:avLst/>
+          </a:prstGeom>
+        </p:spPr>
+        <p:txBody>
+          <a:bodyPr lIns="0" rIns="0" tIns="0" bIns="0">
+            <a:normAutofit/>
+          </a:bodyPr>
+          <a:p>
+            <a:endParaRPr b="0" lang="ru-RU" sz="3200" spc="-1" strike="noStrike">
+              <a:latin typeface="Arial"/>
+            </a:endParaRPr>
+          </a:p>
+        </p:txBody>
+      </p:sp>
+      <p:sp>
+        <p:nvSpPr>
+          <p:cNvPr id="65" name="PlaceHolder 3"/>
           <p:cNvSpPr>
             <a:spLocks noGrp="1"/>
           </p:cNvSpPr>
@@ -1594,21 +1546,20 @@
         </p:nvSpPr>
         <p:spPr>
           <a:xfrm>
-            <a:off x="720000" y="4450320"/>
-            <a:ext cx="8640000" cy="2091240"/>
-          </a:xfrm>
-          <a:prstGeom prst="rect">
-            <a:avLst/>
-          </a:prstGeom>
-        </p:spPr>
-        <p:txBody>
-          <a:bodyPr lIns="0" rIns="0" tIns="0" bIns="0"/>
-          <a:p>
-            <a:endParaRPr b="0" lang="ru-RU" sz="2800" spc="-1" strike="noStrike">
-              <a:solidFill>
-                <a:srgbClr val="333333"/>
-              </a:solidFill>
-              <a:latin typeface="Noto Sans Regular"/>
+            <a:off x="504000" y="4058640"/>
+            <a:ext cx="9072000" cy="2090880"/>
+          </a:xfrm>
+          <a:prstGeom prst="rect">
+            <a:avLst/>
+          </a:prstGeom>
+        </p:spPr>
+        <p:txBody>
+          <a:bodyPr lIns="0" rIns="0" tIns="0" bIns="0">
+            <a:normAutofit/>
+          </a:bodyPr>
+          <a:p>
+            <a:endParaRPr b="0" lang="ru-RU" sz="3200" spc="-1" strike="noStrike">
+              <a:latin typeface="Arial"/>
             </a:endParaRPr>
           </a:p>
         </p:txBody>
@@ -1637,7 +1588,7 @@
       </p:grpSpPr>
       <p:sp>
         <p:nvSpPr>
-          <p:cNvPr id="72" name="PlaceHolder 1"/>
+          <p:cNvPr id="66" name="PlaceHolder 1"/>
           <p:cNvSpPr>
             <a:spLocks noGrp="1"/>
           </p:cNvSpPr>
@@ -1647,8 +1598,8 @@
         </p:nvSpPr>
         <p:spPr>
           <a:xfrm>
-            <a:off x="720000" y="279720"/>
-            <a:ext cx="8855640" cy="1305000"/>
+            <a:off x="504000" y="301320"/>
+            <a:ext cx="9072000" cy="1261800"/>
           </a:xfrm>
           <a:prstGeom prst="rect">
             <a:avLst/>
@@ -1657,18 +1608,16 @@
         <p:txBody>
           <a:bodyPr lIns="0" rIns="0" tIns="0" bIns="0" anchor="ctr"/>
           <a:p>
-            <a:endParaRPr b="1" lang="ru-RU" sz="4400" spc="-1" strike="noStrike">
-              <a:solidFill>
-                <a:srgbClr val="333333"/>
-              </a:solidFill>
-              <a:latin typeface="Noto Sans Regular"/>
-            </a:endParaRPr>
-          </a:p>
-        </p:txBody>
-      </p:sp>
-      <p:sp>
-        <p:nvSpPr>
-          <p:cNvPr id="73" name="PlaceHolder 2"/>
+            <a:pPr algn="ctr"/>
+            <a:endParaRPr b="0" lang="ru-RU" sz="4400" spc="-1" strike="noStrike">
+              <a:latin typeface="Arial"/>
+            </a:endParaRPr>
+          </a:p>
+        </p:txBody>
+      </p:sp>
+      <p:sp>
+        <p:nvSpPr>
+          <p:cNvPr id="67" name="PlaceHolder 2"/>
           <p:cNvSpPr>
             <a:spLocks noGrp="1"/>
           </p:cNvSpPr>
@@ -1678,28 +1627,27 @@
         </p:nvSpPr>
         <p:spPr>
           <a:xfrm>
-            <a:off x="720000" y="2160000"/>
-            <a:ext cx="4215960" cy="2091240"/>
-          </a:xfrm>
-          <a:prstGeom prst="rect">
-            <a:avLst/>
-          </a:prstGeom>
-        </p:spPr>
-        <p:txBody>
-          <a:bodyPr lIns="0" rIns="0" tIns="0" bIns="0"/>
-          <a:p>
-            <a:endParaRPr b="0" lang="ru-RU" sz="2800" spc="-1" strike="noStrike">
-              <a:solidFill>
-                <a:srgbClr val="333333"/>
-              </a:solidFill>
-              <a:latin typeface="Noto Sans Regular"/>
-            </a:endParaRPr>
-          </a:p>
-        </p:txBody>
-      </p:sp>
-      <p:sp>
-        <p:nvSpPr>
-          <p:cNvPr id="74" name="PlaceHolder 3"/>
+            <a:off x="504000" y="1768680"/>
+            <a:ext cx="4426920" cy="2090880"/>
+          </a:xfrm>
+          <a:prstGeom prst="rect">
+            <a:avLst/>
+          </a:prstGeom>
+        </p:spPr>
+        <p:txBody>
+          <a:bodyPr lIns="0" rIns="0" tIns="0" bIns="0">
+            <a:normAutofit/>
+          </a:bodyPr>
+          <a:p>
+            <a:endParaRPr b="0" lang="ru-RU" sz="3200" spc="-1" strike="noStrike">
+              <a:latin typeface="Arial"/>
+            </a:endParaRPr>
+          </a:p>
+        </p:txBody>
+      </p:sp>
+      <p:sp>
+        <p:nvSpPr>
+          <p:cNvPr id="68" name="PlaceHolder 3"/>
           <p:cNvSpPr>
             <a:spLocks noGrp="1"/>
           </p:cNvSpPr>
@@ -1709,28 +1657,27 @@
         </p:nvSpPr>
         <p:spPr>
           <a:xfrm>
-            <a:off x="5147280" y="2160000"/>
-            <a:ext cx="4215960" cy="2091240"/>
-          </a:xfrm>
-          <a:prstGeom prst="rect">
-            <a:avLst/>
-          </a:prstGeom>
-        </p:spPr>
-        <p:txBody>
-          <a:bodyPr lIns="0" rIns="0" tIns="0" bIns="0"/>
-          <a:p>
-            <a:endParaRPr b="0" lang="ru-RU" sz="2800" spc="-1" strike="noStrike">
-              <a:solidFill>
-                <a:srgbClr val="333333"/>
-              </a:solidFill>
-              <a:latin typeface="Noto Sans Regular"/>
-            </a:endParaRPr>
-          </a:p>
-        </p:txBody>
-      </p:sp>
-      <p:sp>
-        <p:nvSpPr>
-          <p:cNvPr id="75" name="PlaceHolder 4"/>
+            <a:off x="5152680" y="1768680"/>
+            <a:ext cx="4426920" cy="2090880"/>
+          </a:xfrm>
+          <a:prstGeom prst="rect">
+            <a:avLst/>
+          </a:prstGeom>
+        </p:spPr>
+        <p:txBody>
+          <a:bodyPr lIns="0" rIns="0" tIns="0" bIns="0">
+            <a:normAutofit/>
+          </a:bodyPr>
+          <a:p>
+            <a:endParaRPr b="0" lang="ru-RU" sz="3200" spc="-1" strike="noStrike">
+              <a:latin typeface="Arial"/>
+            </a:endParaRPr>
+          </a:p>
+        </p:txBody>
+      </p:sp>
+      <p:sp>
+        <p:nvSpPr>
+          <p:cNvPr id="69" name="PlaceHolder 4"/>
           <p:cNvSpPr>
             <a:spLocks noGrp="1"/>
           </p:cNvSpPr>
@@ -1740,28 +1687,27 @@
         </p:nvSpPr>
         <p:spPr>
           <a:xfrm>
-            <a:off x="720000" y="4450320"/>
-            <a:ext cx="4215960" cy="2091240"/>
-          </a:xfrm>
-          <a:prstGeom prst="rect">
-            <a:avLst/>
-          </a:prstGeom>
-        </p:spPr>
-        <p:txBody>
-          <a:bodyPr lIns="0" rIns="0" tIns="0" bIns="0"/>
-          <a:p>
-            <a:endParaRPr b="0" lang="ru-RU" sz="2800" spc="-1" strike="noStrike">
-              <a:solidFill>
-                <a:srgbClr val="333333"/>
-              </a:solidFill>
-              <a:latin typeface="Noto Sans Regular"/>
-            </a:endParaRPr>
-          </a:p>
-        </p:txBody>
-      </p:sp>
-      <p:sp>
-        <p:nvSpPr>
-          <p:cNvPr id="76" name="PlaceHolder 5"/>
+            <a:off x="504000" y="4058640"/>
+            <a:ext cx="4426920" cy="2090880"/>
+          </a:xfrm>
+          <a:prstGeom prst="rect">
+            <a:avLst/>
+          </a:prstGeom>
+        </p:spPr>
+        <p:txBody>
+          <a:bodyPr lIns="0" rIns="0" tIns="0" bIns="0">
+            <a:normAutofit/>
+          </a:bodyPr>
+          <a:p>
+            <a:endParaRPr b="0" lang="ru-RU" sz="3200" spc="-1" strike="noStrike">
+              <a:latin typeface="Arial"/>
+            </a:endParaRPr>
+          </a:p>
+        </p:txBody>
+      </p:sp>
+      <p:sp>
+        <p:nvSpPr>
+          <p:cNvPr id="70" name="PlaceHolder 5"/>
           <p:cNvSpPr>
             <a:spLocks noGrp="1"/>
           </p:cNvSpPr>
@@ -1771,21 +1717,20 @@
         </p:nvSpPr>
         <p:spPr>
           <a:xfrm>
-            <a:off x="5147280" y="4450320"/>
-            <a:ext cx="4215960" cy="2091240"/>
-          </a:xfrm>
-          <a:prstGeom prst="rect">
-            <a:avLst/>
-          </a:prstGeom>
-        </p:spPr>
-        <p:txBody>
-          <a:bodyPr lIns="0" rIns="0" tIns="0" bIns="0"/>
-          <a:p>
-            <a:endParaRPr b="0" lang="ru-RU" sz="2800" spc="-1" strike="noStrike">
-              <a:solidFill>
-                <a:srgbClr val="333333"/>
-              </a:solidFill>
-              <a:latin typeface="Noto Sans Regular"/>
+            <a:off x="5152680" y="4058640"/>
+            <a:ext cx="4426920" cy="2090880"/>
+          </a:xfrm>
+          <a:prstGeom prst="rect">
+            <a:avLst/>
+          </a:prstGeom>
+        </p:spPr>
+        <p:txBody>
+          <a:bodyPr lIns="0" rIns="0" tIns="0" bIns="0">
+            <a:normAutofit/>
+          </a:bodyPr>
+          <a:p>
+            <a:endParaRPr b="0" lang="ru-RU" sz="3200" spc="-1" strike="noStrike">
+              <a:latin typeface="Arial"/>
             </a:endParaRPr>
           </a:p>
         </p:txBody>
@@ -1814,7 +1759,7 @@
       </p:grpSpPr>
       <p:sp>
         <p:nvSpPr>
-          <p:cNvPr id="77" name="PlaceHolder 1"/>
+          <p:cNvPr id="71" name="PlaceHolder 1"/>
           <p:cNvSpPr>
             <a:spLocks noGrp="1"/>
           </p:cNvSpPr>
@@ -1824,8 +1769,8 @@
         </p:nvSpPr>
         <p:spPr>
           <a:xfrm>
-            <a:off x="720000" y="279720"/>
-            <a:ext cx="8855640" cy="1305000"/>
+            <a:off x="504000" y="301320"/>
+            <a:ext cx="9072000" cy="1261800"/>
           </a:xfrm>
           <a:prstGeom prst="rect">
             <a:avLst/>
@@ -1834,18 +1779,16 @@
         <p:txBody>
           <a:bodyPr lIns="0" rIns="0" tIns="0" bIns="0" anchor="ctr"/>
           <a:p>
-            <a:endParaRPr b="1" lang="ru-RU" sz="4400" spc="-1" strike="noStrike">
-              <a:solidFill>
-                <a:srgbClr val="333333"/>
-              </a:solidFill>
-              <a:latin typeface="Noto Sans Regular"/>
-            </a:endParaRPr>
-          </a:p>
-        </p:txBody>
-      </p:sp>
-      <p:sp>
-        <p:nvSpPr>
-          <p:cNvPr id="78" name="PlaceHolder 2"/>
+            <a:pPr algn="ctr"/>
+            <a:endParaRPr b="0" lang="ru-RU" sz="4400" spc="-1" strike="noStrike">
+              <a:latin typeface="Arial"/>
+            </a:endParaRPr>
+          </a:p>
+        </p:txBody>
+      </p:sp>
+      <p:sp>
+        <p:nvSpPr>
+          <p:cNvPr id="72" name="PlaceHolder 2"/>
           <p:cNvSpPr>
             <a:spLocks noGrp="1"/>
           </p:cNvSpPr>
@@ -1855,28 +1798,27 @@
         </p:nvSpPr>
         <p:spPr>
           <a:xfrm>
-            <a:off x="720000" y="2160000"/>
-            <a:ext cx="2781720" cy="2091240"/>
-          </a:xfrm>
-          <a:prstGeom prst="rect">
-            <a:avLst/>
-          </a:prstGeom>
-        </p:spPr>
-        <p:txBody>
-          <a:bodyPr lIns="0" rIns="0" tIns="0" bIns="0"/>
-          <a:p>
-            <a:endParaRPr b="0" lang="ru-RU" sz="2800" spc="-1" strike="noStrike">
-              <a:solidFill>
-                <a:srgbClr val="333333"/>
-              </a:solidFill>
-              <a:latin typeface="Noto Sans Regular"/>
-            </a:endParaRPr>
-          </a:p>
-        </p:txBody>
-      </p:sp>
-      <p:sp>
-        <p:nvSpPr>
-          <p:cNvPr id="79" name="PlaceHolder 3"/>
+            <a:off x="504000" y="1768680"/>
+            <a:ext cx="2921040" cy="2090880"/>
+          </a:xfrm>
+          <a:prstGeom prst="rect">
+            <a:avLst/>
+          </a:prstGeom>
+        </p:spPr>
+        <p:txBody>
+          <a:bodyPr lIns="0" rIns="0" tIns="0" bIns="0">
+            <a:normAutofit/>
+          </a:bodyPr>
+          <a:p>
+            <a:endParaRPr b="0" lang="ru-RU" sz="3200" spc="-1" strike="noStrike">
+              <a:latin typeface="Arial"/>
+            </a:endParaRPr>
+          </a:p>
+        </p:txBody>
+      </p:sp>
+      <p:sp>
+        <p:nvSpPr>
+          <p:cNvPr id="73" name="PlaceHolder 3"/>
           <p:cNvSpPr>
             <a:spLocks noGrp="1"/>
           </p:cNvSpPr>
@@ -1886,28 +1828,27 @@
         </p:nvSpPr>
         <p:spPr>
           <a:xfrm>
-            <a:off x="3641040" y="2160000"/>
-            <a:ext cx="2781720" cy="2091240"/>
-          </a:xfrm>
-          <a:prstGeom prst="rect">
-            <a:avLst/>
-          </a:prstGeom>
-        </p:spPr>
-        <p:txBody>
-          <a:bodyPr lIns="0" rIns="0" tIns="0" bIns="0"/>
-          <a:p>
-            <a:endParaRPr b="0" lang="ru-RU" sz="2800" spc="-1" strike="noStrike">
-              <a:solidFill>
-                <a:srgbClr val="333333"/>
-              </a:solidFill>
-              <a:latin typeface="Noto Sans Regular"/>
-            </a:endParaRPr>
-          </a:p>
-        </p:txBody>
-      </p:sp>
-      <p:sp>
-        <p:nvSpPr>
-          <p:cNvPr id="80" name="PlaceHolder 4"/>
+            <a:off x="3571560" y="1768680"/>
+            <a:ext cx="2921040" cy="2090880"/>
+          </a:xfrm>
+          <a:prstGeom prst="rect">
+            <a:avLst/>
+          </a:prstGeom>
+        </p:spPr>
+        <p:txBody>
+          <a:bodyPr lIns="0" rIns="0" tIns="0" bIns="0">
+            <a:normAutofit/>
+          </a:bodyPr>
+          <a:p>
+            <a:endParaRPr b="0" lang="ru-RU" sz="3200" spc="-1" strike="noStrike">
+              <a:latin typeface="Arial"/>
+            </a:endParaRPr>
+          </a:p>
+        </p:txBody>
+      </p:sp>
+      <p:sp>
+        <p:nvSpPr>
+          <p:cNvPr id="74" name="PlaceHolder 4"/>
           <p:cNvSpPr>
             <a:spLocks noGrp="1"/>
           </p:cNvSpPr>
@@ -1917,28 +1858,27 @@
         </p:nvSpPr>
         <p:spPr>
           <a:xfrm>
-            <a:off x="6562440" y="2160000"/>
-            <a:ext cx="2781720" cy="2091240"/>
-          </a:xfrm>
-          <a:prstGeom prst="rect">
-            <a:avLst/>
-          </a:prstGeom>
-        </p:spPr>
-        <p:txBody>
-          <a:bodyPr lIns="0" rIns="0" tIns="0" bIns="0"/>
-          <a:p>
-            <a:endParaRPr b="0" lang="ru-RU" sz="2800" spc="-1" strike="noStrike">
-              <a:solidFill>
-                <a:srgbClr val="333333"/>
-              </a:solidFill>
-              <a:latin typeface="Noto Sans Regular"/>
-            </a:endParaRPr>
-          </a:p>
-        </p:txBody>
-      </p:sp>
-      <p:sp>
-        <p:nvSpPr>
-          <p:cNvPr id="81" name="PlaceHolder 5"/>
+            <a:off x="6639120" y="1768680"/>
+            <a:ext cx="2921040" cy="2090880"/>
+          </a:xfrm>
+          <a:prstGeom prst="rect">
+            <a:avLst/>
+          </a:prstGeom>
+        </p:spPr>
+        <p:txBody>
+          <a:bodyPr lIns="0" rIns="0" tIns="0" bIns="0">
+            <a:normAutofit/>
+          </a:bodyPr>
+          <a:p>
+            <a:endParaRPr b="0" lang="ru-RU" sz="3200" spc="-1" strike="noStrike">
+              <a:latin typeface="Arial"/>
+            </a:endParaRPr>
+          </a:p>
+        </p:txBody>
+      </p:sp>
+      <p:sp>
+        <p:nvSpPr>
+          <p:cNvPr id="75" name="PlaceHolder 5"/>
           <p:cNvSpPr>
             <a:spLocks noGrp="1"/>
           </p:cNvSpPr>
@@ -1948,28 +1888,27 @@
         </p:nvSpPr>
         <p:spPr>
           <a:xfrm>
-            <a:off x="720000" y="4450320"/>
-            <a:ext cx="2781720" cy="2091240"/>
-          </a:xfrm>
-          <a:prstGeom prst="rect">
-            <a:avLst/>
-          </a:prstGeom>
-        </p:spPr>
-        <p:txBody>
-          <a:bodyPr lIns="0" rIns="0" tIns="0" bIns="0"/>
-          <a:p>
-            <a:endParaRPr b="0" lang="ru-RU" sz="2800" spc="-1" strike="noStrike">
-              <a:solidFill>
-                <a:srgbClr val="333333"/>
-              </a:solidFill>
-              <a:latin typeface="Noto Sans Regular"/>
-            </a:endParaRPr>
-          </a:p>
-        </p:txBody>
-      </p:sp>
-      <p:sp>
-        <p:nvSpPr>
-          <p:cNvPr id="82" name="PlaceHolder 6"/>
+            <a:off x="504000" y="4058640"/>
+            <a:ext cx="2921040" cy="2090880"/>
+          </a:xfrm>
+          <a:prstGeom prst="rect">
+            <a:avLst/>
+          </a:prstGeom>
+        </p:spPr>
+        <p:txBody>
+          <a:bodyPr lIns="0" rIns="0" tIns="0" bIns="0">
+            <a:normAutofit/>
+          </a:bodyPr>
+          <a:p>
+            <a:endParaRPr b="0" lang="ru-RU" sz="3200" spc="-1" strike="noStrike">
+              <a:latin typeface="Arial"/>
+            </a:endParaRPr>
+          </a:p>
+        </p:txBody>
+      </p:sp>
+      <p:sp>
+        <p:nvSpPr>
+          <p:cNvPr id="76" name="PlaceHolder 6"/>
           <p:cNvSpPr>
             <a:spLocks noGrp="1"/>
           </p:cNvSpPr>
@@ -1979,28 +1918,27 @@
         </p:nvSpPr>
         <p:spPr>
           <a:xfrm>
-            <a:off x="3641040" y="4450320"/>
-            <a:ext cx="2781720" cy="2091240"/>
-          </a:xfrm>
-          <a:prstGeom prst="rect">
-            <a:avLst/>
-          </a:prstGeom>
-        </p:spPr>
-        <p:txBody>
-          <a:bodyPr lIns="0" rIns="0" tIns="0" bIns="0"/>
-          <a:p>
-            <a:endParaRPr b="0" lang="ru-RU" sz="2800" spc="-1" strike="noStrike">
-              <a:solidFill>
-                <a:srgbClr val="333333"/>
-              </a:solidFill>
-              <a:latin typeface="Noto Sans Regular"/>
-            </a:endParaRPr>
-          </a:p>
-        </p:txBody>
-      </p:sp>
-      <p:sp>
-        <p:nvSpPr>
-          <p:cNvPr id="83" name="PlaceHolder 7"/>
+            <a:off x="3571560" y="4058640"/>
+            <a:ext cx="2921040" cy="2090880"/>
+          </a:xfrm>
+          <a:prstGeom prst="rect">
+            <a:avLst/>
+          </a:prstGeom>
+        </p:spPr>
+        <p:txBody>
+          <a:bodyPr lIns="0" rIns="0" tIns="0" bIns="0">
+            <a:normAutofit/>
+          </a:bodyPr>
+          <a:p>
+            <a:endParaRPr b="0" lang="ru-RU" sz="3200" spc="-1" strike="noStrike">
+              <a:latin typeface="Arial"/>
+            </a:endParaRPr>
+          </a:p>
+        </p:txBody>
+      </p:sp>
+      <p:sp>
+        <p:nvSpPr>
+          <p:cNvPr id="77" name="PlaceHolder 7"/>
           <p:cNvSpPr>
             <a:spLocks noGrp="1"/>
           </p:cNvSpPr>
@@ -2010,21 +1948,20 @@
         </p:nvSpPr>
         <p:spPr>
           <a:xfrm>
-            <a:off x="6562440" y="4450320"/>
-            <a:ext cx="2781720" cy="2091240"/>
-          </a:xfrm>
-          <a:prstGeom prst="rect">
-            <a:avLst/>
-          </a:prstGeom>
-        </p:spPr>
-        <p:txBody>
-          <a:bodyPr lIns="0" rIns="0" tIns="0" bIns="0"/>
-          <a:p>
-            <a:endParaRPr b="0" lang="ru-RU" sz="2800" spc="-1" strike="noStrike">
-              <a:solidFill>
-                <a:srgbClr val="333333"/>
-              </a:solidFill>
-              <a:latin typeface="Noto Sans Regular"/>
+            <a:off x="6639120" y="4058640"/>
+            <a:ext cx="2921040" cy="2090880"/>
+          </a:xfrm>
+          <a:prstGeom prst="rect">
+            <a:avLst/>
+          </a:prstGeom>
+        </p:spPr>
+        <p:txBody>
+          <a:bodyPr lIns="0" rIns="0" tIns="0" bIns="0">
+            <a:normAutofit/>
+          </a:bodyPr>
+          <a:p>
+            <a:endParaRPr b="0" lang="ru-RU" sz="3200" spc="-1" strike="noStrike">
+              <a:latin typeface="Arial"/>
             </a:endParaRPr>
           </a:p>
         </p:txBody>
@@ -2053,7 +1990,7 @@
       </p:grpSpPr>
       <p:sp>
         <p:nvSpPr>
-          <p:cNvPr id="8" name="PlaceHolder 1"/>
+          <p:cNvPr id="5" name="PlaceHolder 1"/>
           <p:cNvSpPr>
             <a:spLocks noGrp="1"/>
           </p:cNvSpPr>
@@ -2063,8 +2000,8 @@
         </p:nvSpPr>
         <p:spPr>
           <a:xfrm>
-            <a:off x="720000" y="279720"/>
-            <a:ext cx="8855640" cy="1305000"/>
+            <a:off x="504000" y="301320"/>
+            <a:ext cx="9072000" cy="1261800"/>
           </a:xfrm>
           <a:prstGeom prst="rect">
             <a:avLst/>
@@ -2073,18 +2010,16 @@
         <p:txBody>
           <a:bodyPr lIns="0" rIns="0" tIns="0" bIns="0" anchor="ctr"/>
           <a:p>
-            <a:endParaRPr b="1" lang="ru-RU" sz="4400" spc="-1" strike="noStrike">
-              <a:solidFill>
-                <a:srgbClr val="333333"/>
-              </a:solidFill>
-              <a:latin typeface="Noto Sans Regular"/>
-            </a:endParaRPr>
-          </a:p>
-        </p:txBody>
-      </p:sp>
-      <p:sp>
-        <p:nvSpPr>
-          <p:cNvPr id="9" name="PlaceHolder 2"/>
+            <a:pPr algn="ctr"/>
+            <a:endParaRPr b="0" lang="ru-RU" sz="4400" spc="-1" strike="noStrike">
+              <a:latin typeface="Arial"/>
+            </a:endParaRPr>
+          </a:p>
+        </p:txBody>
+      </p:sp>
+      <p:sp>
+        <p:nvSpPr>
+          <p:cNvPr id="6" name="PlaceHolder 2"/>
           <p:cNvSpPr>
             <a:spLocks noGrp="1"/>
           </p:cNvSpPr>
@@ -2094,21 +2029,20 @@
         </p:nvSpPr>
         <p:spPr>
           <a:xfrm>
-            <a:off x="720000" y="2160000"/>
-            <a:ext cx="8640000" cy="4384800"/>
-          </a:xfrm>
-          <a:prstGeom prst="rect">
-            <a:avLst/>
-          </a:prstGeom>
-        </p:spPr>
-        <p:txBody>
-          <a:bodyPr lIns="0" rIns="0" tIns="0" bIns="0"/>
-          <a:p>
-            <a:endParaRPr b="0" lang="ru-RU" sz="2800" spc="-1" strike="noStrike">
-              <a:solidFill>
-                <a:srgbClr val="333333"/>
-              </a:solidFill>
-              <a:latin typeface="Noto Sans Regular"/>
+            <a:off x="504000" y="1768680"/>
+            <a:ext cx="9072000" cy="4384080"/>
+          </a:xfrm>
+          <a:prstGeom prst="rect">
+            <a:avLst/>
+          </a:prstGeom>
+        </p:spPr>
+        <p:txBody>
+          <a:bodyPr lIns="0" rIns="0" tIns="0" bIns="0">
+            <a:normAutofit/>
+          </a:bodyPr>
+          <a:p>
+            <a:endParaRPr b="0" lang="ru-RU" sz="3200" spc="-1" strike="noStrike">
+              <a:latin typeface="Arial"/>
             </a:endParaRPr>
           </a:p>
         </p:txBody>
@@ -2137,7 +2071,7 @@
       </p:grpSpPr>
       <p:sp>
         <p:nvSpPr>
-          <p:cNvPr id="10" name="PlaceHolder 1"/>
+          <p:cNvPr id="7" name="PlaceHolder 1"/>
           <p:cNvSpPr>
             <a:spLocks noGrp="1"/>
           </p:cNvSpPr>
@@ -2147,8 +2081,8 @@
         </p:nvSpPr>
         <p:spPr>
           <a:xfrm>
-            <a:off x="720000" y="279720"/>
-            <a:ext cx="8855640" cy="1305000"/>
+            <a:off x="504000" y="301320"/>
+            <a:ext cx="9072000" cy="1261800"/>
           </a:xfrm>
           <a:prstGeom prst="rect">
             <a:avLst/>
@@ -2157,18 +2091,16 @@
         <p:txBody>
           <a:bodyPr lIns="0" rIns="0" tIns="0" bIns="0" anchor="ctr"/>
           <a:p>
-            <a:endParaRPr b="1" lang="ru-RU" sz="4400" spc="-1" strike="noStrike">
-              <a:solidFill>
-                <a:srgbClr val="333333"/>
-              </a:solidFill>
-              <a:latin typeface="Noto Sans Regular"/>
-            </a:endParaRPr>
-          </a:p>
-        </p:txBody>
-      </p:sp>
-      <p:sp>
-        <p:nvSpPr>
-          <p:cNvPr id="11" name="PlaceHolder 2"/>
+            <a:pPr algn="ctr"/>
+            <a:endParaRPr b="0" lang="ru-RU" sz="4400" spc="-1" strike="noStrike">
+              <a:latin typeface="Arial"/>
+            </a:endParaRPr>
+          </a:p>
+        </p:txBody>
+      </p:sp>
+      <p:sp>
+        <p:nvSpPr>
+          <p:cNvPr id="8" name="PlaceHolder 2"/>
           <p:cNvSpPr>
             <a:spLocks noGrp="1"/>
           </p:cNvSpPr>
@@ -2178,28 +2110,27 @@
         </p:nvSpPr>
         <p:spPr>
           <a:xfrm>
-            <a:off x="720000" y="2160000"/>
-            <a:ext cx="4215960" cy="4384800"/>
-          </a:xfrm>
-          <a:prstGeom prst="rect">
-            <a:avLst/>
-          </a:prstGeom>
-        </p:spPr>
-        <p:txBody>
-          <a:bodyPr lIns="0" rIns="0" tIns="0" bIns="0"/>
-          <a:p>
-            <a:endParaRPr b="0" lang="ru-RU" sz="2800" spc="-1" strike="noStrike">
-              <a:solidFill>
-                <a:srgbClr val="333333"/>
-              </a:solidFill>
-              <a:latin typeface="Noto Sans Regular"/>
-            </a:endParaRPr>
-          </a:p>
-        </p:txBody>
-      </p:sp>
-      <p:sp>
-        <p:nvSpPr>
-          <p:cNvPr id="12" name="PlaceHolder 3"/>
+            <a:off x="504000" y="1768680"/>
+            <a:ext cx="4426920" cy="4384080"/>
+          </a:xfrm>
+          <a:prstGeom prst="rect">
+            <a:avLst/>
+          </a:prstGeom>
+        </p:spPr>
+        <p:txBody>
+          <a:bodyPr lIns="0" rIns="0" tIns="0" bIns="0">
+            <a:normAutofit/>
+          </a:bodyPr>
+          <a:p>
+            <a:endParaRPr b="0" lang="ru-RU" sz="3200" spc="-1" strike="noStrike">
+              <a:latin typeface="Arial"/>
+            </a:endParaRPr>
+          </a:p>
+        </p:txBody>
+      </p:sp>
+      <p:sp>
+        <p:nvSpPr>
+          <p:cNvPr id="9" name="PlaceHolder 3"/>
           <p:cNvSpPr>
             <a:spLocks noGrp="1"/>
           </p:cNvSpPr>
@@ -2209,21 +2140,20 @@
         </p:nvSpPr>
         <p:spPr>
           <a:xfrm>
-            <a:off x="5147280" y="2160000"/>
-            <a:ext cx="4215960" cy="4384800"/>
-          </a:xfrm>
-          <a:prstGeom prst="rect">
-            <a:avLst/>
-          </a:prstGeom>
-        </p:spPr>
-        <p:txBody>
-          <a:bodyPr lIns="0" rIns="0" tIns="0" bIns="0"/>
-          <a:p>
-            <a:endParaRPr b="0" lang="ru-RU" sz="2800" spc="-1" strike="noStrike">
-              <a:solidFill>
-                <a:srgbClr val="333333"/>
-              </a:solidFill>
-              <a:latin typeface="Noto Sans Regular"/>
+            <a:off x="5152680" y="1768680"/>
+            <a:ext cx="4426920" cy="4384080"/>
+          </a:xfrm>
+          <a:prstGeom prst="rect">
+            <a:avLst/>
+          </a:prstGeom>
+        </p:spPr>
+        <p:txBody>
+          <a:bodyPr lIns="0" rIns="0" tIns="0" bIns="0">
+            <a:normAutofit/>
+          </a:bodyPr>
+          <a:p>
+            <a:endParaRPr b="0" lang="ru-RU" sz="3200" spc="-1" strike="noStrike">
+              <a:latin typeface="Arial"/>
             </a:endParaRPr>
           </a:p>
         </p:txBody>
@@ -2252,7 +2182,7 @@
       </p:grpSpPr>
       <p:sp>
         <p:nvSpPr>
-          <p:cNvPr id="13" name="PlaceHolder 1"/>
+          <p:cNvPr id="10" name="PlaceHolder 1"/>
           <p:cNvSpPr>
             <a:spLocks noGrp="1"/>
           </p:cNvSpPr>
@@ -2262,8 +2192,8 @@
         </p:nvSpPr>
         <p:spPr>
           <a:xfrm>
-            <a:off x="720000" y="279720"/>
-            <a:ext cx="8855640" cy="1305000"/>
+            <a:off x="504000" y="301320"/>
+            <a:ext cx="9072000" cy="1261800"/>
           </a:xfrm>
           <a:prstGeom prst="rect">
             <a:avLst/>
@@ -2272,11 +2202,9 @@
         <p:txBody>
           <a:bodyPr lIns="0" rIns="0" tIns="0" bIns="0" anchor="ctr"/>
           <a:p>
-            <a:endParaRPr b="1" lang="ru-RU" sz="4400" spc="-1" strike="noStrike">
-              <a:solidFill>
-                <a:srgbClr val="333333"/>
-              </a:solidFill>
-              <a:latin typeface="Noto Sans Regular"/>
+            <a:pPr algn="ctr"/>
+            <a:endParaRPr b="0" lang="ru-RU" sz="4400" spc="-1" strike="noStrike">
+              <a:latin typeface="Arial"/>
             </a:endParaRPr>
           </a:p>
         </p:txBody>
@@ -2305,7 +2233,7 @@
       </p:grpSpPr>
       <p:sp>
         <p:nvSpPr>
-          <p:cNvPr id="14" name="PlaceHolder 1"/>
+          <p:cNvPr id="11" name="PlaceHolder 1"/>
           <p:cNvSpPr>
             <a:spLocks noGrp="1"/>
           </p:cNvSpPr>
@@ -2315,8 +2243,8 @@
         </p:nvSpPr>
         <p:spPr>
           <a:xfrm>
-            <a:off x="720000" y="300960"/>
-            <a:ext cx="8855640" cy="5853600"/>
+            <a:off x="504000" y="301320"/>
+            <a:ext cx="9072000" cy="5850360"/>
           </a:xfrm>
           <a:prstGeom prst="rect">
             <a:avLst/>
@@ -2356,7 +2284,7 @@
       </p:grpSpPr>
       <p:sp>
         <p:nvSpPr>
-          <p:cNvPr id="15" name="PlaceHolder 1"/>
+          <p:cNvPr id="12" name="PlaceHolder 1"/>
           <p:cNvSpPr>
             <a:spLocks noGrp="1"/>
           </p:cNvSpPr>
@@ -2366,8 +2294,8 @@
         </p:nvSpPr>
         <p:spPr>
           <a:xfrm>
-            <a:off x="720000" y="279720"/>
-            <a:ext cx="8855640" cy="1305000"/>
+            <a:off x="504000" y="301320"/>
+            <a:ext cx="9072000" cy="1261800"/>
           </a:xfrm>
           <a:prstGeom prst="rect">
             <a:avLst/>
@@ -2376,18 +2304,16 @@
         <p:txBody>
           <a:bodyPr lIns="0" rIns="0" tIns="0" bIns="0" anchor="ctr"/>
           <a:p>
-            <a:endParaRPr b="1" lang="ru-RU" sz="4400" spc="-1" strike="noStrike">
-              <a:solidFill>
-                <a:srgbClr val="333333"/>
-              </a:solidFill>
-              <a:latin typeface="Noto Sans Regular"/>
-            </a:endParaRPr>
-          </a:p>
-        </p:txBody>
-      </p:sp>
-      <p:sp>
-        <p:nvSpPr>
-          <p:cNvPr id="16" name="PlaceHolder 2"/>
+            <a:pPr algn="ctr"/>
+            <a:endParaRPr b="0" lang="ru-RU" sz="4400" spc="-1" strike="noStrike">
+              <a:latin typeface="Arial"/>
+            </a:endParaRPr>
+          </a:p>
+        </p:txBody>
+      </p:sp>
+      <p:sp>
+        <p:nvSpPr>
+          <p:cNvPr id="13" name="PlaceHolder 2"/>
           <p:cNvSpPr>
             <a:spLocks noGrp="1"/>
           </p:cNvSpPr>
@@ -2397,28 +2323,27 @@
         </p:nvSpPr>
         <p:spPr>
           <a:xfrm>
-            <a:off x="720000" y="2160000"/>
-            <a:ext cx="4215960" cy="2091240"/>
-          </a:xfrm>
-          <a:prstGeom prst="rect">
-            <a:avLst/>
-          </a:prstGeom>
-        </p:spPr>
-        <p:txBody>
-          <a:bodyPr lIns="0" rIns="0" tIns="0" bIns="0"/>
-          <a:p>
-            <a:endParaRPr b="0" lang="ru-RU" sz="2800" spc="-1" strike="noStrike">
-              <a:solidFill>
-                <a:srgbClr val="333333"/>
-              </a:solidFill>
-              <a:latin typeface="Noto Sans Regular"/>
-            </a:endParaRPr>
-          </a:p>
-        </p:txBody>
-      </p:sp>
-      <p:sp>
-        <p:nvSpPr>
-          <p:cNvPr id="17" name="PlaceHolder 3"/>
+            <a:off x="504000" y="1768680"/>
+            <a:ext cx="4426920" cy="2090880"/>
+          </a:xfrm>
+          <a:prstGeom prst="rect">
+            <a:avLst/>
+          </a:prstGeom>
+        </p:spPr>
+        <p:txBody>
+          <a:bodyPr lIns="0" rIns="0" tIns="0" bIns="0">
+            <a:normAutofit/>
+          </a:bodyPr>
+          <a:p>
+            <a:endParaRPr b="0" lang="ru-RU" sz="3200" spc="-1" strike="noStrike">
+              <a:latin typeface="Arial"/>
+            </a:endParaRPr>
+          </a:p>
+        </p:txBody>
+      </p:sp>
+      <p:sp>
+        <p:nvSpPr>
+          <p:cNvPr id="14" name="PlaceHolder 3"/>
           <p:cNvSpPr>
             <a:spLocks noGrp="1"/>
           </p:cNvSpPr>
@@ -2428,28 +2353,27 @@
         </p:nvSpPr>
         <p:spPr>
           <a:xfrm>
-            <a:off x="5147280" y="2160000"/>
-            <a:ext cx="4215960" cy="4384800"/>
-          </a:xfrm>
-          <a:prstGeom prst="rect">
-            <a:avLst/>
-          </a:prstGeom>
-        </p:spPr>
-        <p:txBody>
-          <a:bodyPr lIns="0" rIns="0" tIns="0" bIns="0"/>
-          <a:p>
-            <a:endParaRPr b="0" lang="ru-RU" sz="2800" spc="-1" strike="noStrike">
-              <a:solidFill>
-                <a:srgbClr val="333333"/>
-              </a:solidFill>
-              <a:latin typeface="Noto Sans Regular"/>
-            </a:endParaRPr>
-          </a:p>
-        </p:txBody>
-      </p:sp>
-      <p:sp>
-        <p:nvSpPr>
-          <p:cNvPr id="18" name="PlaceHolder 4"/>
+            <a:off x="5152680" y="1768680"/>
+            <a:ext cx="4426920" cy="4384080"/>
+          </a:xfrm>
+          <a:prstGeom prst="rect">
+            <a:avLst/>
+          </a:prstGeom>
+        </p:spPr>
+        <p:txBody>
+          <a:bodyPr lIns="0" rIns="0" tIns="0" bIns="0">
+            <a:normAutofit/>
+          </a:bodyPr>
+          <a:p>
+            <a:endParaRPr b="0" lang="ru-RU" sz="3200" spc="-1" strike="noStrike">
+              <a:latin typeface="Arial"/>
+            </a:endParaRPr>
+          </a:p>
+        </p:txBody>
+      </p:sp>
+      <p:sp>
+        <p:nvSpPr>
+          <p:cNvPr id="15" name="PlaceHolder 4"/>
           <p:cNvSpPr>
             <a:spLocks noGrp="1"/>
           </p:cNvSpPr>
@@ -2459,21 +2383,20 @@
         </p:nvSpPr>
         <p:spPr>
           <a:xfrm>
-            <a:off x="720000" y="4450320"/>
-            <a:ext cx="4215960" cy="2091240"/>
-          </a:xfrm>
-          <a:prstGeom prst="rect">
-            <a:avLst/>
-          </a:prstGeom>
-        </p:spPr>
-        <p:txBody>
-          <a:bodyPr lIns="0" rIns="0" tIns="0" bIns="0"/>
-          <a:p>
-            <a:endParaRPr b="0" lang="ru-RU" sz="2800" spc="-1" strike="noStrike">
-              <a:solidFill>
-                <a:srgbClr val="333333"/>
-              </a:solidFill>
-              <a:latin typeface="Noto Sans Regular"/>
+            <a:off x="504000" y="4058640"/>
+            <a:ext cx="4426920" cy="2090880"/>
+          </a:xfrm>
+          <a:prstGeom prst="rect">
+            <a:avLst/>
+          </a:prstGeom>
+        </p:spPr>
+        <p:txBody>
+          <a:bodyPr lIns="0" rIns="0" tIns="0" bIns="0">
+            <a:normAutofit/>
+          </a:bodyPr>
+          <a:p>
+            <a:endParaRPr b="0" lang="ru-RU" sz="3200" spc="-1" strike="noStrike">
+              <a:latin typeface="Arial"/>
             </a:endParaRPr>
           </a:p>
         </p:txBody>
@@ -2502,7 +2425,7 @@
       </p:grpSpPr>
       <p:sp>
         <p:nvSpPr>
-          <p:cNvPr id="19" name="PlaceHolder 1"/>
+          <p:cNvPr id="16" name="PlaceHolder 1"/>
           <p:cNvSpPr>
             <a:spLocks noGrp="1"/>
           </p:cNvSpPr>
@@ -2512,8 +2435,8 @@
         </p:nvSpPr>
         <p:spPr>
           <a:xfrm>
-            <a:off x="720000" y="279720"/>
-            <a:ext cx="8855640" cy="1305000"/>
+            <a:off x="504000" y="301320"/>
+            <a:ext cx="9072000" cy="1261800"/>
           </a:xfrm>
           <a:prstGeom prst="rect">
             <a:avLst/>
@@ -2522,18 +2445,16 @@
         <p:txBody>
           <a:bodyPr lIns="0" rIns="0" tIns="0" bIns="0" anchor="ctr"/>
           <a:p>
-            <a:endParaRPr b="1" lang="ru-RU" sz="4400" spc="-1" strike="noStrike">
-              <a:solidFill>
-                <a:srgbClr val="333333"/>
-              </a:solidFill>
-              <a:latin typeface="Noto Sans Regular"/>
-            </a:endParaRPr>
-          </a:p>
-        </p:txBody>
-      </p:sp>
-      <p:sp>
-        <p:nvSpPr>
-          <p:cNvPr id="20" name="PlaceHolder 2"/>
+            <a:pPr algn="ctr"/>
+            <a:endParaRPr b="0" lang="ru-RU" sz="4400" spc="-1" strike="noStrike">
+              <a:latin typeface="Arial"/>
+            </a:endParaRPr>
+          </a:p>
+        </p:txBody>
+      </p:sp>
+      <p:sp>
+        <p:nvSpPr>
+          <p:cNvPr id="17" name="PlaceHolder 2"/>
           <p:cNvSpPr>
             <a:spLocks noGrp="1"/>
           </p:cNvSpPr>
@@ -2543,28 +2464,27 @@
         </p:nvSpPr>
         <p:spPr>
           <a:xfrm>
-            <a:off x="720000" y="2160000"/>
-            <a:ext cx="4215960" cy="4384800"/>
-          </a:xfrm>
-          <a:prstGeom prst="rect">
-            <a:avLst/>
-          </a:prstGeom>
-        </p:spPr>
-        <p:txBody>
-          <a:bodyPr lIns="0" rIns="0" tIns="0" bIns="0"/>
-          <a:p>
-            <a:endParaRPr b="0" lang="ru-RU" sz="2800" spc="-1" strike="noStrike">
-              <a:solidFill>
-                <a:srgbClr val="333333"/>
-              </a:solidFill>
-              <a:latin typeface="Noto Sans Regular"/>
-            </a:endParaRPr>
-          </a:p>
-        </p:txBody>
-      </p:sp>
-      <p:sp>
-        <p:nvSpPr>
-          <p:cNvPr id="21" name="PlaceHolder 3"/>
+            <a:off x="504000" y="1768680"/>
+            <a:ext cx="4426920" cy="4384080"/>
+          </a:xfrm>
+          <a:prstGeom prst="rect">
+            <a:avLst/>
+          </a:prstGeom>
+        </p:spPr>
+        <p:txBody>
+          <a:bodyPr lIns="0" rIns="0" tIns="0" bIns="0">
+            <a:normAutofit/>
+          </a:bodyPr>
+          <a:p>
+            <a:endParaRPr b="0" lang="ru-RU" sz="3200" spc="-1" strike="noStrike">
+              <a:latin typeface="Arial"/>
+            </a:endParaRPr>
+          </a:p>
+        </p:txBody>
+      </p:sp>
+      <p:sp>
+        <p:nvSpPr>
+          <p:cNvPr id="18" name="PlaceHolder 3"/>
           <p:cNvSpPr>
             <a:spLocks noGrp="1"/>
           </p:cNvSpPr>
@@ -2574,28 +2494,27 @@
         </p:nvSpPr>
         <p:spPr>
           <a:xfrm>
-            <a:off x="5147280" y="2160000"/>
-            <a:ext cx="4215960" cy="2091240"/>
-          </a:xfrm>
-          <a:prstGeom prst="rect">
-            <a:avLst/>
-          </a:prstGeom>
-        </p:spPr>
-        <p:txBody>
-          <a:bodyPr lIns="0" rIns="0" tIns="0" bIns="0"/>
-          <a:p>
-            <a:endParaRPr b="0" lang="ru-RU" sz="2800" spc="-1" strike="noStrike">
-              <a:solidFill>
-                <a:srgbClr val="333333"/>
-              </a:solidFill>
-              <a:latin typeface="Noto Sans Regular"/>
-            </a:endParaRPr>
-          </a:p>
-        </p:txBody>
-      </p:sp>
-      <p:sp>
-        <p:nvSpPr>
-          <p:cNvPr id="22" name="PlaceHolder 4"/>
+            <a:off x="5152680" y="1768680"/>
+            <a:ext cx="4426920" cy="2090880"/>
+          </a:xfrm>
+          <a:prstGeom prst="rect">
+            <a:avLst/>
+          </a:prstGeom>
+        </p:spPr>
+        <p:txBody>
+          <a:bodyPr lIns="0" rIns="0" tIns="0" bIns="0">
+            <a:normAutofit/>
+          </a:bodyPr>
+          <a:p>
+            <a:endParaRPr b="0" lang="ru-RU" sz="3200" spc="-1" strike="noStrike">
+              <a:latin typeface="Arial"/>
+            </a:endParaRPr>
+          </a:p>
+        </p:txBody>
+      </p:sp>
+      <p:sp>
+        <p:nvSpPr>
+          <p:cNvPr id="19" name="PlaceHolder 4"/>
           <p:cNvSpPr>
             <a:spLocks noGrp="1"/>
           </p:cNvSpPr>
@@ -2605,21 +2524,20 @@
         </p:nvSpPr>
         <p:spPr>
           <a:xfrm>
-            <a:off x="5147280" y="4450320"/>
-            <a:ext cx="4215960" cy="2091240"/>
-          </a:xfrm>
-          <a:prstGeom prst="rect">
-            <a:avLst/>
-          </a:prstGeom>
-        </p:spPr>
-        <p:txBody>
-          <a:bodyPr lIns="0" rIns="0" tIns="0" bIns="0"/>
-          <a:p>
-            <a:endParaRPr b="0" lang="ru-RU" sz="2800" spc="-1" strike="noStrike">
-              <a:solidFill>
-                <a:srgbClr val="333333"/>
-              </a:solidFill>
-              <a:latin typeface="Noto Sans Regular"/>
+            <a:off x="5152680" y="4058640"/>
+            <a:ext cx="4426920" cy="2090880"/>
+          </a:xfrm>
+          <a:prstGeom prst="rect">
+            <a:avLst/>
+          </a:prstGeom>
+        </p:spPr>
+        <p:txBody>
+          <a:bodyPr lIns="0" rIns="0" tIns="0" bIns="0">
+            <a:normAutofit/>
+          </a:bodyPr>
+          <a:p>
+            <a:endParaRPr b="0" lang="ru-RU" sz="3200" spc="-1" strike="noStrike">
+              <a:latin typeface="Arial"/>
             </a:endParaRPr>
           </a:p>
         </p:txBody>
@@ -2648,7 +2566,7 @@
       </p:grpSpPr>
       <p:sp>
         <p:nvSpPr>
-          <p:cNvPr id="23" name="PlaceHolder 1"/>
+          <p:cNvPr id="20" name="PlaceHolder 1"/>
           <p:cNvSpPr>
             <a:spLocks noGrp="1"/>
           </p:cNvSpPr>
@@ -2658,8 +2576,8 @@
         </p:nvSpPr>
         <p:spPr>
           <a:xfrm>
-            <a:off x="720000" y="279720"/>
-            <a:ext cx="8855640" cy="1305000"/>
+            <a:off x="504000" y="301320"/>
+            <a:ext cx="9072000" cy="1261800"/>
           </a:xfrm>
           <a:prstGeom prst="rect">
             <a:avLst/>
@@ -2668,18 +2586,16 @@
         <p:txBody>
           <a:bodyPr lIns="0" rIns="0" tIns="0" bIns="0" anchor="ctr"/>
           <a:p>
-            <a:endParaRPr b="1" lang="ru-RU" sz="4400" spc="-1" strike="noStrike">
-              <a:solidFill>
-                <a:srgbClr val="333333"/>
-              </a:solidFill>
-              <a:latin typeface="Noto Sans Regular"/>
-            </a:endParaRPr>
-          </a:p>
-        </p:txBody>
-      </p:sp>
-      <p:sp>
-        <p:nvSpPr>
-          <p:cNvPr id="24" name="PlaceHolder 2"/>
+            <a:pPr algn="ctr"/>
+            <a:endParaRPr b="0" lang="ru-RU" sz="4400" spc="-1" strike="noStrike">
+              <a:latin typeface="Arial"/>
+            </a:endParaRPr>
+          </a:p>
+        </p:txBody>
+      </p:sp>
+      <p:sp>
+        <p:nvSpPr>
+          <p:cNvPr id="21" name="PlaceHolder 2"/>
           <p:cNvSpPr>
             <a:spLocks noGrp="1"/>
           </p:cNvSpPr>
@@ -2689,28 +2605,27 @@
         </p:nvSpPr>
         <p:spPr>
           <a:xfrm>
-            <a:off x="720000" y="2160000"/>
-            <a:ext cx="4215960" cy="2091240"/>
-          </a:xfrm>
-          <a:prstGeom prst="rect">
-            <a:avLst/>
-          </a:prstGeom>
-        </p:spPr>
-        <p:txBody>
-          <a:bodyPr lIns="0" rIns="0" tIns="0" bIns="0"/>
-          <a:p>
-            <a:endParaRPr b="0" lang="ru-RU" sz="2800" spc="-1" strike="noStrike">
-              <a:solidFill>
-                <a:srgbClr val="333333"/>
-              </a:solidFill>
-              <a:latin typeface="Noto Sans Regular"/>
-            </a:endParaRPr>
-          </a:p>
-        </p:txBody>
-      </p:sp>
-      <p:sp>
-        <p:nvSpPr>
-          <p:cNvPr id="25" name="PlaceHolder 3"/>
+            <a:off x="504000" y="1768680"/>
+            <a:ext cx="4426920" cy="2090880"/>
+          </a:xfrm>
+          <a:prstGeom prst="rect">
+            <a:avLst/>
+          </a:prstGeom>
+        </p:spPr>
+        <p:txBody>
+          <a:bodyPr lIns="0" rIns="0" tIns="0" bIns="0">
+            <a:normAutofit/>
+          </a:bodyPr>
+          <a:p>
+            <a:endParaRPr b="0" lang="ru-RU" sz="3200" spc="-1" strike="noStrike">
+              <a:latin typeface="Arial"/>
+            </a:endParaRPr>
+          </a:p>
+        </p:txBody>
+      </p:sp>
+      <p:sp>
+        <p:nvSpPr>
+          <p:cNvPr id="22" name="PlaceHolder 3"/>
           <p:cNvSpPr>
             <a:spLocks noGrp="1"/>
           </p:cNvSpPr>
@@ -2720,28 +2635,27 @@
         </p:nvSpPr>
         <p:spPr>
           <a:xfrm>
-            <a:off x="5147280" y="2160000"/>
-            <a:ext cx="4215960" cy="2091240"/>
-          </a:xfrm>
-          <a:prstGeom prst="rect">
-            <a:avLst/>
-          </a:prstGeom>
-        </p:spPr>
-        <p:txBody>
-          <a:bodyPr lIns="0" rIns="0" tIns="0" bIns="0"/>
-          <a:p>
-            <a:endParaRPr b="0" lang="ru-RU" sz="2800" spc="-1" strike="noStrike">
-              <a:solidFill>
-                <a:srgbClr val="333333"/>
-              </a:solidFill>
-              <a:latin typeface="Noto Sans Regular"/>
-            </a:endParaRPr>
-          </a:p>
-        </p:txBody>
-      </p:sp>
-      <p:sp>
-        <p:nvSpPr>
-          <p:cNvPr id="26" name="PlaceHolder 4"/>
+            <a:off x="5152680" y="1768680"/>
+            <a:ext cx="4426920" cy="2090880"/>
+          </a:xfrm>
+          <a:prstGeom prst="rect">
+            <a:avLst/>
+          </a:prstGeom>
+        </p:spPr>
+        <p:txBody>
+          <a:bodyPr lIns="0" rIns="0" tIns="0" bIns="0">
+            <a:normAutofit/>
+          </a:bodyPr>
+          <a:p>
+            <a:endParaRPr b="0" lang="ru-RU" sz="3200" spc="-1" strike="noStrike">
+              <a:latin typeface="Arial"/>
+            </a:endParaRPr>
+          </a:p>
+        </p:txBody>
+      </p:sp>
+      <p:sp>
+        <p:nvSpPr>
+          <p:cNvPr id="23" name="PlaceHolder 4"/>
           <p:cNvSpPr>
             <a:spLocks noGrp="1"/>
           </p:cNvSpPr>
@@ -2751,21 +2665,20 @@
         </p:nvSpPr>
         <p:spPr>
           <a:xfrm>
-            <a:off x="720000" y="4450320"/>
-            <a:ext cx="8640000" cy="2091240"/>
-          </a:xfrm>
-          <a:prstGeom prst="rect">
-            <a:avLst/>
-          </a:prstGeom>
-        </p:spPr>
-        <p:txBody>
-          <a:bodyPr lIns="0" rIns="0" tIns="0" bIns="0"/>
-          <a:p>
-            <a:endParaRPr b="0" lang="ru-RU" sz="2800" spc="-1" strike="noStrike">
-              <a:solidFill>
-                <a:srgbClr val="333333"/>
-              </a:solidFill>
-              <a:latin typeface="Noto Sans Regular"/>
+            <a:off x="504000" y="4058640"/>
+            <a:ext cx="9072000" cy="2090880"/>
+          </a:xfrm>
+          <a:prstGeom prst="rect">
+            <a:avLst/>
+          </a:prstGeom>
+        </p:spPr>
+        <p:txBody>
+          <a:bodyPr lIns="0" rIns="0" tIns="0" bIns="0">
+            <a:normAutofit/>
+          </a:bodyPr>
+          <a:p>
+            <a:endParaRPr b="0" lang="ru-RU" sz="3200" spc="-1" strike="noStrike">
+              <a:latin typeface="Arial"/>
             </a:endParaRPr>
           </a:p>
         </p:txBody>
@@ -2794,7 +2707,35 @@
       </p:grpSpPr>
       <p:sp>
         <p:nvSpPr>
-          <p:cNvPr id="0" name="PlaceHolder 1"/>
+          <p:cNvPr id="0" name="CustomShape 1"/>
+          <p:cNvSpPr/>
+          <p:nvPr/>
+        </p:nvSpPr>
+        <p:spPr>
+          <a:xfrm>
+            <a:off x="0" y="4320000"/>
+            <a:ext cx="503280" cy="1079280"/>
+          </a:xfrm>
+          <a:prstGeom prst="rect">
+            <a:avLst/>
+          </a:prstGeom>
+          <a:solidFill>
+            <a:srgbClr val="ef2929"/>
+          </a:solidFill>
+          <a:ln>
+            <a:noFill/>
+          </a:ln>
+        </p:spPr>
+        <p:style>
+          <a:lnRef idx="0"/>
+          <a:fillRef idx="0"/>
+          <a:effectRef idx="0"/>
+          <a:fontRef idx="minor"/>
+        </p:style>
+      </p:sp>
+      <p:sp>
+        <p:nvSpPr>
+          <p:cNvPr id="1" name="PlaceHolder 2"/>
           <p:cNvSpPr>
             <a:spLocks noGrp="1"/>
           </p:cNvSpPr>
@@ -2804,39 +2745,31 @@
         </p:nvSpPr>
         <p:spPr>
           <a:xfrm>
-            <a:off x="792000" y="4104000"/>
-            <a:ext cx="8568000" cy="1440000"/>
-          </a:xfrm>
-          <a:prstGeom prst="rect">
-            <a:avLst/>
-          </a:prstGeom>
-        </p:spPr>
-        <p:txBody>
-          <a:bodyPr lIns="0" rIns="0" tIns="0" bIns="0" anchor="ctr">
-            <a:normAutofit/>
-          </a:bodyPr>
-          <a:p>
-            <a:r>
-              <a:rPr b="1" lang="ru-RU" sz="4800" spc="-1" strike="noStrike">
-                <a:solidFill>
-                  <a:srgbClr val="333333"/>
-                </a:solidFill>
-                <a:latin typeface="Noto Sans Regular"/>
+            <a:off x="720000" y="279720"/>
+            <a:ext cx="8854920" cy="1304280"/>
+          </a:xfrm>
+          <a:prstGeom prst="rect">
+            <a:avLst/>
+          </a:prstGeom>
+        </p:spPr>
+        <p:txBody>
+          <a:bodyPr lIns="0" rIns="0" tIns="0" bIns="0" anchor="ctr"/>
+          <a:p>
+            <a:r>
+              <a:rPr b="0" lang="ru-RU" sz="1800" spc="-1" strike="noStrike">
+                <a:latin typeface="Arial"/>
               </a:rPr>
               <a:t>Для правки текста заглавия щёлкните мышью</a:t>
             </a:r>
-            <a:endParaRPr b="1" lang="ru-RU" sz="4800" spc="-1" strike="noStrike">
-              <a:solidFill>
-                <a:srgbClr val="333333"/>
-              </a:solidFill>
-              <a:latin typeface="Noto Sans Regular"/>
-            </a:endParaRPr>
-          </a:p>
-        </p:txBody>
-      </p:sp>
-      <p:sp>
-        <p:nvSpPr>
-          <p:cNvPr id="1" name="PlaceHolder 2"/>
+            <a:endParaRPr b="0" lang="ru-RU" sz="1800" spc="-1" strike="noStrike">
+              <a:latin typeface="Arial"/>
+            </a:endParaRPr>
+          </a:p>
+        </p:txBody>
+      </p:sp>
+      <p:sp>
+        <p:nvSpPr>
+          <p:cNvPr id="2" name="PlaceHolder 3"/>
           <p:cNvSpPr>
             <a:spLocks noGrp="1"/>
           </p:cNvSpPr>
@@ -2846,8 +2779,8 @@
         </p:nvSpPr>
         <p:spPr>
           <a:xfrm>
-            <a:off x="792000" y="5904000"/>
-            <a:ext cx="8568000" cy="982440"/>
+            <a:off x="720000" y="2160000"/>
+            <a:ext cx="8639280" cy="4384080"/>
           </a:xfrm>
           <a:prstGeom prst="rect">
             <a:avLst/>
@@ -2859,345 +2792,159 @@
           </a:bodyPr>
           <a:p>
             <a:pPr marL="432000" indent="-324000">
-              <a:spcAft>
-                <a:spcPts val="1879"/>
-              </a:spcAft>
+              <a:spcBef>
+                <a:spcPts val="1417"/>
+              </a:spcBef>
               <a:buClr>
-                <a:srgbClr val="333333"/>
+                <a:srgbClr val="000000"/>
               </a:buClr>
               <a:buSzPct val="45000"/>
               <a:buFont typeface="Wingdings" charset="2"/>
               <a:buChar char=""/>
             </a:pPr>
             <a:r>
-              <a:rPr b="0" lang="ru-RU" sz="2400" spc="-1" strike="noStrike">
-                <a:solidFill>
-                  <a:srgbClr val="333333"/>
-                </a:solidFill>
-                <a:latin typeface="Noto Sans Bold"/>
+              <a:rPr b="0" lang="ru-RU" sz="1800" spc="-1" strike="noStrike">
+                <a:latin typeface="Arial"/>
               </a:rPr>
               <a:t>Для правки структуры щёлкните мышью</a:t>
             </a:r>
-            <a:endParaRPr b="0" lang="ru-RU" sz="2400" spc="-1" strike="noStrike">
-              <a:solidFill>
-                <a:srgbClr val="333333"/>
-              </a:solidFill>
-              <a:latin typeface="Noto Sans Bold"/>
+            <a:endParaRPr b="0" lang="ru-RU" sz="1800" spc="-1" strike="noStrike">
+              <a:latin typeface="Arial"/>
             </a:endParaRPr>
           </a:p>
           <a:p>
             <a:pPr lvl="1" marL="864000" indent="-324000">
-              <a:spcAft>
-                <a:spcPts val="1497"/>
-              </a:spcAft>
+              <a:spcBef>
+                <a:spcPts val="1134"/>
+              </a:spcBef>
               <a:buClr>
-                <a:srgbClr val="ffffff"/>
+                <a:srgbClr val="000000"/>
               </a:buClr>
               <a:buSzPct val="75000"/>
               <a:buFont typeface="Symbol" charset="2"/>
               <a:buChar char=""/>
             </a:pPr>
             <a:r>
-              <a:rPr b="0" lang="ru-RU" sz="2400" spc="-1" strike="noStrike">
-                <a:solidFill>
-                  <a:srgbClr val="333333"/>
-                </a:solidFill>
-                <a:latin typeface="Noto Sans Bold"/>
+              <a:rPr b="0" lang="ru-RU" sz="1800" spc="-1" strike="noStrike">
+                <a:latin typeface="Arial"/>
               </a:rPr>
               <a:t>Второй уровень структуры</a:t>
             </a:r>
-            <a:endParaRPr b="0" lang="ru-RU" sz="2400" spc="-1" strike="noStrike">
-              <a:solidFill>
-                <a:srgbClr val="333333"/>
-              </a:solidFill>
-              <a:latin typeface="Noto Sans Bold"/>
+            <a:endParaRPr b="0" lang="ru-RU" sz="1800" spc="-1" strike="noStrike">
+              <a:latin typeface="Arial"/>
             </a:endParaRPr>
           </a:p>
           <a:p>
             <a:pPr lvl="2" marL="1296000" indent="-288000">
-              <a:spcAft>
-                <a:spcPts val="1120"/>
-              </a:spcAft>
+              <a:spcBef>
+                <a:spcPts val="850"/>
+              </a:spcBef>
               <a:buClr>
-                <a:srgbClr val="ffffff"/>
+                <a:srgbClr val="000000"/>
               </a:buClr>
               <a:buSzPct val="45000"/>
               <a:buFont typeface="Wingdings" charset="2"/>
               <a:buChar char=""/>
             </a:pPr>
             <a:r>
-              <a:rPr b="0" lang="ru-RU" sz="2400" spc="-1" strike="noStrike">
-                <a:solidFill>
-                  <a:srgbClr val="333333"/>
-                </a:solidFill>
-                <a:latin typeface="Noto Sans Bold"/>
+              <a:rPr b="0" lang="ru-RU" sz="1800" spc="-1" strike="noStrike">
+                <a:latin typeface="Arial"/>
               </a:rPr>
               <a:t>Третий уровень структуры</a:t>
             </a:r>
-            <a:endParaRPr b="0" lang="ru-RU" sz="2400" spc="-1" strike="noStrike">
-              <a:solidFill>
-                <a:srgbClr val="333333"/>
-              </a:solidFill>
-              <a:latin typeface="Noto Sans Bold"/>
+            <a:endParaRPr b="0" lang="ru-RU" sz="1800" spc="-1" strike="noStrike">
+              <a:latin typeface="Arial"/>
             </a:endParaRPr>
           </a:p>
           <a:p>
             <a:pPr lvl="3" marL="1728000" indent="-216000">
-              <a:spcAft>
-                <a:spcPts val="743"/>
-              </a:spcAft>
+              <a:spcBef>
+                <a:spcPts val="567"/>
+              </a:spcBef>
               <a:buClr>
-                <a:srgbClr val="ffffff"/>
+                <a:srgbClr val="000000"/>
               </a:buClr>
               <a:buSzPct val="75000"/>
               <a:buFont typeface="Symbol" charset="2"/>
               <a:buChar char=""/>
             </a:pPr>
             <a:r>
-              <a:rPr b="0" lang="ru-RU" sz="2400" spc="-1" strike="noStrike">
-                <a:solidFill>
-                  <a:srgbClr val="333333"/>
-                </a:solidFill>
-                <a:latin typeface="Noto Sans Bold"/>
+              <a:rPr b="0" lang="ru-RU" sz="1800" spc="-1" strike="noStrike">
+                <a:latin typeface="Arial"/>
               </a:rPr>
               <a:t>Четвёртый уровень структуры</a:t>
             </a:r>
-            <a:endParaRPr b="0" lang="ru-RU" sz="2400" spc="-1" strike="noStrike">
-              <a:solidFill>
-                <a:srgbClr val="333333"/>
-              </a:solidFill>
-              <a:latin typeface="Noto Sans Bold"/>
+            <a:endParaRPr b="0" lang="ru-RU" sz="1800" spc="-1" strike="noStrike">
+              <a:latin typeface="Arial"/>
             </a:endParaRPr>
           </a:p>
           <a:p>
             <a:pPr lvl="4" marL="2160000" indent="-216000">
-              <a:spcAft>
-                <a:spcPts val="366"/>
-              </a:spcAft>
+              <a:spcBef>
+                <a:spcPts val="283"/>
+              </a:spcBef>
               <a:buClr>
-                <a:srgbClr val="ffffff"/>
+                <a:srgbClr val="000000"/>
               </a:buClr>
               <a:buSzPct val="45000"/>
               <a:buFont typeface="Wingdings" charset="2"/>
               <a:buChar char=""/>
             </a:pPr>
             <a:r>
-              <a:rPr b="0" lang="ru-RU" sz="2400" spc="-1" strike="noStrike">
-                <a:solidFill>
-                  <a:srgbClr val="333333"/>
-                </a:solidFill>
-                <a:latin typeface="Noto Sans Bold"/>
+              <a:rPr b="0" lang="ru-RU" sz="1800" spc="-1" strike="noStrike">
+                <a:latin typeface="Arial"/>
               </a:rPr>
               <a:t>Пятый уровень структуры</a:t>
             </a:r>
-            <a:endParaRPr b="0" lang="ru-RU" sz="2400" spc="-1" strike="noStrike">
-              <a:solidFill>
-                <a:srgbClr val="333333"/>
-              </a:solidFill>
-              <a:latin typeface="Noto Sans Bold"/>
+            <a:endParaRPr b="0" lang="ru-RU" sz="1800" spc="-1" strike="noStrike">
+              <a:latin typeface="Arial"/>
             </a:endParaRPr>
           </a:p>
           <a:p>
             <a:pPr lvl="5" marL="2592000" indent="-216000">
-              <a:spcAft>
-                <a:spcPts val="366"/>
-              </a:spcAft>
+              <a:spcBef>
+                <a:spcPts val="283"/>
+              </a:spcBef>
               <a:buClr>
-                <a:srgbClr val="ffffff"/>
+                <a:srgbClr val="000000"/>
               </a:buClr>
               <a:buSzPct val="45000"/>
               <a:buFont typeface="Wingdings" charset="2"/>
               <a:buChar char=""/>
             </a:pPr>
             <a:r>
-              <a:rPr b="0" lang="ru-RU" sz="2400" spc="-1" strike="noStrike">
-                <a:solidFill>
-                  <a:srgbClr val="333333"/>
-                </a:solidFill>
-                <a:latin typeface="Noto Sans Bold"/>
+              <a:rPr b="0" lang="ru-RU" sz="1800" spc="-1" strike="noStrike">
+                <a:latin typeface="Arial"/>
               </a:rPr>
               <a:t>Шестой уровень структуры</a:t>
             </a:r>
-            <a:endParaRPr b="0" lang="ru-RU" sz="2400" spc="-1" strike="noStrike">
-              <a:solidFill>
-                <a:srgbClr val="333333"/>
-              </a:solidFill>
-              <a:latin typeface="Noto Sans Bold"/>
+            <a:endParaRPr b="0" lang="ru-RU" sz="1800" spc="-1" strike="noStrike">
+              <a:latin typeface="Arial"/>
             </a:endParaRPr>
           </a:p>
           <a:p>
             <a:pPr lvl="6" marL="3024000" indent="-216000">
-              <a:spcAft>
-                <a:spcPts val="366"/>
-              </a:spcAft>
+              <a:spcBef>
+                <a:spcPts val="283"/>
+              </a:spcBef>
               <a:buClr>
-                <a:srgbClr val="ffffff"/>
+                <a:srgbClr val="000000"/>
               </a:buClr>
               <a:buSzPct val="45000"/>
               <a:buFont typeface="Wingdings" charset="2"/>
               <a:buChar char=""/>
             </a:pPr>
             <a:r>
-              <a:rPr b="0" lang="ru-RU" sz="2400" spc="-1" strike="noStrike">
-                <a:solidFill>
-                  <a:srgbClr val="333333"/>
-                </a:solidFill>
-                <a:latin typeface="Noto Sans Bold"/>
+              <a:rPr b="0" lang="ru-RU" sz="1800" spc="-1" strike="noStrike">
+                <a:latin typeface="Arial"/>
               </a:rPr>
               <a:t>Седьмой уровень структуры</a:t>
             </a:r>
-            <a:endParaRPr b="0" lang="ru-RU" sz="2400" spc="-1" strike="noStrike">
-              <a:solidFill>
-                <a:srgbClr val="333333"/>
-              </a:solidFill>
-              <a:latin typeface="Noto Sans Bold"/>
-            </a:endParaRPr>
-          </a:p>
-        </p:txBody>
-      </p:sp>
-      <p:sp>
-        <p:nvSpPr>
-          <p:cNvPr id="2" name="PlaceHolder 3"/>
-          <p:cNvSpPr>
-            <a:spLocks noGrp="1"/>
-          </p:cNvSpPr>
-          <p:nvPr>
-            <p:ph type="dt"/>
-          </p:nvPr>
-        </p:nvSpPr>
-        <p:spPr>
-          <a:xfrm>
-            <a:off x="504000" y="6886440"/>
-            <a:ext cx="2348280" cy="521280"/>
-          </a:xfrm>
-          <a:prstGeom prst="rect">
-            <a:avLst/>
-          </a:prstGeom>
-        </p:spPr>
-        <p:txBody>
-          <a:bodyPr lIns="0" rIns="0" tIns="0" bIns="0"/>
-          <a:p>
-            <a:r>
-              <a:rPr b="0" lang="ru-RU" sz="1400" spc="-1" strike="noStrike">
-                <a:latin typeface="Noto Sans Regular"/>
-              </a:rPr>
-              <a:t> </a:t>
-            </a:r>
-            <a:endParaRPr b="0" lang="ru-RU" sz="1400" spc="-1" strike="noStrike">
-              <a:latin typeface="Noto Sans Regular"/>
-            </a:endParaRPr>
-          </a:p>
-        </p:txBody>
-      </p:sp>
-      <p:sp>
-        <p:nvSpPr>
-          <p:cNvPr id="3" name="PlaceHolder 4"/>
-          <p:cNvSpPr>
-            <a:spLocks noGrp="1"/>
-          </p:cNvSpPr>
-          <p:nvPr>
-            <p:ph type="ftr"/>
-          </p:nvPr>
-        </p:nvSpPr>
-        <p:spPr>
-          <a:xfrm>
-            <a:off x="3447360" y="6886440"/>
-            <a:ext cx="3195000" cy="521280"/>
-          </a:xfrm>
-          <a:prstGeom prst="rect">
-            <a:avLst/>
-          </a:prstGeom>
-        </p:spPr>
-        <p:txBody>
-          <a:bodyPr lIns="0" rIns="0" tIns="0" bIns="0"/>
-          <a:p>
-            <a:pPr algn="ctr"/>
-            <a:r>
-              <a:rPr b="0" lang="ru-RU" sz="1400" spc="-1" strike="noStrike">
-                <a:latin typeface="Noto Sans Regular"/>
-              </a:rPr>
-              <a:t> </a:t>
-            </a:r>
-            <a:endParaRPr b="0" lang="ru-RU" sz="1400" spc="-1" strike="noStrike">
-              <a:latin typeface="Noto Sans Regular"/>
-            </a:endParaRPr>
-          </a:p>
-        </p:txBody>
-      </p:sp>
-      <p:sp>
-        <p:nvSpPr>
-          <p:cNvPr id="4" name="PlaceHolder 5"/>
-          <p:cNvSpPr>
-            <a:spLocks noGrp="1"/>
-          </p:cNvSpPr>
-          <p:nvPr>
-            <p:ph type="sldNum"/>
-          </p:nvPr>
-        </p:nvSpPr>
-        <p:spPr>
-          <a:xfrm>
-            <a:off x="7227360" y="6886440"/>
-            <a:ext cx="2348280" cy="521280"/>
-          </a:xfrm>
-          <a:prstGeom prst="rect">
-            <a:avLst/>
-          </a:prstGeom>
-        </p:spPr>
-        <p:txBody>
-          <a:bodyPr lIns="0" rIns="0" tIns="0" bIns="0"/>
-          <a:p>
-            <a:pPr algn="r"/>
-            <a:fld id="{FAC1FFC6-7556-4131-9D6D-165915695414}" type="slidenum">
-              <a:rPr b="0" lang="ru-RU" sz="1400" spc="-1" strike="noStrike">
-                <a:latin typeface="Noto Sans Regular"/>
-              </a:rPr>
-              <a:t>1</a:t>
-            </a:fld>
-            <a:r>
-              <a:rPr b="0" lang="ru-RU" sz="1400" spc="-1" strike="noStrike">
-                <a:latin typeface="Noto Sans Regular"/>
-              </a:rPr>
-              <a:t> / </a:t>
-            </a:r>
-            <a:fld id="{F7D7DEB8-683E-49A1-8EBA-AC5D2CD5FDC5}" type="slidecount">
-              <a:rPr b="0" lang="ru-RU" sz="1400" spc="-1" strike="noStrike">
-                <a:latin typeface="Noto Sans Regular"/>
-              </a:rPr>
-              <a:t>11</a:t>
-            </a:fld>
-            <a:endParaRPr b="0" lang="ru-RU" sz="1400" spc="-1" strike="noStrike">
-              <a:latin typeface="Noto Sans Regular"/>
-            </a:endParaRPr>
-          </a:p>
-        </p:txBody>
-      </p:sp>
-      <p:sp>
-        <p:nvSpPr>
-          <p:cNvPr id="5" name="CustomShape 6"/>
-          <p:cNvSpPr/>
-          <p:nvPr/>
-        </p:nvSpPr>
-        <p:spPr>
-          <a:xfrm>
-            <a:off x="0" y="4320000"/>
-            <a:ext cx="504000" cy="1080000"/>
-          </a:xfrm>
-          <a:prstGeom prst="rect">
-            <a:avLst/>
-          </a:prstGeom>
-          <a:solidFill>
-            <a:srgbClr val="ef2929"/>
-          </a:solidFill>
-          <a:ln>
-            <a:noFill/>
-          </a:ln>
-        </p:spPr>
-        <p:style>
-          <a:lnRef idx="0"/>
-          <a:fillRef idx="0"/>
-          <a:effectRef idx="0"/>
-          <a:fontRef idx="minor"/>
-        </p:style>
+            <a:endParaRPr b="0" lang="ru-RU" sz="1800" spc="-1" strike="noStrike">
+              <a:latin typeface="Arial"/>
+            </a:endParaRPr>
+          </a:p>
+        </p:txBody>
       </p:sp>
     </p:spTree>
   </p:cSld>
@@ -3238,7 +2985,35 @@
       </p:grpSpPr>
       <p:sp>
         <p:nvSpPr>
-          <p:cNvPr id="42" name="PlaceHolder 1"/>
+          <p:cNvPr id="39" name="CustomShape 1"/>
+          <p:cNvSpPr/>
+          <p:nvPr/>
+        </p:nvSpPr>
+        <p:spPr>
+          <a:xfrm>
+            <a:off x="0" y="288000"/>
+            <a:ext cx="503280" cy="1079280"/>
+          </a:xfrm>
+          <a:prstGeom prst="rect">
+            <a:avLst/>
+          </a:prstGeom>
+          <a:solidFill>
+            <a:srgbClr val="ef2929"/>
+          </a:solidFill>
+          <a:ln>
+            <a:noFill/>
+          </a:ln>
+        </p:spPr>
+        <p:style>
+          <a:lnRef idx="0"/>
+          <a:fillRef idx="0"/>
+          <a:effectRef idx="0"/>
+          <a:fontRef idx="minor"/>
+        </p:style>
+      </p:sp>
+      <p:sp>
+        <p:nvSpPr>
+          <p:cNvPr id="40" name="PlaceHolder 2"/>
           <p:cNvSpPr>
             <a:spLocks noGrp="1"/>
           </p:cNvSpPr>
@@ -3248,8 +3023,8 @@
         </p:nvSpPr>
         <p:spPr>
           <a:xfrm>
-            <a:off x="720000" y="300960"/>
-            <a:ext cx="8855640" cy="1262520"/>
+            <a:off x="504000" y="301320"/>
+            <a:ext cx="9072000" cy="1261800"/>
           </a:xfrm>
           <a:prstGeom prst="rect">
             <a:avLst/>
@@ -3258,27 +3033,22 @@
         <p:txBody>
           <a:bodyPr lIns="0" rIns="0" tIns="0" bIns="0" anchor="ctr"/>
           <a:p>
-            <a:r>
-              <a:rPr b="1" lang="ru-RU" sz="4400" spc="-1" strike="noStrike">
-                <a:solidFill>
-                  <a:srgbClr val="333333"/>
-                </a:solidFill>
-                <a:latin typeface="Noto Sans Regular"/>
+            <a:pPr algn="ctr"/>
+            <a:r>
+              <a:rPr b="0" lang="ru-RU" sz="4400" spc="-1" strike="noStrike">
+                <a:latin typeface="Arial"/>
               </a:rPr>
               <a:t>Для правки текста заглавия щёлкните мышью</a:t>
             </a:r>
-            <a:endParaRPr b="1" lang="ru-RU" sz="4400" spc="-1" strike="noStrike">
-              <a:solidFill>
-                <a:srgbClr val="333333"/>
-              </a:solidFill>
-              <a:latin typeface="Noto Sans Regular"/>
-            </a:endParaRPr>
-          </a:p>
-        </p:txBody>
-      </p:sp>
-      <p:sp>
-        <p:nvSpPr>
-          <p:cNvPr id="43" name="PlaceHolder 2"/>
+            <a:endParaRPr b="0" lang="ru-RU" sz="4400" spc="-1" strike="noStrike">
+              <a:latin typeface="Arial"/>
+            </a:endParaRPr>
+          </a:p>
+        </p:txBody>
+      </p:sp>
+      <p:sp>
+        <p:nvSpPr>
+          <p:cNvPr id="41" name="PlaceHolder 3"/>
           <p:cNvSpPr>
             <a:spLocks noGrp="1"/>
           </p:cNvSpPr>
@@ -3288,50 +3058,46 @@
         </p:nvSpPr>
         <p:spPr>
           <a:xfrm>
-            <a:off x="720000" y="2160000"/>
-            <a:ext cx="8640000" cy="4384800"/>
-          </a:xfrm>
-          <a:prstGeom prst="rect">
-            <a:avLst/>
-          </a:prstGeom>
-        </p:spPr>
-        <p:txBody>
-          <a:bodyPr lIns="0" rIns="0" tIns="0" bIns="0"/>
+            <a:off x="504000" y="1768680"/>
+            <a:ext cx="9072000" cy="4384080"/>
+          </a:xfrm>
+          <a:prstGeom prst="rect">
+            <a:avLst/>
+          </a:prstGeom>
+        </p:spPr>
+        <p:txBody>
+          <a:bodyPr lIns="0" rIns="0" tIns="0" bIns="0">
+            <a:normAutofit/>
+          </a:bodyPr>
           <a:p>
             <a:pPr marL="432000" indent="-324000">
-              <a:spcAft>
-                <a:spcPts val="1414"/>
-              </a:spcAft>
+              <a:spcBef>
+                <a:spcPts val="1417"/>
+              </a:spcBef>
               <a:buClr>
-                <a:srgbClr val="ef2929"/>
+                <a:srgbClr val="000000"/>
               </a:buClr>
               <a:buSzPct val="45000"/>
               <a:buFont typeface="Wingdings" charset="2"/>
               <a:buChar char=""/>
             </a:pPr>
             <a:r>
-              <a:rPr b="0" lang="ru-RU" sz="2800" spc="-1" strike="noStrike">
-                <a:solidFill>
-                  <a:srgbClr val="333333"/>
-                </a:solidFill>
-                <a:latin typeface="Noto Sans Regular"/>
+              <a:rPr b="0" lang="ru-RU" sz="3200" spc="-1" strike="noStrike">
+                <a:latin typeface="Arial"/>
               </a:rPr>
               <a:t>Для правки структуры щёлкните мышью</a:t>
             </a:r>
-            <a:endParaRPr b="0" lang="ru-RU" sz="2800" spc="-1" strike="noStrike">
-              <a:solidFill>
-                <a:srgbClr val="333333"/>
-              </a:solidFill>
-              <a:latin typeface="Noto Sans Regular"/>
+            <a:endParaRPr b="0" lang="ru-RU" sz="3200" spc="-1" strike="noStrike">
+              <a:latin typeface="Arial"/>
             </a:endParaRPr>
           </a:p>
           <a:p>
             <a:pPr lvl="1" marL="864000" indent="-324000">
-              <a:spcAft>
+              <a:spcBef>
                 <a:spcPts val="1134"/>
-              </a:spcAft>
+              </a:spcBef>
               <a:buClr>
-                <a:srgbClr val="ef2929"/>
+                <a:srgbClr val="000000"/>
               </a:buClr>
               <a:buSzPct val="75000"/>
               <a:buFont typeface="Symbol" charset="2"/>
@@ -3339,305 +3105,125 @@
             </a:pPr>
             <a:r>
               <a:rPr b="0" lang="ru-RU" sz="2800" spc="-1" strike="noStrike">
-                <a:solidFill>
-                  <a:srgbClr val="333333"/>
-                </a:solidFill>
-                <a:latin typeface="Noto Sans Regular"/>
+                <a:latin typeface="Arial"/>
               </a:rPr>
               <a:t>Второй уровень структуры</a:t>
             </a:r>
             <a:endParaRPr b="0" lang="ru-RU" sz="2800" spc="-1" strike="noStrike">
-              <a:solidFill>
-                <a:srgbClr val="333333"/>
-              </a:solidFill>
-              <a:latin typeface="Noto Sans Regular"/>
+              <a:latin typeface="Arial"/>
             </a:endParaRPr>
           </a:p>
           <a:p>
             <a:pPr lvl="2" marL="1296000" indent="-288000">
-              <a:spcAft>
-                <a:spcPts val="845"/>
-              </a:spcAft>
+              <a:spcBef>
+                <a:spcPts val="850"/>
+              </a:spcBef>
               <a:buClr>
-                <a:srgbClr val="ef2929"/>
+                <a:srgbClr val="000000"/>
               </a:buClr>
               <a:buSzPct val="45000"/>
               <a:buFont typeface="Wingdings" charset="2"/>
               <a:buChar char=""/>
             </a:pPr>
             <a:r>
-              <a:rPr b="0" lang="ru-RU" sz="2800" spc="-1" strike="noStrike">
-                <a:solidFill>
-                  <a:srgbClr val="333333"/>
-                </a:solidFill>
-                <a:latin typeface="Noto Sans Regular"/>
+              <a:rPr b="0" lang="ru-RU" sz="2400" spc="-1" strike="noStrike">
+                <a:latin typeface="Arial"/>
               </a:rPr>
               <a:t>Третий уровень структуры</a:t>
             </a:r>
-            <a:endParaRPr b="0" lang="ru-RU" sz="2800" spc="-1" strike="noStrike">
-              <a:solidFill>
-                <a:srgbClr val="333333"/>
-              </a:solidFill>
-              <a:latin typeface="Noto Sans Regular"/>
+            <a:endParaRPr b="0" lang="ru-RU" sz="2400" spc="-1" strike="noStrike">
+              <a:latin typeface="Arial"/>
             </a:endParaRPr>
           </a:p>
           <a:p>
             <a:pPr lvl="3" marL="1728000" indent="-216000">
-              <a:spcAft>
+              <a:spcBef>
                 <a:spcPts val="567"/>
-              </a:spcAft>
+              </a:spcBef>
               <a:buClr>
-                <a:srgbClr val="ef2929"/>
+                <a:srgbClr val="000000"/>
               </a:buClr>
               <a:buSzPct val="75000"/>
               <a:buFont typeface="Symbol" charset="2"/>
               <a:buChar char=""/>
             </a:pPr>
             <a:r>
-              <a:rPr b="0" lang="ru-RU" sz="2800" spc="-1" strike="noStrike">
-                <a:solidFill>
-                  <a:srgbClr val="333333"/>
-                </a:solidFill>
-                <a:latin typeface="Noto Sans Regular"/>
+              <a:rPr b="0" lang="ru-RU" sz="2000" spc="-1" strike="noStrike">
+                <a:latin typeface="Arial"/>
               </a:rPr>
               <a:t>Четвёртый уровень структуры</a:t>
             </a:r>
-            <a:endParaRPr b="0" lang="ru-RU" sz="2800" spc="-1" strike="noStrike">
-              <a:solidFill>
-                <a:srgbClr val="333333"/>
-              </a:solidFill>
-              <a:latin typeface="Noto Sans Regular"/>
+            <a:endParaRPr b="0" lang="ru-RU" sz="2000" spc="-1" strike="noStrike">
+              <a:latin typeface="Arial"/>
             </a:endParaRPr>
           </a:p>
           <a:p>
             <a:pPr lvl="4" marL="2160000" indent="-216000">
-              <a:spcAft>
+              <a:spcBef>
                 <a:spcPts val="283"/>
-              </a:spcAft>
+              </a:spcBef>
               <a:buClr>
-                <a:srgbClr val="ef2929"/>
+                <a:srgbClr val="000000"/>
               </a:buClr>
               <a:buSzPct val="45000"/>
               <a:buFont typeface="Wingdings" charset="2"/>
               <a:buChar char=""/>
             </a:pPr>
             <a:r>
-              <a:rPr b="0" lang="ru-RU" sz="2800" spc="-1" strike="noStrike">
-                <a:solidFill>
-                  <a:srgbClr val="333333"/>
-                </a:solidFill>
-                <a:latin typeface="Noto Sans Regular"/>
+              <a:rPr b="0" lang="ru-RU" sz="2000" spc="-1" strike="noStrike">
+                <a:latin typeface="Arial"/>
               </a:rPr>
               <a:t>Пятый уровень структуры</a:t>
             </a:r>
-            <a:endParaRPr b="0" lang="ru-RU" sz="2800" spc="-1" strike="noStrike">
-              <a:solidFill>
-                <a:srgbClr val="333333"/>
-              </a:solidFill>
-              <a:latin typeface="Noto Sans Regular"/>
+            <a:endParaRPr b="0" lang="ru-RU" sz="2000" spc="-1" strike="noStrike">
+              <a:latin typeface="Arial"/>
             </a:endParaRPr>
           </a:p>
           <a:p>
             <a:pPr lvl="5" marL="2592000" indent="-216000">
-              <a:spcAft>
+              <a:spcBef>
                 <a:spcPts val="283"/>
-              </a:spcAft>
+              </a:spcBef>
               <a:buClr>
-                <a:srgbClr val="ef2929"/>
+                <a:srgbClr val="000000"/>
               </a:buClr>
               <a:buSzPct val="45000"/>
               <a:buFont typeface="Wingdings" charset="2"/>
               <a:buChar char=""/>
             </a:pPr>
             <a:r>
-              <a:rPr b="0" lang="ru-RU" sz="2800" spc="-1" strike="noStrike">
-                <a:solidFill>
-                  <a:srgbClr val="333333"/>
-                </a:solidFill>
-                <a:latin typeface="Noto Sans Regular"/>
+              <a:rPr b="0" lang="ru-RU" sz="2000" spc="-1" strike="noStrike">
+                <a:latin typeface="Arial"/>
               </a:rPr>
               <a:t>Шестой уровень структуры</a:t>
             </a:r>
-            <a:endParaRPr b="0" lang="ru-RU" sz="2800" spc="-1" strike="noStrike">
-              <a:solidFill>
-                <a:srgbClr val="333333"/>
-              </a:solidFill>
-              <a:latin typeface="Noto Sans Regular"/>
+            <a:endParaRPr b="0" lang="ru-RU" sz="2000" spc="-1" strike="noStrike">
+              <a:latin typeface="Arial"/>
             </a:endParaRPr>
           </a:p>
           <a:p>
             <a:pPr lvl="6" marL="3024000" indent="-216000">
-              <a:spcAft>
+              <a:spcBef>
                 <a:spcPts val="283"/>
-              </a:spcAft>
+              </a:spcBef>
               <a:buClr>
-                <a:srgbClr val="ef2929"/>
+                <a:srgbClr val="000000"/>
               </a:buClr>
               <a:buSzPct val="45000"/>
               <a:buFont typeface="Wingdings" charset="2"/>
               <a:buChar char=""/>
             </a:pPr>
             <a:r>
-              <a:rPr b="0" lang="ru-RU" sz="2800" spc="-1" strike="noStrike">
-                <a:solidFill>
-                  <a:srgbClr val="333333"/>
-                </a:solidFill>
-                <a:latin typeface="Noto Sans Regular"/>
+              <a:rPr b="0" lang="ru-RU" sz="2000" spc="-1" strike="noStrike">
+                <a:latin typeface="Arial"/>
               </a:rPr>
               <a:t>Седьмой уровень структуры</a:t>
             </a:r>
-            <a:endParaRPr b="0" lang="ru-RU" sz="2800" spc="-1" strike="noStrike">
-              <a:solidFill>
-                <a:srgbClr val="333333"/>
-              </a:solidFill>
-              <a:latin typeface="Noto Sans Regular"/>
-            </a:endParaRPr>
-          </a:p>
-        </p:txBody>
-      </p:sp>
-      <p:sp>
-        <p:nvSpPr>
-          <p:cNvPr id="44" name="PlaceHolder 3"/>
-          <p:cNvSpPr>
-            <a:spLocks noGrp="1"/>
-          </p:cNvSpPr>
-          <p:nvPr>
-            <p:ph type="dt"/>
-          </p:nvPr>
-        </p:nvSpPr>
-        <p:spPr>
-          <a:xfrm>
-            <a:off x="504000" y="6886800"/>
-            <a:ext cx="2348280" cy="521280"/>
-          </a:xfrm>
-          <a:prstGeom prst="rect">
-            <a:avLst/>
-          </a:prstGeom>
-        </p:spPr>
-        <p:txBody>
-          <a:bodyPr lIns="0" rIns="0" tIns="0" bIns="0"/>
-          <a:p>
-            <a:r>
-              <a:rPr b="0" lang="ru-RU" sz="1400" spc="-1" strike="noStrike">
-                <a:latin typeface="Noto Sans Regular"/>
-              </a:rPr>
-              <a:t> </a:t>
-            </a:r>
-            <a:endParaRPr b="0" lang="ru-RU" sz="1400" spc="-1" strike="noStrike">
-              <a:latin typeface="Noto Sans Regular"/>
-            </a:endParaRPr>
-          </a:p>
-        </p:txBody>
-      </p:sp>
-      <p:sp>
-        <p:nvSpPr>
-          <p:cNvPr id="45" name="PlaceHolder 4"/>
-          <p:cNvSpPr>
-            <a:spLocks noGrp="1"/>
-          </p:cNvSpPr>
-          <p:nvPr>
-            <p:ph type="ftr"/>
-          </p:nvPr>
-        </p:nvSpPr>
-        <p:spPr>
-          <a:xfrm>
-            <a:off x="3447360" y="6886800"/>
-            <a:ext cx="3195000" cy="521280"/>
-          </a:xfrm>
-          <a:prstGeom prst="rect">
-            <a:avLst/>
-          </a:prstGeom>
-        </p:spPr>
-        <p:txBody>
-          <a:bodyPr lIns="0" rIns="0" tIns="0" bIns="0"/>
-          <a:p>
-            <a:pPr algn="ctr"/>
-            <a:r>
-              <a:rPr b="0" lang="ru-RU" sz="1400" spc="-1" strike="noStrike">
-                <a:latin typeface="Noto Sans Regular"/>
-              </a:rPr>
-              <a:t> </a:t>
-            </a:r>
-            <a:endParaRPr b="0" lang="ru-RU" sz="1400" spc="-1" strike="noStrike">
-              <a:latin typeface="Noto Sans Regular"/>
-            </a:endParaRPr>
-          </a:p>
-        </p:txBody>
-      </p:sp>
-      <p:sp>
-        <p:nvSpPr>
-          <p:cNvPr id="46" name="PlaceHolder 5"/>
-          <p:cNvSpPr>
-            <a:spLocks noGrp="1"/>
-          </p:cNvSpPr>
-          <p:nvPr>
-            <p:ph type="sldNum"/>
-          </p:nvPr>
-        </p:nvSpPr>
-        <p:spPr>
-          <a:xfrm>
-            <a:off x="7227360" y="6886800"/>
-            <a:ext cx="2348280" cy="521280"/>
-          </a:xfrm>
-          <a:prstGeom prst="rect">
-            <a:avLst/>
-          </a:prstGeom>
-        </p:spPr>
-        <p:txBody>
-          <a:bodyPr lIns="0" rIns="0" tIns="0" bIns="0"/>
-          <a:p>
-            <a:pPr algn="r"/>
-            <a:fld id="{B5E97C25-83F3-4AEC-90B6-9D43557C9CAC}" type="slidenum">
-              <a:rPr b="0" lang="ru-RU" sz="1400" spc="-1" strike="noStrike">
-                <a:latin typeface="Noto Sans Regular"/>
-              </a:rPr>
-              <a:t>1</a:t>
-            </a:fld>
-            <a:r>
-              <a:rPr b="0" lang="ru-RU" sz="1400" spc="-1" strike="noStrike">
-                <a:latin typeface="Noto Sans Regular"/>
-              </a:rPr>
-              <a:t> / </a:t>
-            </a:r>
-            <a:fld id="{43C05D21-E2CE-4FE1-8EED-E2CBCD7351E9}" type="slidecount">
-              <a:rPr b="0" lang="ru-RU" sz="1400" spc="-1" strike="noStrike">
-                <a:latin typeface="Noto Sans Regular"/>
-              </a:rPr>
-              <a:t>11</a:t>
-            </a:fld>
-            <a:endParaRPr b="0" lang="ru-RU" sz="1400" spc="-1" strike="noStrike">
-              <a:latin typeface="Noto Sans Regular"/>
-            </a:endParaRPr>
-          </a:p>
-        </p:txBody>
-      </p:sp>
-      <p:sp>
-        <p:nvSpPr>
-          <p:cNvPr id="47" name="CustomShape 6"/>
-          <p:cNvSpPr/>
-          <p:nvPr/>
-        </p:nvSpPr>
-        <p:spPr>
-          <a:xfrm>
-            <a:off x="0" y="288000"/>
-            <a:ext cx="504000" cy="1080000"/>
-          </a:xfrm>
-          <a:prstGeom prst="rect">
-            <a:avLst/>
-          </a:prstGeom>
-          <a:solidFill>
-            <a:srgbClr val="ef2929"/>
-          </a:solidFill>
-          <a:ln>
-            <a:noFill/>
-          </a:ln>
-        </p:spPr>
-        <p:style>
-          <a:lnRef idx="0"/>
-          <a:fillRef idx="0"/>
-          <a:effectRef idx="0"/>
-          <a:fontRef idx="minor"/>
-        </p:style>
+            <a:endParaRPr b="0" lang="ru-RU" sz="2000" spc="-1" strike="noStrike">
+              <a:latin typeface="Arial"/>
+            </a:endParaRPr>
+          </a:p>
+        </p:txBody>
       </p:sp>
     </p:spTree>
   </p:cSld>
@@ -3678,14 +3264,14 @@
       </p:grpSpPr>
       <p:sp>
         <p:nvSpPr>
-          <p:cNvPr id="84" name="TextShape 1"/>
-          <p:cNvSpPr txBox="1"/>
+          <p:cNvPr id="78" name="CustomShape 1"/>
+          <p:cNvSpPr/>
           <p:nvPr/>
         </p:nvSpPr>
         <p:spPr>
           <a:xfrm>
             <a:off x="792000" y="3760920"/>
-            <a:ext cx="8568000" cy="2126880"/>
+            <a:ext cx="8567280" cy="2126160"/>
           </a:xfrm>
           <a:prstGeom prst="rect">
             <a:avLst/>
@@ -3695,39 +3281,48 @@
             <a:noFill/>
           </a:ln>
         </p:spPr>
+        <p:style>
+          <a:lnRef idx="0"/>
+          <a:fillRef idx="0"/>
+          <a:effectRef idx="0"/>
+          <a:fontRef idx="minor"/>
+        </p:style>
         <p:txBody>
           <a:bodyPr lIns="0" rIns="0" tIns="0" bIns="0" anchor="ctr">
             <a:normAutofit/>
           </a:bodyPr>
           <a:p>
+            <a:pPr>
+              <a:lnSpc>
+                <a:spcPct val="100000"/>
+              </a:lnSpc>
+            </a:pPr>
             <a:r>
               <a:rPr b="1" lang="ru-RU" sz="4800" spc="-1" strike="noStrike">
                 <a:solidFill>
                   <a:srgbClr val="333333"/>
                 </a:solidFill>
                 <a:latin typeface="Noto Sans Regular"/>
+                <a:ea typeface="DejaVu Sans"/>
               </a:rPr>
               <a:t>Итоговый проект по курсу «Инженер данных»</a:t>
             </a:r>
-            <a:endParaRPr b="1" lang="ru-RU" sz="4800" spc="-1" strike="noStrike">
-              <a:solidFill>
-                <a:srgbClr val="333333"/>
-              </a:solidFill>
-              <a:latin typeface="Noto Sans Regular"/>
-            </a:endParaRPr>
-          </a:p>
-        </p:txBody>
-      </p:sp>
-      <p:sp>
-        <p:nvSpPr>
-          <p:cNvPr id="85" name="TextShape 2"/>
-          <p:cNvSpPr txBox="1"/>
+            <a:endParaRPr b="0" lang="ru-RU" sz="4800" spc="-1" strike="noStrike">
+              <a:latin typeface="Arial"/>
+            </a:endParaRPr>
+          </a:p>
+        </p:txBody>
+      </p:sp>
+      <p:sp>
+        <p:nvSpPr>
+          <p:cNvPr id="79" name="CustomShape 2"/>
+          <p:cNvSpPr/>
           <p:nvPr/>
         </p:nvSpPr>
         <p:spPr>
           <a:xfrm>
             <a:off x="6192000" y="5904000"/>
-            <a:ext cx="3168000" cy="982440"/>
+            <a:ext cx="3167280" cy="981720"/>
           </a:xfrm>
           <a:prstGeom prst="rect">
             <a:avLst/>
@@ -3737,18 +3332,32 @@
             <a:noFill/>
           </a:ln>
         </p:spPr>
+        <p:style>
+          <a:lnRef idx="0"/>
+          <a:fillRef idx="0"/>
+          <a:effectRef idx="0"/>
+          <a:fontRef idx="minor"/>
+        </p:style>
         <p:txBody>
           <a:bodyPr lIns="0" rIns="0" tIns="0" bIns="0" anchor="ctr"/>
           <a:p>
-            <a:pPr algn="ctr"/>
+            <a:pPr algn="ctr">
+              <a:lnSpc>
+                <a:spcPct val="100000"/>
+              </a:lnSpc>
+            </a:pPr>
             <a:r>
               <a:rPr b="0" lang="ru-RU" sz="3200" spc="-1" strike="noStrike">
+                <a:solidFill>
+                  <a:srgbClr val="000000"/>
+                </a:solidFill>
                 <a:latin typeface="Noto Sans Regular"/>
+                <a:ea typeface="DejaVu Sans"/>
               </a:rPr>
               <a:t>Протасов Д.Н.</a:t>
             </a:r>
             <a:endParaRPr b="0" lang="ru-RU" sz="3200" spc="-1" strike="noStrike">
-              <a:latin typeface="Noto Sans Regular"/>
+              <a:latin typeface="Arial"/>
             </a:endParaRPr>
           </a:p>
         </p:txBody>
@@ -3804,14 +3413,14 @@
       </p:grpSpPr>
       <p:sp>
         <p:nvSpPr>
-          <p:cNvPr id="121" name="TextShape 1"/>
-          <p:cNvSpPr txBox="1"/>
+          <p:cNvPr id="115" name="CustomShape 1"/>
+          <p:cNvSpPr/>
           <p:nvPr/>
         </p:nvSpPr>
         <p:spPr>
           <a:xfrm>
             <a:off x="720000" y="300960"/>
-            <a:ext cx="8855640" cy="1262520"/>
+            <a:ext cx="8854920" cy="1261800"/>
           </a:xfrm>
           <a:prstGeom prst="rect">
             <a:avLst/>
@@ -3821,37 +3430,46 @@
             <a:noFill/>
           </a:ln>
         </p:spPr>
+        <p:style>
+          <a:lnRef idx="0"/>
+          <a:fillRef idx="0"/>
+          <a:effectRef idx="0"/>
+          <a:fontRef idx="minor"/>
+        </p:style>
         <p:txBody>
           <a:bodyPr lIns="0" rIns="0" tIns="0" bIns="0" anchor="ctr"/>
           <a:p>
+            <a:pPr>
+              <a:lnSpc>
+                <a:spcPct val="100000"/>
+              </a:lnSpc>
+            </a:pPr>
             <a:r>
               <a:rPr b="1" lang="ru-RU" sz="4400" spc="-1" strike="noStrike">
                 <a:solidFill>
                   <a:srgbClr val="333333"/>
                 </a:solidFill>
                 <a:latin typeface="Noto Sans Regular"/>
-              </a:rPr>
-              <a:t>Результаты</a:t>
-            </a:r>
-            <a:endParaRPr b="1" lang="ru-RU" sz="4400" spc="-1" strike="noStrike">
-              <a:solidFill>
-                <a:srgbClr val="333333"/>
-              </a:solidFill>
-              <a:latin typeface="Noto Sans Regular"/>
-            </a:endParaRPr>
-          </a:p>
-        </p:txBody>
-      </p:sp>
-      <p:sp>
-        <p:nvSpPr>
-          <p:cNvPr id="122" name="TextShape 2"/>
-          <p:cNvSpPr txBox="1"/>
+                <a:ea typeface="DejaVu Sans"/>
+              </a:rPr>
+              <a:t>Ключевые особенности</a:t>
+            </a:r>
+            <a:endParaRPr b="0" lang="ru-RU" sz="4400" spc="-1" strike="noStrike">
+              <a:latin typeface="Arial"/>
+            </a:endParaRPr>
+          </a:p>
+        </p:txBody>
+      </p:sp>
+      <p:sp>
+        <p:nvSpPr>
+          <p:cNvPr id="116" name="CustomShape 2"/>
+          <p:cNvSpPr/>
           <p:nvPr/>
         </p:nvSpPr>
         <p:spPr>
           <a:xfrm>
-            <a:off x="648000" y="1728000"/>
-            <a:ext cx="8640000" cy="2160000"/>
+            <a:off x="-360000" y="1440000"/>
+            <a:ext cx="10584000" cy="503280"/>
           </a:xfrm>
           <a:prstGeom prst="rect">
             <a:avLst/>
@@ -3861,10 +3479,19 @@
             <a:noFill/>
           </a:ln>
         </p:spPr>
+        <p:style>
+          <a:lnRef idx="0"/>
+          <a:fillRef idx="0"/>
+          <a:effectRef idx="0"/>
+          <a:fontRef idx="minor"/>
+        </p:style>
         <p:txBody>
           <a:bodyPr lIns="0" rIns="0" tIns="0" bIns="0"/>
           <a:p>
-            <a:pPr marL="432000" indent="-324000">
+            <a:pPr marL="432000" indent="-323280">
+              <a:lnSpc>
+                <a:spcPct val="100000"/>
+              </a:lnSpc>
               <a:spcAft>
                 <a:spcPts val="1414"/>
               </a:spcAft>
@@ -3876,26 +3503,82 @@
               <a:buChar char=""/>
             </a:pPr>
             <a:r>
-              <a:rPr b="0" lang="ru-RU" sz="2800" spc="-1" strike="noStrike">
+              <a:rPr b="0" lang="ru-RU" sz="1800" spc="-1" strike="noStrike">
                 <a:solidFill>
                   <a:srgbClr val="333333"/>
                 </a:solidFill>
                 <a:latin typeface="Noto Sans Regular"/>
-              </a:rPr>
-              <a:t>В ходе выполнения проекта разработано ПО, способное собирать информацию от RSS рассылок, самостоятельно определять категорию новости и формировать витрину данных.</a:t>
-            </a:r>
-            <a:endParaRPr b="0" lang="ru-RU" sz="2800" spc="-1" strike="noStrike">
-              <a:solidFill>
-                <a:srgbClr val="333333"/>
-              </a:solidFill>
-              <a:latin typeface="Noto Sans Regular"/>
+                <a:ea typeface="DejaVu Sans"/>
+              </a:rPr>
+              <a:t>Интеллектуальное определение категории новостей при помощи нейронной сети</a:t>
+            </a:r>
+            <a:endParaRPr b="0" lang="ru-RU" sz="1800" spc="-1" strike="noStrike">
+              <a:latin typeface="Arial"/>
+            </a:endParaRPr>
+          </a:p>
+        </p:txBody>
+      </p:sp>
+      <p:sp>
+        <p:nvSpPr>
+          <p:cNvPr id="117" name="CustomShape 3"/>
+          <p:cNvSpPr/>
+          <p:nvPr/>
+        </p:nvSpPr>
+        <p:spPr>
+          <a:xfrm>
+            <a:off x="360000" y="3240000"/>
+            <a:ext cx="1871640" cy="503280"/>
+          </a:xfrm>
+          <a:prstGeom prst="rect">
+            <a:avLst/>
+          </a:prstGeom>
+          <a:noFill/>
+          <a:ln>
+            <a:noFill/>
+          </a:ln>
+        </p:spPr>
+        <p:style>
+          <a:lnRef idx="0"/>
+          <a:fillRef idx="0"/>
+          <a:effectRef idx="0"/>
+          <a:fontRef idx="minor"/>
+        </p:style>
+        <p:txBody>
+          <a:bodyPr lIns="0" rIns="0" tIns="0" bIns="0"/>
+          <a:p>
+            <a:pPr marL="432000" indent="-323280">
+              <a:lnSpc>
+                <a:spcPct val="100000"/>
+              </a:lnSpc>
+              <a:spcAft>
+                <a:spcPts val="1414"/>
+              </a:spcAft>
+              <a:buClr>
+                <a:srgbClr val="ef2929"/>
+              </a:buClr>
+              <a:buSzPct val="45000"/>
+              <a:buFont typeface="Wingdings" charset="2"/>
+              <a:buChar char=""/>
+            </a:pPr>
+            <a:r>
+              <a:rPr b="0" lang="ru-RU" sz="1800" spc="-1" strike="noStrike">
+                <a:solidFill>
+                  <a:srgbClr val="333333"/>
+                </a:solidFill>
+                <a:latin typeface="Noto Sans Regular"/>
+                <a:ea typeface="DejaVu Sans"/>
+              </a:rPr>
+              <a:t>Базовые категории</a:t>
+            </a:r>
+            <a:endParaRPr b="0" lang="ru-RU" sz="1800" spc="-1" strike="noStrike">
+              <a:latin typeface="Arial"/>
             </a:endParaRPr>
           </a:p>
         </p:txBody>
       </p:sp>
       <p:pic>
         <p:nvPicPr>
-          <p:cNvPr id="123" name="" descr=""/>
+          <p:cNvPr id="118" name="" descr=""/>
           <p:cNvPicPr/>
           <p:nvPr/>
         </p:nvPicPr>
@@ -3905,8 +3588,8 @@
         </p:blipFill>
         <p:spPr>
           <a:xfrm>
-            <a:off x="288000" y="4300560"/>
-            <a:ext cx="9647640" cy="1675440"/>
+            <a:off x="720000" y="3932640"/>
+            <a:ext cx="1468440" cy="2794320"/>
           </a:xfrm>
           <a:prstGeom prst="rect">
             <a:avLst/>
@@ -3916,6 +3599,1045 @@
           </a:ln>
         </p:spPr>
       </p:pic>
+      <p:sp>
+        <p:nvSpPr>
+          <p:cNvPr id="119" name="CustomShape 4"/>
+          <p:cNvSpPr/>
+          <p:nvPr/>
+        </p:nvSpPr>
+        <p:spPr>
+          <a:xfrm>
+            <a:off x="7832880" y="6431760"/>
+            <a:ext cx="1596600" cy="529200"/>
+          </a:xfrm>
+          <a:prstGeom prst="rect">
+            <a:avLst/>
+          </a:prstGeom>
+          <a:noFill/>
+          <a:ln>
+            <a:noFill/>
+          </a:ln>
+        </p:spPr>
+        <p:style>
+          <a:lnRef idx="0"/>
+          <a:fillRef idx="0"/>
+          <a:effectRef idx="0"/>
+          <a:fontRef idx="minor"/>
+        </p:style>
+        <p:txBody>
+          <a:bodyPr lIns="0" rIns="0" tIns="0" bIns="0"/>
+          <a:p>
+            <a:pPr>
+              <a:lnSpc>
+                <a:spcPct val="100000"/>
+              </a:lnSpc>
+              <a:spcAft>
+                <a:spcPts val="1414"/>
+              </a:spcAft>
+            </a:pPr>
+            <a:r>
+              <a:rPr b="0" lang="ru-RU" sz="1800" spc="-1" strike="noStrike">
+                <a:solidFill>
+                  <a:srgbClr val="333333"/>
+                </a:solidFill>
+                <a:latin typeface="Noto Sans Regular"/>
+                <a:ea typeface="DejaVu Sans"/>
+              </a:rPr>
+              <a:t>Футбол</a:t>
+            </a:r>
+            <a:br/>
+            <a:r>
+              <a:rPr b="0" lang="ru-RU" sz="1800" spc="-1" strike="noStrike">
+                <a:solidFill>
+                  <a:srgbClr val="333333"/>
+                </a:solidFill>
+                <a:latin typeface="Noto Sans Regular"/>
+                <a:ea typeface="DejaVu Sans"/>
+              </a:rPr>
+              <a:t>Хоккей</a:t>
+            </a:r>
+            <a:br/>
+            <a:r>
+              <a:rPr b="0" lang="ru-RU" sz="1800" spc="-1" strike="noStrike">
+                <a:solidFill>
+                  <a:srgbClr val="333333"/>
+                </a:solidFill>
+                <a:latin typeface="Noto Sans Regular"/>
+                <a:ea typeface="DejaVu Sans"/>
+              </a:rPr>
+              <a:t>Туризм</a:t>
+            </a:r>
+            <a:endParaRPr b="0" lang="ru-RU" sz="1800" spc="-1" strike="noStrike">
+              <a:latin typeface="Arial"/>
+            </a:endParaRPr>
+          </a:p>
+        </p:txBody>
+      </p:sp>
+      <p:sp>
+        <p:nvSpPr>
+          <p:cNvPr id="120" name="CustomShape 5"/>
+          <p:cNvSpPr/>
+          <p:nvPr/>
+        </p:nvSpPr>
+        <p:spPr>
+          <a:xfrm>
+            <a:off x="7980480" y="4320000"/>
+            <a:ext cx="1451160" cy="529200"/>
+          </a:xfrm>
+          <a:prstGeom prst="rect">
+            <a:avLst/>
+          </a:prstGeom>
+          <a:noFill/>
+          <a:ln>
+            <a:noFill/>
+          </a:ln>
+        </p:spPr>
+        <p:style>
+          <a:lnRef idx="0"/>
+          <a:fillRef idx="0"/>
+          <a:effectRef idx="0"/>
+          <a:fontRef idx="minor"/>
+        </p:style>
+        <p:txBody>
+          <a:bodyPr lIns="0" rIns="0" tIns="0" bIns="0"/>
+          <a:p>
+            <a:pPr marL="432000" indent="-323280">
+              <a:lnSpc>
+                <a:spcPct val="100000"/>
+              </a:lnSpc>
+              <a:spcAft>
+                <a:spcPts val="1414"/>
+              </a:spcAft>
+              <a:buClr>
+                <a:srgbClr val="ef2929"/>
+              </a:buClr>
+              <a:buSzPct val="45000"/>
+              <a:buFont typeface="Wingdings" charset="2"/>
+              <a:buChar char=""/>
+            </a:pPr>
+            <a:r>
+              <a:rPr b="0" lang="ru-RU" sz="1800" spc="-1" strike="noStrike">
+                <a:solidFill>
+                  <a:srgbClr val="333333"/>
+                </a:solidFill>
+                <a:latin typeface="Noto Sans Regular"/>
+                <a:ea typeface="DejaVu Sans"/>
+              </a:rPr>
+              <a:t>Право</a:t>
+            </a:r>
+            <a:endParaRPr b="0" lang="ru-RU" sz="1800" spc="-1" strike="noStrike">
+              <a:latin typeface="Arial"/>
+            </a:endParaRPr>
+          </a:p>
+        </p:txBody>
+      </p:sp>
+      <p:sp>
+        <p:nvSpPr>
+          <p:cNvPr id="121" name="Line 6"/>
+          <p:cNvSpPr/>
+          <p:nvPr/>
+        </p:nvSpPr>
+        <p:spPr>
+          <a:xfrm>
+            <a:off x="2244240" y="5825880"/>
+            <a:ext cx="5515920" cy="681480"/>
+          </a:xfrm>
+          <a:prstGeom prst="line">
+            <a:avLst/>
+          </a:prstGeom>
+          <a:ln>
+            <a:solidFill>
+              <a:srgbClr val="000000"/>
+            </a:solidFill>
+          </a:ln>
+        </p:spPr>
+        <p:style>
+          <a:lnRef idx="0"/>
+          <a:fillRef idx="0"/>
+          <a:effectRef idx="0"/>
+          <a:fontRef idx="minor"/>
+        </p:style>
+      </p:sp>
+      <p:sp>
+        <p:nvSpPr>
+          <p:cNvPr id="122" name="Line 7"/>
+          <p:cNvSpPr/>
+          <p:nvPr/>
+        </p:nvSpPr>
+        <p:spPr>
+          <a:xfrm flipH="1">
+            <a:off x="2244240" y="4462920"/>
+            <a:ext cx="6096600" cy="832680"/>
+          </a:xfrm>
+          <a:prstGeom prst="line">
+            <a:avLst/>
+          </a:prstGeom>
+          <a:ln>
+            <a:solidFill>
+              <a:srgbClr val="000000"/>
+            </a:solidFill>
+          </a:ln>
+        </p:spPr>
+        <p:style>
+          <a:lnRef idx="0"/>
+          <a:fillRef idx="0"/>
+          <a:effectRef idx="0"/>
+          <a:fontRef idx="minor"/>
+        </p:style>
+      </p:sp>
+      <p:sp>
+        <p:nvSpPr>
+          <p:cNvPr id="123" name="CustomShape 8"/>
+          <p:cNvSpPr/>
+          <p:nvPr/>
+        </p:nvSpPr>
+        <p:spPr>
+          <a:xfrm>
+            <a:off x="7344000" y="4968000"/>
+            <a:ext cx="2663640" cy="529560"/>
+          </a:xfrm>
+          <a:prstGeom prst="rect">
+            <a:avLst/>
+          </a:prstGeom>
+          <a:noFill/>
+          <a:ln>
+            <a:noFill/>
+          </a:ln>
+        </p:spPr>
+        <p:style>
+          <a:lnRef idx="0"/>
+          <a:fillRef idx="0"/>
+          <a:effectRef idx="0"/>
+          <a:fontRef idx="minor"/>
+        </p:style>
+        <p:txBody>
+          <a:bodyPr lIns="0" rIns="0" tIns="0" bIns="0"/>
+          <a:p>
+            <a:pPr marL="432000" indent="-323280">
+              <a:lnSpc>
+                <a:spcPct val="100000"/>
+              </a:lnSpc>
+              <a:spcAft>
+                <a:spcPts val="1414"/>
+              </a:spcAft>
+              <a:buClr>
+                <a:srgbClr val="ef2929"/>
+              </a:buClr>
+              <a:buSzPct val="45000"/>
+              <a:buFont typeface="Wingdings" charset="2"/>
+              <a:buChar char=""/>
+            </a:pPr>
+            <a:r>
+              <a:rPr b="0" lang="ru-RU" sz="1800" spc="-1" strike="noStrike">
+                <a:solidFill>
+                  <a:srgbClr val="333333"/>
+                </a:solidFill>
+                <a:latin typeface="Noto Sans Regular"/>
+                <a:ea typeface="DejaVu Sans"/>
+              </a:rPr>
+              <a:t>Наука</a:t>
+            </a:r>
+            <a:br/>
+            <a:r>
+              <a:rPr b="0" lang="ru-RU" sz="1800" spc="-1" strike="noStrike">
+                <a:solidFill>
+                  <a:srgbClr val="333333"/>
+                </a:solidFill>
+                <a:latin typeface="Noto Sans Regular"/>
+                <a:ea typeface="DejaVu Sans"/>
+              </a:rPr>
+              <a:t>Гаджеты</a:t>
+            </a:r>
+            <a:br/>
+            <a:r>
+              <a:rPr b="0" lang="ru-RU" sz="1800" spc="-1" strike="noStrike">
+                <a:solidFill>
+                  <a:srgbClr val="333333"/>
+                </a:solidFill>
+                <a:latin typeface="Noto Sans Regular"/>
+                <a:ea typeface="DejaVu Sans"/>
+              </a:rPr>
+              <a:t>Наука и техника</a:t>
+            </a:r>
+            <a:br/>
+            <a:r>
+              <a:rPr b="0" lang="ru-RU" sz="1800" spc="-1" strike="noStrike">
+                <a:solidFill>
+                  <a:srgbClr val="333333"/>
+                </a:solidFill>
+                <a:latin typeface="Noto Sans Regular"/>
+                <a:ea typeface="DejaVu Sans"/>
+              </a:rPr>
+              <a:t>Космос</a:t>
+            </a:r>
+            <a:endParaRPr b="0" lang="ru-RU" sz="1800" spc="-1" strike="noStrike">
+              <a:latin typeface="Arial"/>
+            </a:endParaRPr>
+          </a:p>
+        </p:txBody>
+      </p:sp>
+      <p:sp>
+        <p:nvSpPr>
+          <p:cNvPr id="124" name="Line 9"/>
+          <p:cNvSpPr/>
+          <p:nvPr/>
+        </p:nvSpPr>
+        <p:spPr>
+          <a:xfrm flipH="1">
+            <a:off x="2244240" y="5295600"/>
+            <a:ext cx="5459760" cy="227160"/>
+          </a:xfrm>
+          <a:prstGeom prst="line">
+            <a:avLst/>
+          </a:prstGeom>
+          <a:ln>
+            <a:solidFill>
+              <a:srgbClr val="000000"/>
+            </a:solidFill>
+          </a:ln>
+        </p:spPr>
+        <p:style>
+          <a:lnRef idx="0"/>
+          <a:fillRef idx="0"/>
+          <a:effectRef idx="0"/>
+          <a:fontRef idx="minor"/>
+        </p:style>
+      </p:sp>
+      <p:sp>
+        <p:nvSpPr>
+          <p:cNvPr id="125" name="CustomShape 10"/>
+          <p:cNvSpPr/>
+          <p:nvPr/>
+        </p:nvSpPr>
+        <p:spPr>
+          <a:xfrm>
+            <a:off x="7755840" y="2434320"/>
+            <a:ext cx="1523880" cy="529560"/>
+          </a:xfrm>
+          <a:prstGeom prst="rect">
+            <a:avLst/>
+          </a:prstGeom>
+          <a:noFill/>
+          <a:ln>
+            <a:noFill/>
+          </a:ln>
+        </p:spPr>
+        <p:style>
+          <a:lnRef idx="0"/>
+          <a:fillRef idx="0"/>
+          <a:effectRef idx="0"/>
+          <a:fontRef idx="minor"/>
+        </p:style>
+        <p:txBody>
+          <a:bodyPr lIns="0" rIns="0" tIns="0" bIns="0"/>
+          <a:p>
+            <a:pPr marL="432000" indent="-323280">
+              <a:lnSpc>
+                <a:spcPct val="100000"/>
+              </a:lnSpc>
+              <a:spcAft>
+                <a:spcPts val="1414"/>
+              </a:spcAft>
+              <a:buClr>
+                <a:srgbClr val="ef2929"/>
+              </a:buClr>
+              <a:buSzPct val="45000"/>
+              <a:buFont typeface="Wingdings" charset="2"/>
+              <a:buChar char=""/>
+            </a:pPr>
+            <a:r>
+              <a:rPr b="0" lang="ru-RU" sz="1800" spc="-1" strike="noStrike">
+                <a:solidFill>
+                  <a:srgbClr val="333333"/>
+                </a:solidFill>
+                <a:latin typeface="Noto Sans Regular"/>
+                <a:ea typeface="DejaVu Sans"/>
+              </a:rPr>
+              <a:t>Персона</a:t>
+            </a:r>
+            <a:br/>
+            <a:r>
+              <a:rPr b="0" lang="ru-RU" sz="1800" spc="-1" strike="noStrike">
+                <a:solidFill>
+                  <a:srgbClr val="333333"/>
+                </a:solidFill>
+                <a:latin typeface="Noto Sans Regular"/>
+                <a:ea typeface="DejaVu Sans"/>
+              </a:rPr>
+              <a:t>Люди</a:t>
+            </a:r>
+            <a:br/>
+            <a:r>
+              <a:rPr b="0" lang="ru-RU" sz="1800" spc="-1" strike="noStrike">
+                <a:solidFill>
+                  <a:srgbClr val="333333"/>
+                </a:solidFill>
+                <a:latin typeface="Noto Sans Regular"/>
+                <a:ea typeface="DejaVu Sans"/>
+              </a:rPr>
+              <a:t>Мнение</a:t>
+            </a:r>
+            <a:br/>
+            <a:r>
+              <a:rPr b="0" lang="ru-RU" sz="1800" spc="-1" strike="noStrike">
+                <a:solidFill>
+                  <a:srgbClr val="333333"/>
+                </a:solidFill>
+                <a:latin typeface="Noto Sans Regular"/>
+                <a:ea typeface="DejaVu Sans"/>
+              </a:rPr>
+              <a:t>Власть</a:t>
+            </a:r>
+            <a:endParaRPr b="0" lang="ru-RU" sz="1800" spc="-1" strike="noStrike">
+              <a:latin typeface="Arial"/>
+            </a:endParaRPr>
+          </a:p>
+        </p:txBody>
+      </p:sp>
+      <p:sp>
+        <p:nvSpPr>
+          <p:cNvPr id="126" name="Line 11"/>
+          <p:cNvSpPr/>
+          <p:nvPr/>
+        </p:nvSpPr>
+        <p:spPr>
+          <a:xfrm flipH="1">
+            <a:off x="2244240" y="3456000"/>
+            <a:ext cx="5819760" cy="1612440"/>
+          </a:xfrm>
+          <a:prstGeom prst="line">
+            <a:avLst/>
+          </a:prstGeom>
+          <a:ln>
+            <a:solidFill>
+              <a:srgbClr val="000000"/>
+            </a:solidFill>
+          </a:ln>
+        </p:spPr>
+        <p:style>
+          <a:lnRef idx="0"/>
+          <a:fillRef idx="0"/>
+          <a:effectRef idx="0"/>
+          <a:fontRef idx="minor"/>
+        </p:style>
+      </p:sp>
+      <p:sp>
+        <p:nvSpPr>
+          <p:cNvPr id="127" name="CustomShape 12"/>
+          <p:cNvSpPr/>
+          <p:nvPr/>
+        </p:nvSpPr>
+        <p:spPr>
+          <a:xfrm>
+            <a:off x="1944000" y="1871640"/>
+            <a:ext cx="1814040" cy="529200"/>
+          </a:xfrm>
+          <a:prstGeom prst="rect">
+            <a:avLst/>
+          </a:prstGeom>
+          <a:noFill/>
+          <a:ln>
+            <a:noFill/>
+          </a:ln>
+        </p:spPr>
+        <p:style>
+          <a:lnRef idx="0"/>
+          <a:fillRef idx="0"/>
+          <a:effectRef idx="0"/>
+          <a:fontRef idx="minor"/>
+        </p:style>
+        <p:txBody>
+          <a:bodyPr lIns="0" rIns="0" tIns="0" bIns="0"/>
+          <a:p>
+            <a:pPr marL="432000" indent="-323280">
+              <a:lnSpc>
+                <a:spcPct val="100000"/>
+              </a:lnSpc>
+              <a:spcAft>
+                <a:spcPts val="1414"/>
+              </a:spcAft>
+              <a:buClr>
+                <a:srgbClr val="ef2929"/>
+              </a:buClr>
+              <a:buSzPct val="45000"/>
+              <a:buFont typeface="Wingdings" charset="2"/>
+              <a:buChar char=""/>
+            </a:pPr>
+            <a:r>
+              <a:rPr b="0" lang="ru-RU" sz="1800" spc="-1" strike="noStrike">
+                <a:solidFill>
+                  <a:srgbClr val="333333"/>
+                </a:solidFill>
+                <a:latin typeface="Noto Sans Regular"/>
+                <a:ea typeface="DejaVu Sans"/>
+              </a:rPr>
+              <a:t>Компании</a:t>
+            </a:r>
+            <a:endParaRPr b="0" lang="ru-RU" sz="1800" spc="-1" strike="noStrike">
+              <a:latin typeface="Arial"/>
+            </a:endParaRPr>
+          </a:p>
+        </p:txBody>
+      </p:sp>
+      <p:sp>
+        <p:nvSpPr>
+          <p:cNvPr id="128" name="Line 13"/>
+          <p:cNvSpPr/>
+          <p:nvPr/>
+        </p:nvSpPr>
+        <p:spPr>
+          <a:xfrm flipH="1">
+            <a:off x="2244240" y="2160000"/>
+            <a:ext cx="131760" cy="1924200"/>
+          </a:xfrm>
+          <a:prstGeom prst="line">
+            <a:avLst/>
+          </a:prstGeom>
+          <a:ln>
+            <a:solidFill>
+              <a:srgbClr val="000000"/>
+            </a:solidFill>
+          </a:ln>
+        </p:spPr>
+        <p:style>
+          <a:lnRef idx="0"/>
+          <a:fillRef idx="0"/>
+          <a:effectRef idx="0"/>
+          <a:fontRef idx="minor"/>
+        </p:style>
+      </p:sp>
+      <p:sp>
+        <p:nvSpPr>
+          <p:cNvPr id="129" name="Line 14"/>
+          <p:cNvSpPr/>
+          <p:nvPr/>
+        </p:nvSpPr>
+        <p:spPr>
+          <a:xfrm>
+            <a:off x="2244240" y="6053040"/>
+            <a:ext cx="3992040" cy="908640"/>
+          </a:xfrm>
+          <a:prstGeom prst="line">
+            <a:avLst/>
+          </a:prstGeom>
+          <a:ln>
+            <a:solidFill>
+              <a:srgbClr val="000000"/>
+            </a:solidFill>
+          </a:ln>
+        </p:spPr>
+        <p:style>
+          <a:lnRef idx="0"/>
+          <a:fillRef idx="0"/>
+          <a:effectRef idx="0"/>
+          <a:fontRef idx="minor"/>
+        </p:style>
+      </p:sp>
+      <p:sp>
+        <p:nvSpPr>
+          <p:cNvPr id="130" name="CustomShape 15"/>
+          <p:cNvSpPr/>
+          <p:nvPr/>
+        </p:nvSpPr>
+        <p:spPr>
+          <a:xfrm>
+            <a:off x="5873400" y="6886080"/>
+            <a:ext cx="1686240" cy="529560"/>
+          </a:xfrm>
+          <a:prstGeom prst="rect">
+            <a:avLst/>
+          </a:prstGeom>
+          <a:noFill/>
+          <a:ln>
+            <a:noFill/>
+          </a:ln>
+        </p:spPr>
+        <p:style>
+          <a:lnRef idx="0"/>
+          <a:fillRef idx="0"/>
+          <a:effectRef idx="0"/>
+          <a:fontRef idx="minor"/>
+        </p:style>
+        <p:txBody>
+          <a:bodyPr lIns="0" rIns="0" tIns="0" bIns="0"/>
+          <a:p>
+            <a:pPr marL="432000" indent="-323280">
+              <a:lnSpc>
+                <a:spcPct val="100000"/>
+              </a:lnSpc>
+              <a:spcAft>
+                <a:spcPts val="1414"/>
+              </a:spcAft>
+              <a:buClr>
+                <a:srgbClr val="ef2929"/>
+              </a:buClr>
+              <a:buSzPct val="45000"/>
+              <a:buFont typeface="Wingdings" charset="2"/>
+              <a:buChar char=""/>
+            </a:pPr>
+            <a:r>
+              <a:rPr b="0" lang="ru-RU" sz="1800" spc="-1" strike="noStrike">
+                <a:solidFill>
+                  <a:srgbClr val="333333"/>
+                </a:solidFill>
+                <a:latin typeface="Noto Sans Regular"/>
+                <a:ea typeface="DejaVu Sans"/>
+              </a:rPr>
+              <a:t>Религия</a:t>
+            </a:r>
+            <a:br/>
+            <a:r>
+              <a:rPr b="0" lang="ru-RU" sz="1800" spc="-1" strike="noStrike">
+                <a:solidFill>
+                  <a:srgbClr val="333333"/>
+                </a:solidFill>
+                <a:latin typeface="Noto Sans Regular"/>
+                <a:ea typeface="DejaVu Sans"/>
+              </a:rPr>
+              <a:t>Ценности</a:t>
+            </a:r>
+            <a:endParaRPr b="0" lang="ru-RU" sz="1800" spc="-1" strike="noStrike">
+              <a:latin typeface="Arial"/>
+            </a:endParaRPr>
+          </a:p>
+        </p:txBody>
+      </p:sp>
+      <p:sp>
+        <p:nvSpPr>
+          <p:cNvPr id="131" name="CustomShape 16"/>
+          <p:cNvSpPr/>
+          <p:nvPr/>
+        </p:nvSpPr>
+        <p:spPr>
+          <a:xfrm>
+            <a:off x="5472000" y="2926080"/>
+            <a:ext cx="2394720" cy="529560"/>
+          </a:xfrm>
+          <a:prstGeom prst="rect">
+            <a:avLst/>
+          </a:prstGeom>
+          <a:noFill/>
+          <a:ln>
+            <a:noFill/>
+          </a:ln>
+        </p:spPr>
+        <p:style>
+          <a:lnRef idx="0"/>
+          <a:fillRef idx="0"/>
+          <a:effectRef idx="0"/>
+          <a:fontRef idx="minor"/>
+        </p:style>
+        <p:txBody>
+          <a:bodyPr lIns="0" rIns="0" tIns="0" bIns="0"/>
+          <a:p>
+            <a:pPr marL="432000" indent="-323280">
+              <a:lnSpc>
+                <a:spcPct val="100000"/>
+              </a:lnSpc>
+              <a:spcAft>
+                <a:spcPts val="1414"/>
+              </a:spcAft>
+              <a:buClr>
+                <a:srgbClr val="ef2929"/>
+              </a:buClr>
+              <a:buSzPct val="45000"/>
+              <a:buFont typeface="Wingdings" charset="2"/>
+              <a:buChar char=""/>
+            </a:pPr>
+            <a:r>
+              <a:rPr b="0" lang="ru-RU" sz="1800" spc="-1" strike="noStrike">
+                <a:solidFill>
+                  <a:srgbClr val="333333"/>
+                </a:solidFill>
+                <a:latin typeface="Noto Sans Regular"/>
+                <a:ea typeface="DejaVu Sans"/>
+              </a:rPr>
+              <a:t>Строительство</a:t>
+            </a:r>
+            <a:endParaRPr b="0" lang="ru-RU" sz="1800" spc="-1" strike="noStrike">
+              <a:latin typeface="Arial"/>
+            </a:endParaRPr>
+          </a:p>
+        </p:txBody>
+      </p:sp>
+      <p:sp>
+        <p:nvSpPr>
+          <p:cNvPr id="132" name="Line 17"/>
+          <p:cNvSpPr/>
+          <p:nvPr/>
+        </p:nvSpPr>
+        <p:spPr>
+          <a:xfrm flipH="1">
+            <a:off x="2244240" y="3168000"/>
+            <a:ext cx="3587760" cy="1673280"/>
+          </a:xfrm>
+          <a:prstGeom prst="line">
+            <a:avLst/>
+          </a:prstGeom>
+          <a:ln>
+            <a:solidFill>
+              <a:srgbClr val="000000"/>
+            </a:solidFill>
+          </a:ln>
+        </p:spPr>
+        <p:style>
+          <a:lnRef idx="0"/>
+          <a:fillRef idx="0"/>
+          <a:effectRef idx="0"/>
+          <a:fontRef idx="minor"/>
+        </p:style>
+      </p:sp>
+      <p:sp>
+        <p:nvSpPr>
+          <p:cNvPr id="133" name="Line 18"/>
+          <p:cNvSpPr/>
+          <p:nvPr/>
+        </p:nvSpPr>
+        <p:spPr>
+          <a:xfrm flipH="1">
+            <a:off x="2244240" y="2304000"/>
+            <a:ext cx="3587760" cy="2232000"/>
+          </a:xfrm>
+          <a:prstGeom prst="line">
+            <a:avLst/>
+          </a:prstGeom>
+          <a:ln>
+            <a:solidFill>
+              <a:srgbClr val="000000"/>
+            </a:solidFill>
+          </a:ln>
+        </p:spPr>
+        <p:style>
+          <a:lnRef idx="0"/>
+          <a:fillRef idx="0"/>
+          <a:effectRef idx="0"/>
+          <a:fontRef idx="minor"/>
+        </p:style>
+      </p:sp>
+      <p:sp>
+        <p:nvSpPr>
+          <p:cNvPr id="134" name="CustomShape 19"/>
+          <p:cNvSpPr/>
+          <p:nvPr/>
+        </p:nvSpPr>
+        <p:spPr>
+          <a:xfrm>
+            <a:off x="5442840" y="2039400"/>
+            <a:ext cx="1814040" cy="529200"/>
+          </a:xfrm>
+          <a:prstGeom prst="rect">
+            <a:avLst/>
+          </a:prstGeom>
+          <a:noFill/>
+          <a:ln>
+            <a:noFill/>
+          </a:ln>
+        </p:spPr>
+        <p:style>
+          <a:lnRef idx="0"/>
+          <a:fillRef idx="0"/>
+          <a:effectRef idx="0"/>
+          <a:fontRef idx="minor"/>
+        </p:style>
+        <p:txBody>
+          <a:bodyPr lIns="0" rIns="0" tIns="0" bIns="0"/>
+          <a:p>
+            <a:pPr marL="432000" indent="-323280">
+              <a:lnSpc>
+                <a:spcPct val="100000"/>
+              </a:lnSpc>
+              <a:spcAft>
+                <a:spcPts val="1414"/>
+              </a:spcAft>
+              <a:buClr>
+                <a:srgbClr val="ef2929"/>
+              </a:buClr>
+              <a:buSzPct val="45000"/>
+              <a:buFont typeface="Wingdings" charset="2"/>
+              <a:buChar char=""/>
+            </a:pPr>
+            <a:r>
+              <a:rPr b="0" lang="ru-RU" sz="1800" spc="-1" strike="noStrike">
+                <a:solidFill>
+                  <a:srgbClr val="333333"/>
+                </a:solidFill>
+                <a:latin typeface="Noto Sans Regular"/>
+                <a:ea typeface="DejaVu Sans"/>
+              </a:rPr>
+              <a:t>Финансы</a:t>
+            </a:r>
+            <a:endParaRPr b="0" lang="ru-RU" sz="1800" spc="-1" strike="noStrike">
+              <a:latin typeface="Arial"/>
+            </a:endParaRPr>
+          </a:p>
+        </p:txBody>
+      </p:sp>
+      <p:sp>
+        <p:nvSpPr>
+          <p:cNvPr id="135" name="Line 20"/>
+          <p:cNvSpPr/>
+          <p:nvPr/>
+        </p:nvSpPr>
+        <p:spPr>
+          <a:xfrm>
+            <a:off x="2244600" y="6579360"/>
+            <a:ext cx="59400" cy="260640"/>
+          </a:xfrm>
+          <a:prstGeom prst="line">
+            <a:avLst/>
+          </a:prstGeom>
+          <a:ln>
+            <a:solidFill>
+              <a:srgbClr val="000000"/>
+            </a:solidFill>
+          </a:ln>
+        </p:spPr>
+        <p:style>
+          <a:lnRef idx="0"/>
+          <a:fillRef idx="0"/>
+          <a:effectRef idx="0"/>
+          <a:fontRef idx="minor"/>
+        </p:style>
+      </p:sp>
+      <p:sp>
+        <p:nvSpPr>
+          <p:cNvPr id="136" name="CustomShape 21"/>
+          <p:cNvSpPr/>
+          <p:nvPr/>
+        </p:nvSpPr>
+        <p:spPr>
+          <a:xfrm>
+            <a:off x="1800000" y="6912000"/>
+            <a:ext cx="2303640" cy="529200"/>
+          </a:xfrm>
+          <a:prstGeom prst="rect">
+            <a:avLst/>
+          </a:prstGeom>
+          <a:noFill/>
+          <a:ln>
+            <a:noFill/>
+          </a:ln>
+        </p:spPr>
+        <p:style>
+          <a:lnRef idx="0"/>
+          <a:fillRef idx="0"/>
+          <a:effectRef idx="0"/>
+          <a:fontRef idx="minor"/>
+        </p:style>
+        <p:txBody>
+          <a:bodyPr lIns="0" rIns="0" tIns="0" bIns="0"/>
+          <a:p>
+            <a:pPr marL="432000" indent="-323280">
+              <a:lnSpc>
+                <a:spcPct val="100000"/>
+              </a:lnSpc>
+              <a:spcAft>
+                <a:spcPts val="1414"/>
+              </a:spcAft>
+              <a:buClr>
+                <a:srgbClr val="ef2929"/>
+              </a:buClr>
+              <a:buSzPct val="45000"/>
+              <a:buFont typeface="Wingdings" charset="2"/>
+              <a:buChar char=""/>
+            </a:pPr>
+            <a:r>
+              <a:rPr b="0" lang="ru-RU" sz="1800" spc="-1" strike="noStrike">
+                <a:solidFill>
+                  <a:srgbClr val="333333"/>
+                </a:solidFill>
+                <a:latin typeface="Noto Sans Regular"/>
+                <a:ea typeface="DejaVu Sans"/>
+              </a:rPr>
+              <a:t>69-я параллель</a:t>
+            </a:r>
+            <a:endParaRPr b="0" lang="ru-RU" sz="1800" spc="-1" strike="noStrike">
+              <a:latin typeface="Arial"/>
+            </a:endParaRPr>
+          </a:p>
+        </p:txBody>
+      </p:sp>
+      <p:sp>
+        <p:nvSpPr>
+          <p:cNvPr id="137" name="Line 22"/>
+          <p:cNvSpPr/>
+          <p:nvPr/>
+        </p:nvSpPr>
+        <p:spPr>
+          <a:xfrm flipH="1">
+            <a:off x="2244240" y="2808000"/>
+            <a:ext cx="563760" cy="1512000"/>
+          </a:xfrm>
+          <a:prstGeom prst="line">
+            <a:avLst/>
+          </a:prstGeom>
+          <a:ln>
+            <a:solidFill>
+              <a:srgbClr val="000000"/>
+            </a:solidFill>
+          </a:ln>
+        </p:spPr>
+        <p:style>
+          <a:lnRef idx="0"/>
+          <a:fillRef idx="0"/>
+          <a:effectRef idx="0"/>
+          <a:fontRef idx="minor"/>
+        </p:style>
+      </p:sp>
+      <p:sp>
+        <p:nvSpPr>
+          <p:cNvPr id="138" name="CustomShape 23"/>
+          <p:cNvSpPr/>
+          <p:nvPr/>
+        </p:nvSpPr>
+        <p:spPr>
+          <a:xfrm>
+            <a:off x="2433600" y="2520000"/>
+            <a:ext cx="2534040" cy="529200"/>
+          </a:xfrm>
+          <a:prstGeom prst="rect">
+            <a:avLst/>
+          </a:prstGeom>
+          <a:noFill/>
+          <a:ln>
+            <a:noFill/>
+          </a:ln>
+        </p:spPr>
+        <p:style>
+          <a:lnRef idx="0"/>
+          <a:fillRef idx="0"/>
+          <a:effectRef idx="0"/>
+          <a:fontRef idx="minor"/>
+        </p:style>
+        <p:txBody>
+          <a:bodyPr lIns="0" rIns="0" tIns="0" bIns="0"/>
+          <a:p>
+            <a:pPr marL="432000" indent="-323280">
+              <a:lnSpc>
+                <a:spcPct val="100000"/>
+              </a:lnSpc>
+              <a:spcAft>
+                <a:spcPts val="1414"/>
+              </a:spcAft>
+              <a:buClr>
+                <a:srgbClr val="ef2929"/>
+              </a:buClr>
+              <a:buSzPct val="45000"/>
+              <a:buFont typeface="Wingdings" charset="2"/>
+              <a:buChar char=""/>
+            </a:pPr>
+            <a:r>
+              <a:rPr b="0" lang="ru-RU" sz="1800" spc="-1" strike="noStrike">
+                <a:solidFill>
+                  <a:srgbClr val="333333"/>
+                </a:solidFill>
+                <a:latin typeface="Noto Sans Regular"/>
+                <a:ea typeface="DejaVu Sans"/>
+              </a:rPr>
+              <a:t>Интернет и СМИ</a:t>
+            </a:r>
+            <a:br/>
+            <a:r>
+              <a:rPr b="0" lang="ru-RU" sz="1800" spc="-1" strike="noStrike">
+                <a:solidFill>
+                  <a:srgbClr val="333333"/>
+                </a:solidFill>
+                <a:latin typeface="Noto Sans Regular"/>
+                <a:ea typeface="DejaVu Sans"/>
+              </a:rPr>
+              <a:t>Пресс-релизы</a:t>
+            </a:r>
+            <a:endParaRPr b="0" lang="ru-RU" sz="1800" spc="-1" strike="noStrike">
+              <a:latin typeface="Arial"/>
+            </a:endParaRPr>
+          </a:p>
+        </p:txBody>
+      </p:sp>
+      <p:sp>
+        <p:nvSpPr>
+          <p:cNvPr id="139" name="Line 24"/>
+          <p:cNvSpPr/>
+          <p:nvPr/>
+        </p:nvSpPr>
+        <p:spPr>
+          <a:xfrm>
+            <a:off x="2244960" y="6318720"/>
+            <a:ext cx="491040" cy="188640"/>
+          </a:xfrm>
+          <a:prstGeom prst="line">
+            <a:avLst/>
+          </a:prstGeom>
+          <a:ln>
+            <a:solidFill>
+              <a:srgbClr val="000000"/>
+            </a:solidFill>
+          </a:ln>
+        </p:spPr>
+        <p:style>
+          <a:lnRef idx="0"/>
+          <a:fillRef idx="0"/>
+          <a:effectRef idx="0"/>
+          <a:fontRef idx="minor"/>
+        </p:style>
+      </p:sp>
+      <p:sp>
+        <p:nvSpPr>
+          <p:cNvPr id="140" name="CustomShape 25"/>
+          <p:cNvSpPr/>
+          <p:nvPr/>
+        </p:nvSpPr>
+        <p:spPr>
+          <a:xfrm>
+            <a:off x="2376000" y="6432120"/>
+            <a:ext cx="1814040" cy="529200"/>
+          </a:xfrm>
+          <a:prstGeom prst="rect">
+            <a:avLst/>
+          </a:prstGeom>
+          <a:noFill/>
+          <a:ln>
+            <a:noFill/>
+          </a:ln>
+        </p:spPr>
+        <p:style>
+          <a:lnRef idx="0"/>
+          <a:fillRef idx="0"/>
+          <a:effectRef idx="0"/>
+          <a:fontRef idx="minor"/>
+        </p:style>
+        <p:txBody>
+          <a:bodyPr lIns="0" rIns="0" tIns="0" bIns="0"/>
+          <a:p>
+            <a:pPr marL="432000" indent="-323280">
+              <a:lnSpc>
+                <a:spcPct val="100000"/>
+              </a:lnSpc>
+              <a:spcAft>
+                <a:spcPts val="1414"/>
+              </a:spcAft>
+              <a:buClr>
+                <a:srgbClr val="ef2929"/>
+              </a:buClr>
+              <a:buSzPct val="45000"/>
+              <a:buFont typeface="Wingdings" charset="2"/>
+              <a:buChar char=""/>
+            </a:pPr>
+            <a:r>
+              <a:rPr b="0" lang="ru-RU" sz="1800" spc="-1" strike="noStrike">
+                <a:solidFill>
+                  <a:srgbClr val="333333"/>
+                </a:solidFill>
+                <a:latin typeface="Noto Sans Regular"/>
+                <a:ea typeface="DejaVu Sans"/>
+              </a:rPr>
+              <a:t>Турклуб</a:t>
+            </a:r>
+            <a:endParaRPr b="0" lang="ru-RU" sz="1800" spc="-1" strike="noStrike">
+              <a:latin typeface="Arial"/>
+            </a:endParaRPr>
+          </a:p>
+        </p:txBody>
+      </p:sp>
     </p:spTree>
   </p:cSld>
   <p:timing>
@@ -3967,14 +4689,14 @@
       </p:grpSpPr>
       <p:sp>
         <p:nvSpPr>
-          <p:cNvPr id="124" name="TextShape 1"/>
-          <p:cNvSpPr txBox="1"/>
+          <p:cNvPr id="141" name="CustomShape 1"/>
+          <p:cNvSpPr/>
           <p:nvPr/>
         </p:nvSpPr>
         <p:spPr>
           <a:xfrm>
             <a:off x="720000" y="300960"/>
-            <a:ext cx="8855640" cy="1262520"/>
+            <a:ext cx="8854920" cy="1261800"/>
           </a:xfrm>
           <a:prstGeom prst="rect">
             <a:avLst/>
@@ -3984,37 +4706,46 @@
             <a:noFill/>
           </a:ln>
         </p:spPr>
+        <p:style>
+          <a:lnRef idx="0"/>
+          <a:fillRef idx="0"/>
+          <a:effectRef idx="0"/>
+          <a:fontRef idx="minor"/>
+        </p:style>
         <p:txBody>
           <a:bodyPr lIns="0" rIns="0" tIns="0" bIns="0" anchor="ctr"/>
           <a:p>
+            <a:pPr>
+              <a:lnSpc>
+                <a:spcPct val="100000"/>
+              </a:lnSpc>
+            </a:pPr>
             <a:r>
               <a:rPr b="1" lang="ru-RU" sz="4400" spc="-1" strike="noStrike">
                 <a:solidFill>
                   <a:srgbClr val="333333"/>
                 </a:solidFill>
                 <a:latin typeface="Noto Sans Regular"/>
-              </a:rPr>
-              <a:t>Вывод</a:t>
-            </a:r>
-            <a:endParaRPr b="1" lang="ru-RU" sz="4400" spc="-1" strike="noStrike">
-              <a:solidFill>
-                <a:srgbClr val="333333"/>
-              </a:solidFill>
-              <a:latin typeface="Noto Sans Regular"/>
-            </a:endParaRPr>
-          </a:p>
-        </p:txBody>
-      </p:sp>
-      <p:sp>
-        <p:nvSpPr>
-          <p:cNvPr id="125" name="TextShape 2"/>
-          <p:cNvSpPr txBox="1"/>
+                <a:ea typeface="DejaVu Sans"/>
+              </a:rPr>
+              <a:t>Результаты</a:t>
+            </a:r>
+            <a:endParaRPr b="0" lang="ru-RU" sz="4400" spc="-1" strike="noStrike">
+              <a:latin typeface="Arial"/>
+            </a:endParaRPr>
+          </a:p>
+        </p:txBody>
+      </p:sp>
+      <p:sp>
+        <p:nvSpPr>
+          <p:cNvPr id="142" name="CustomShape 2"/>
+          <p:cNvSpPr/>
           <p:nvPr/>
         </p:nvSpPr>
         <p:spPr>
           <a:xfrm>
-            <a:off x="720000" y="2160000"/>
-            <a:ext cx="8640000" cy="4384800"/>
+            <a:off x="648000" y="1728000"/>
+            <a:ext cx="8639280" cy="2159280"/>
           </a:xfrm>
           <a:prstGeom prst="rect">
             <a:avLst/>
@@ -4024,10 +4755,19 @@
             <a:noFill/>
           </a:ln>
         </p:spPr>
+        <p:style>
+          <a:lnRef idx="0"/>
+          <a:fillRef idx="0"/>
+          <a:effectRef idx="0"/>
+          <a:fontRef idx="minor"/>
+        </p:style>
         <p:txBody>
           <a:bodyPr lIns="0" rIns="0" tIns="0" bIns="0"/>
           <a:p>
-            <a:pPr marL="432000" indent="-324000">
+            <a:pPr marL="432000" indent="-323280">
+              <a:lnSpc>
+                <a:spcPct val="100000"/>
+              </a:lnSpc>
               <a:spcAft>
                 <a:spcPts val="1414"/>
               </a:spcAft>
@@ -4039,135 +4779,44 @@
               <a:buChar char=""/>
             </a:pPr>
             <a:r>
-              <a:rPr b="0" lang="ru-RU" sz="2400" spc="-1" strike="noStrike">
+              <a:rPr b="0" lang="ru-RU" sz="2800" spc="-1" strike="noStrike">
                 <a:solidFill>
                   <a:srgbClr val="333333"/>
                 </a:solidFill>
                 <a:latin typeface="Noto Sans Regular"/>
-              </a:rPr>
-              <a:t>Задача проекта выполнена. В дальнейшем планируется улучшение и расширение функционала:</a:t>
-            </a:r>
-            <a:endParaRPr b="0" lang="ru-RU" sz="2400" spc="-1" strike="noStrike">
-              <a:solidFill>
-                <a:srgbClr val="333333"/>
-              </a:solidFill>
-              <a:latin typeface="Noto Sans Regular"/>
-            </a:endParaRPr>
-          </a:p>
-          <a:p>
-            <a:pPr lvl="1" marL="864000" indent="-324000">
-              <a:spcAft>
-                <a:spcPts val="1134"/>
-              </a:spcAft>
-              <a:buClr>
-                <a:srgbClr val="ef2929"/>
-              </a:buClr>
-              <a:buSzPct val="75000"/>
-              <a:buFont typeface="Symbol" charset="2"/>
-              <a:buChar char=""/>
-            </a:pPr>
-            <a:r>
-              <a:rPr b="0" lang="ru-RU" sz="2400" spc="-1" strike="noStrike">
-                <a:solidFill>
-                  <a:srgbClr val="333333"/>
-                </a:solidFill>
-                <a:latin typeface="Noto Sans Regular"/>
-              </a:rPr>
-              <a:t>Улучшенное определение категории новостей;</a:t>
-            </a:r>
-            <a:endParaRPr b="0" lang="ru-RU" sz="2400" spc="-1" strike="noStrike">
-              <a:solidFill>
-                <a:srgbClr val="333333"/>
-              </a:solidFill>
-              <a:latin typeface="Noto Sans Regular"/>
-            </a:endParaRPr>
-          </a:p>
-          <a:p>
-            <a:pPr lvl="1" marL="864000" indent="-324000">
-              <a:spcAft>
-                <a:spcPts val="1134"/>
-              </a:spcAft>
-              <a:buClr>
-                <a:srgbClr val="ef2929"/>
-              </a:buClr>
-              <a:buSzPct val="75000"/>
-              <a:buFont typeface="Symbol" charset="2"/>
-              <a:buChar char=""/>
-            </a:pPr>
-            <a:r>
-              <a:rPr b="0" lang="ru-RU" sz="2400" spc="-1" strike="noStrike">
-                <a:solidFill>
-                  <a:srgbClr val="333333"/>
-                </a:solidFill>
-                <a:latin typeface="Noto Sans Regular"/>
-              </a:rPr>
-              <a:t>Определение категории по заголовку новости;</a:t>
-            </a:r>
-            <a:endParaRPr b="0" lang="ru-RU" sz="2400" spc="-1" strike="noStrike">
-              <a:solidFill>
-                <a:srgbClr val="333333"/>
-              </a:solidFill>
-              <a:latin typeface="Noto Sans Regular"/>
-            </a:endParaRPr>
-          </a:p>
-          <a:p>
-            <a:pPr lvl="1" marL="864000" indent="-324000">
-              <a:spcAft>
-                <a:spcPts val="1134"/>
-              </a:spcAft>
-              <a:buClr>
-                <a:srgbClr val="ef2929"/>
-              </a:buClr>
-              <a:buSzPct val="75000"/>
-              <a:buFont typeface="Symbol" charset="2"/>
-              <a:buChar char=""/>
-            </a:pPr>
-            <a:r>
-              <a:rPr b="0" lang="ru-RU" sz="2400" spc="-1" strike="noStrike">
-                <a:solidFill>
-                  <a:srgbClr val="333333"/>
-                </a:solidFill>
-                <a:latin typeface="Noto Sans Regular"/>
-              </a:rPr>
-              <a:t>Выделение ключевого смысла из текста новости;</a:t>
-            </a:r>
-            <a:endParaRPr b="0" lang="ru-RU" sz="2400" spc="-1" strike="noStrike">
-              <a:solidFill>
-                <a:srgbClr val="333333"/>
-              </a:solidFill>
-              <a:latin typeface="Noto Sans Regular"/>
-            </a:endParaRPr>
-          </a:p>
-          <a:p>
-            <a:pPr lvl="1" marL="864000" indent="-324000">
-              <a:spcAft>
-                <a:spcPts val="1134"/>
-              </a:spcAft>
-              <a:buClr>
-                <a:srgbClr val="ef2929"/>
-              </a:buClr>
-              <a:buSzPct val="75000"/>
-              <a:buFont typeface="Symbol" charset="2"/>
-              <a:buChar char=""/>
-            </a:pPr>
-            <a:r>
-              <a:rPr b="0" lang="ru-RU" sz="2400" spc="-1" strike="noStrike">
-                <a:solidFill>
-                  <a:srgbClr val="333333"/>
-                </a:solidFill>
-                <a:latin typeface="Noto Sans Regular"/>
-              </a:rPr>
-              <a:t>Формирование новых витрин данных с результатами обработки текста по смыслу.</a:t>
-            </a:r>
-            <a:endParaRPr b="0" lang="ru-RU" sz="2400" spc="-1" strike="noStrike">
-              <a:solidFill>
-                <a:srgbClr val="333333"/>
-              </a:solidFill>
-              <a:latin typeface="Noto Sans Regular"/>
-            </a:endParaRPr>
-          </a:p>
-        </p:txBody>
-      </p:sp>
+                <a:ea typeface="DejaVu Sans"/>
+              </a:rPr>
+              <a:t>В ходе выполнения проекта разработано ПО, способное собирать информацию от RSS рассылок, самостоятельно определять категорию новости и формировать витрину данных.</a:t>
+            </a:r>
+            <a:endParaRPr b="0" lang="ru-RU" sz="2800" spc="-1" strike="noStrike">
+              <a:latin typeface="Arial"/>
+            </a:endParaRPr>
+          </a:p>
+        </p:txBody>
+      </p:sp>
+      <p:pic>
+        <p:nvPicPr>
+          <p:cNvPr id="143" name="" descr=""/>
+          <p:cNvPicPr/>
+          <p:nvPr/>
+        </p:nvPicPr>
+        <p:blipFill>
+          <a:blip r:embed="rId1"/>
+          <a:stretch/>
+        </p:blipFill>
+        <p:spPr>
+          <a:xfrm>
+            <a:off x="288000" y="4300560"/>
+            <a:ext cx="9646920" cy="1674720"/>
+          </a:xfrm>
+          <a:prstGeom prst="rect">
+            <a:avLst/>
+          </a:prstGeom>
+          <a:ln>
+            <a:noFill/>
+          </a:ln>
+        </p:spPr>
+      </p:pic>
     </p:spTree>
   </p:cSld>
   <p:timing>
@@ -4177,6 +4826,278 @@
           <p:childTnLst>
             <p:seq>
               <p:cTn id="22" dur="indefinite" nodeType="mainSeq"/>
+              <p:prevCondLst>
+                <p:cond delay="0" evt="onPrev">
+                  <p:tgtEl>
+                    <p:sldTgt/>
+                  </p:tgtEl>
+                </p:cond>
+              </p:prevCondLst>
+              <p:nextCondLst>
+                <p:cond delay="0" evt="onNext">
+                  <p:tgtEl>
+                    <p:sldTgt/>
+                  </p:tgtEl>
+                </p:cond>
+              </p:nextCondLst>
+            </p:seq>
+          </p:childTnLst>
+        </p:cTn>
+      </p:par>
+    </p:tnLst>
+  </p:timing>
+</p:sld>
+</file>
+
+<file path=ppt/slides/slide12.xml><?xml version="1.0" encoding="utf-8"?>
+<p:sld xmlns:a="http://schemas.openxmlformats.org/drawingml/2006/main" xmlns:p="http://schemas.openxmlformats.org/presentationml/2006/main" xmlns:r="http://schemas.openxmlformats.org/officeDocument/2006/relationships" xmlns:p14="http://schemas.microsoft.com/office/powerpoint/2010/main" xmlns:p15="http://schemas.microsoft.com/office/powerpoint/2012/main" xmlns:mc="http://schemas.openxmlformats.org/markup-compatibility/2006">
+  <p:cSld>
+    <p:spTree>
+      <p:nvGrpSpPr>
+        <p:cNvPr id="1" name=""/>
+        <p:cNvGrpSpPr/>
+        <p:nvPr/>
+      </p:nvGrpSpPr>
+      <p:grpSpPr>
+        <a:xfrm>
+          <a:off x="0" y="0"/>
+          <a:ext cx="0" cy="0"/>
+          <a:chOff x="0" y="0"/>
+          <a:chExt cx="0" cy="0"/>
+        </a:xfrm>
+      </p:grpSpPr>
+      <p:sp>
+        <p:nvSpPr>
+          <p:cNvPr id="144" name="CustomShape 1"/>
+          <p:cNvSpPr/>
+          <p:nvPr/>
+        </p:nvSpPr>
+        <p:spPr>
+          <a:xfrm>
+            <a:off x="720000" y="300960"/>
+            <a:ext cx="8854920" cy="1261800"/>
+          </a:xfrm>
+          <a:prstGeom prst="rect">
+            <a:avLst/>
+          </a:prstGeom>
+          <a:noFill/>
+          <a:ln>
+            <a:noFill/>
+          </a:ln>
+        </p:spPr>
+        <p:style>
+          <a:lnRef idx="0"/>
+          <a:fillRef idx="0"/>
+          <a:effectRef idx="0"/>
+          <a:fontRef idx="minor"/>
+        </p:style>
+        <p:txBody>
+          <a:bodyPr lIns="0" rIns="0" tIns="0" bIns="0" anchor="ctr"/>
+          <a:p>
+            <a:pPr>
+              <a:lnSpc>
+                <a:spcPct val="100000"/>
+              </a:lnSpc>
+            </a:pPr>
+            <a:r>
+              <a:rPr b="1" lang="ru-RU" sz="4400" spc="-1" strike="noStrike">
+                <a:solidFill>
+                  <a:srgbClr val="333333"/>
+                </a:solidFill>
+                <a:latin typeface="Noto Sans Regular"/>
+                <a:ea typeface="DejaVu Sans"/>
+              </a:rPr>
+              <a:t>Вывод</a:t>
+            </a:r>
+            <a:endParaRPr b="0" lang="ru-RU" sz="4400" spc="-1" strike="noStrike">
+              <a:latin typeface="Arial"/>
+            </a:endParaRPr>
+          </a:p>
+        </p:txBody>
+      </p:sp>
+      <p:sp>
+        <p:nvSpPr>
+          <p:cNvPr id="145" name="CustomShape 2"/>
+          <p:cNvSpPr/>
+          <p:nvPr/>
+        </p:nvSpPr>
+        <p:spPr>
+          <a:xfrm>
+            <a:off x="720000" y="2160000"/>
+            <a:ext cx="8639280" cy="4384080"/>
+          </a:xfrm>
+          <a:prstGeom prst="rect">
+            <a:avLst/>
+          </a:prstGeom>
+          <a:noFill/>
+          <a:ln>
+            <a:noFill/>
+          </a:ln>
+        </p:spPr>
+        <p:style>
+          <a:lnRef idx="0"/>
+          <a:fillRef idx="0"/>
+          <a:effectRef idx="0"/>
+          <a:fontRef idx="minor"/>
+        </p:style>
+        <p:txBody>
+          <a:bodyPr lIns="0" rIns="0" tIns="0" bIns="0"/>
+          <a:p>
+            <a:pPr marL="432000" indent="-323280">
+              <a:lnSpc>
+                <a:spcPct val="100000"/>
+              </a:lnSpc>
+              <a:spcAft>
+                <a:spcPts val="1414"/>
+              </a:spcAft>
+              <a:buClr>
+                <a:srgbClr val="ef2929"/>
+              </a:buClr>
+              <a:buSzPct val="45000"/>
+              <a:buFont typeface="Wingdings" charset="2"/>
+              <a:buChar char=""/>
+            </a:pPr>
+            <a:r>
+              <a:rPr b="0" lang="ru-RU" sz="2400" spc="-1" strike="noStrike">
+                <a:solidFill>
+                  <a:srgbClr val="333333"/>
+                </a:solidFill>
+                <a:latin typeface="Noto Sans Regular"/>
+                <a:ea typeface="DejaVu Sans"/>
+              </a:rPr>
+              <a:t>Задача проекта выполнена. В дальнейшем планируется улучшение и расширение функционала:</a:t>
+            </a:r>
+            <a:endParaRPr b="0" lang="ru-RU" sz="2400" spc="-1" strike="noStrike">
+              <a:latin typeface="Arial"/>
+            </a:endParaRPr>
+          </a:p>
+          <a:p>
+            <a:pPr lvl="1" marL="864000" indent="-323280">
+              <a:lnSpc>
+                <a:spcPct val="100000"/>
+              </a:lnSpc>
+              <a:spcAft>
+                <a:spcPts val="1134"/>
+              </a:spcAft>
+              <a:buClr>
+                <a:srgbClr val="ef2929"/>
+              </a:buClr>
+              <a:buSzPct val="75000"/>
+              <a:buFont typeface="Symbol"/>
+              <a:buChar char=""/>
+            </a:pPr>
+            <a:r>
+              <a:rPr b="0" lang="ru-RU" sz="2400" spc="-1" strike="noStrike">
+                <a:solidFill>
+                  <a:srgbClr val="333333"/>
+                </a:solidFill>
+                <a:latin typeface="Noto Sans Regular"/>
+                <a:ea typeface="DejaVu Sans"/>
+              </a:rPr>
+              <a:t>Улучшенное определение категории новостей;</a:t>
+            </a:r>
+            <a:endParaRPr b="0" lang="ru-RU" sz="2400" spc="-1" strike="noStrike">
+              <a:latin typeface="Arial"/>
+            </a:endParaRPr>
+          </a:p>
+          <a:p>
+            <a:pPr lvl="1" marL="864000" indent="-323280">
+              <a:lnSpc>
+                <a:spcPct val="100000"/>
+              </a:lnSpc>
+              <a:spcAft>
+                <a:spcPts val="1134"/>
+              </a:spcAft>
+              <a:buClr>
+                <a:srgbClr val="ef2929"/>
+              </a:buClr>
+              <a:buSzPct val="75000"/>
+              <a:buFont typeface="Symbol"/>
+              <a:buChar char=""/>
+            </a:pPr>
+            <a:r>
+              <a:rPr b="0" lang="ru-RU" sz="2400" spc="-1" strike="noStrike">
+                <a:solidFill>
+                  <a:srgbClr val="333333"/>
+                </a:solidFill>
+                <a:latin typeface="Noto Sans Regular"/>
+                <a:ea typeface="DejaVu Sans"/>
+              </a:rPr>
+              <a:t>Определение категории по заголовку новости;</a:t>
+            </a:r>
+            <a:endParaRPr b="0" lang="ru-RU" sz="2400" spc="-1" strike="noStrike">
+              <a:latin typeface="Arial"/>
+            </a:endParaRPr>
+          </a:p>
+          <a:p>
+            <a:pPr lvl="1" marL="864000" indent="-323280">
+              <a:lnSpc>
+                <a:spcPct val="100000"/>
+              </a:lnSpc>
+              <a:spcAft>
+                <a:spcPts val="1134"/>
+              </a:spcAft>
+              <a:buClr>
+                <a:srgbClr val="ef2929"/>
+              </a:buClr>
+              <a:buSzPct val="75000"/>
+              <a:buFont typeface="Symbol"/>
+              <a:buChar char=""/>
+            </a:pPr>
+            <a:r>
+              <a:rPr b="0" lang="ru-RU" sz="2400" spc="-1" strike="noStrike">
+                <a:solidFill>
+                  <a:srgbClr val="333333"/>
+                </a:solidFill>
+                <a:latin typeface="Noto Sans Regular"/>
+                <a:ea typeface="DejaVu Sans"/>
+              </a:rPr>
+              <a:t>Выделение ключевого смысла из текста новости;</a:t>
+            </a:r>
+            <a:endParaRPr b="0" lang="ru-RU" sz="2400" spc="-1" strike="noStrike">
+              <a:latin typeface="Arial"/>
+            </a:endParaRPr>
+          </a:p>
+          <a:p>
+            <a:pPr lvl="1" marL="864000" indent="-323280">
+              <a:lnSpc>
+                <a:spcPct val="100000"/>
+              </a:lnSpc>
+              <a:spcAft>
+                <a:spcPts val="1134"/>
+              </a:spcAft>
+              <a:buClr>
+                <a:srgbClr val="ef2929"/>
+              </a:buClr>
+              <a:buSzPct val="75000"/>
+              <a:buFont typeface="Symbol"/>
+              <a:buChar char=""/>
+            </a:pPr>
+            <a:r>
+              <a:rPr b="0" lang="ru-RU" sz="2400" spc="-1" strike="noStrike">
+                <a:solidFill>
+                  <a:srgbClr val="333333"/>
+                </a:solidFill>
+                <a:latin typeface="Noto Sans Regular"/>
+                <a:ea typeface="DejaVu Sans"/>
+              </a:rPr>
+              <a:t>Формирование новых витрин данных с результатами обработки текста по смыслу.</a:t>
+            </a:r>
+            <a:endParaRPr b="0" lang="ru-RU" sz="2400" spc="-1" strike="noStrike">
+              <a:latin typeface="Arial"/>
+            </a:endParaRPr>
+          </a:p>
+        </p:txBody>
+      </p:sp>
+    </p:spTree>
+  </p:cSld>
+  <p:timing>
+    <p:tnLst>
+      <p:par>
+        <p:cTn id="23" dur="indefinite" restart="never" nodeType="tmRoot">
+          <p:childTnLst>
+            <p:seq>
+              <p:cTn id="24" dur="indefinite" nodeType="mainSeq"/>
               <p:prevCondLst>
                 <p:cond delay="0" evt="onPrev">
                   <p:tgtEl>
@@ -4219,14 +5140,14 @@
       </p:grpSpPr>
       <p:sp>
         <p:nvSpPr>
-          <p:cNvPr id="86" name="TextShape 1"/>
-          <p:cNvSpPr txBox="1"/>
+          <p:cNvPr id="80" name="CustomShape 1"/>
+          <p:cNvSpPr/>
           <p:nvPr/>
         </p:nvSpPr>
         <p:spPr>
           <a:xfrm>
             <a:off x="720000" y="300960"/>
-            <a:ext cx="8855640" cy="1262520"/>
+            <a:ext cx="8854920" cy="1261800"/>
           </a:xfrm>
           <a:prstGeom prst="rect">
             <a:avLst/>
@@ -4236,37 +5157,46 @@
             <a:noFill/>
           </a:ln>
         </p:spPr>
+        <p:style>
+          <a:lnRef idx="0"/>
+          <a:fillRef idx="0"/>
+          <a:effectRef idx="0"/>
+          <a:fontRef idx="minor"/>
+        </p:style>
         <p:txBody>
           <a:bodyPr lIns="0" rIns="0" tIns="0" bIns="0" anchor="ctr"/>
           <a:p>
+            <a:pPr>
+              <a:lnSpc>
+                <a:spcPct val="100000"/>
+              </a:lnSpc>
+            </a:pPr>
             <a:r>
               <a:rPr b="1" lang="ru-RU" sz="4400" spc="-1" strike="noStrike">
                 <a:solidFill>
                   <a:srgbClr val="333333"/>
                 </a:solidFill>
                 <a:latin typeface="Noto Sans Regular"/>
+                <a:ea typeface="DejaVu Sans"/>
               </a:rPr>
               <a:t>Описание проекта</a:t>
             </a:r>
-            <a:endParaRPr b="1" lang="ru-RU" sz="4400" spc="-1" strike="noStrike">
-              <a:solidFill>
-                <a:srgbClr val="333333"/>
-              </a:solidFill>
-              <a:latin typeface="Noto Sans Regular"/>
-            </a:endParaRPr>
-          </a:p>
-        </p:txBody>
-      </p:sp>
-      <p:sp>
-        <p:nvSpPr>
-          <p:cNvPr id="87" name="TextShape 2"/>
-          <p:cNvSpPr txBox="1"/>
+            <a:endParaRPr b="0" lang="ru-RU" sz="4400" spc="-1" strike="noStrike">
+              <a:latin typeface="Arial"/>
+            </a:endParaRPr>
+          </a:p>
+        </p:txBody>
+      </p:sp>
+      <p:sp>
+        <p:nvSpPr>
+          <p:cNvPr id="81" name="CustomShape 2"/>
+          <p:cNvSpPr/>
           <p:nvPr/>
         </p:nvSpPr>
         <p:spPr>
           <a:xfrm>
             <a:off x="576000" y="1800000"/>
-            <a:ext cx="9144000" cy="4384800"/>
+            <a:ext cx="9143280" cy="4384080"/>
           </a:xfrm>
           <a:prstGeom prst="rect">
             <a:avLst/>
@@ -4276,10 +5206,19 @@
             <a:noFill/>
           </a:ln>
         </p:spPr>
+        <p:style>
+          <a:lnRef idx="0"/>
+          <a:fillRef idx="0"/>
+          <a:effectRef idx="0"/>
+          <a:fontRef idx="minor"/>
+        </p:style>
         <p:txBody>
           <a:bodyPr lIns="0" rIns="0" tIns="0" bIns="0"/>
           <a:p>
-            <a:pPr marL="432000" indent="-324000">
+            <a:pPr marL="432000" indent="-323280">
+              <a:lnSpc>
+                <a:spcPct val="100000"/>
+              </a:lnSpc>
               <a:spcAft>
                 <a:spcPts val="1414"/>
               </a:spcAft>
@@ -4296,27 +5235,19 @@
                   <a:srgbClr val="333333"/>
                 </a:solidFill>
                 <a:latin typeface="Noto Sans Regular"/>
-              </a:rPr>
-              <a:t>Тема: </a:t>
-            </a:r>
-            <a:r>
-              <a:rPr b="0" lang="ru-RU" sz="2200" spc="-1" strike="noStrike">
-                <a:solidFill>
-                  <a:srgbClr val="333333"/>
-                </a:solidFill>
-                <a:latin typeface="Noto Sans Regular"/>
-              </a:rPr>
-              <a:t>Анализ публикуемых новостей</a:t>
+                <a:ea typeface="DejaVu Sans"/>
+              </a:rPr>
+              <a:t>Тема: Анализ публикуемых новостей</a:t>
             </a:r>
             <a:endParaRPr b="0" lang="ru-RU" sz="2200" spc="-1" strike="noStrike">
-              <a:solidFill>
-                <a:srgbClr val="333333"/>
-              </a:solidFill>
-              <a:latin typeface="Noto Sans Regular"/>
-            </a:endParaRPr>
-          </a:p>
-          <a:p>
-            <a:pPr marL="432000" indent="-324000">
+              <a:latin typeface="Arial"/>
+            </a:endParaRPr>
+          </a:p>
+          <a:p>
+            <a:pPr marL="432000" indent="-323280">
+              <a:lnSpc>
+                <a:spcPct val="100000"/>
+              </a:lnSpc>
               <a:spcAft>
                 <a:spcPts val="1414"/>
               </a:spcAft>
@@ -4333,18 +5264,19 @@
                   <a:srgbClr val="333333"/>
                 </a:solidFill>
                 <a:latin typeface="Noto Sans Regular"/>
+                <a:ea typeface="DejaVu Sans"/>
               </a:rPr>
               <a:t>Общая задача: создать ETL-процесс формирования витрины данных для анализа публикаций новостей.</a:t>
             </a:r>
             <a:endParaRPr b="0" lang="ru-RU" sz="2200" spc="-1" strike="noStrike">
-              <a:solidFill>
-                <a:srgbClr val="333333"/>
-              </a:solidFill>
-              <a:latin typeface="Noto Sans Regular"/>
-            </a:endParaRPr>
-          </a:p>
-          <a:p>
-            <a:pPr marL="432000" indent="-324000">
+              <a:latin typeface="Arial"/>
+            </a:endParaRPr>
+          </a:p>
+          <a:p>
+            <a:pPr marL="432000" indent="-323280">
+              <a:lnSpc>
+                <a:spcPct val="100000"/>
+              </a:lnSpc>
               <a:spcAft>
                 <a:spcPts val="1414"/>
               </a:spcAft>
@@ -4361,18 +5293,19 @@
                   <a:srgbClr val="333333"/>
                 </a:solidFill>
                 <a:latin typeface="Noto Sans Regular"/>
+                <a:ea typeface="DejaVu Sans"/>
               </a:rPr>
               <a:t>Описание задачи: </a:t>
             </a:r>
             <a:endParaRPr b="0" lang="ru-RU" sz="2200" spc="-1" strike="noStrike">
-              <a:solidFill>
-                <a:srgbClr val="333333"/>
-              </a:solidFill>
-              <a:latin typeface="Noto Sans Regular"/>
-            </a:endParaRPr>
-          </a:p>
-          <a:p>
-            <a:pPr lvl="1" marL="864000" indent="-324000">
+              <a:latin typeface="Arial"/>
+            </a:endParaRPr>
+          </a:p>
+          <a:p>
+            <a:pPr lvl="1" marL="864000" indent="-323280">
+              <a:lnSpc>
+                <a:spcPct val="100000"/>
+              </a:lnSpc>
               <a:spcAft>
                 <a:spcPts val="1134"/>
               </a:spcAft>
@@ -4380,7 +5313,7 @@
                 <a:srgbClr val="ef2929"/>
               </a:buClr>
               <a:buSzPct val="75000"/>
-              <a:buFont typeface="Symbol" charset="2"/>
+              <a:buFont typeface="Symbol"/>
               <a:buChar char=""/>
             </a:pPr>
             <a:r>
@@ -4389,18 +5322,19 @@
                   <a:srgbClr val="333333"/>
                 </a:solidFill>
                 <a:latin typeface="Noto Sans Regular"/>
+                <a:ea typeface="DejaVu Sans"/>
               </a:rPr>
               <a:t>Разработать скрипты загрузки данных в 2-х режимах:</a:t>
             </a:r>
             <a:endParaRPr b="0" lang="ru-RU" sz="2200" spc="-1" strike="noStrike">
-              <a:solidFill>
-                <a:srgbClr val="333333"/>
-              </a:solidFill>
-              <a:latin typeface="Noto Sans Regular"/>
-            </a:endParaRPr>
-          </a:p>
-          <a:p>
-            <a:pPr lvl="2" marL="1296000" indent="-288000">
+              <a:latin typeface="Arial"/>
+            </a:endParaRPr>
+          </a:p>
+          <a:p>
+            <a:pPr lvl="2" marL="1296000" indent="-287280">
+              <a:lnSpc>
+                <a:spcPct val="100000"/>
+              </a:lnSpc>
               <a:spcAft>
                 <a:spcPts val="845"/>
               </a:spcAft>
@@ -4417,18 +5351,19 @@
                   <a:srgbClr val="333333"/>
                 </a:solidFill>
                 <a:latin typeface="Noto Sans Regular"/>
+                <a:ea typeface="DejaVu Sans"/>
               </a:rPr>
               <a:t>Инициализирующий – загрузка полного слепка данных источника</a:t>
             </a:r>
             <a:endParaRPr b="0" lang="ru-RU" sz="2200" spc="-1" strike="noStrike">
-              <a:solidFill>
-                <a:srgbClr val="333333"/>
-              </a:solidFill>
-              <a:latin typeface="Noto Sans Regular"/>
-            </a:endParaRPr>
-          </a:p>
-          <a:p>
-            <a:pPr lvl="2" marL="1296000" indent="-288000">
+              <a:latin typeface="Arial"/>
+            </a:endParaRPr>
+          </a:p>
+          <a:p>
+            <a:pPr lvl="2" marL="1296000" indent="-287280">
+              <a:lnSpc>
+                <a:spcPct val="100000"/>
+              </a:lnSpc>
               <a:spcAft>
                 <a:spcPts val="845"/>
               </a:spcAft>
@@ -4445,18 +5380,19 @@
                   <a:srgbClr val="333333"/>
                 </a:solidFill>
                 <a:latin typeface="Noto Sans Regular"/>
+                <a:ea typeface="DejaVu Sans"/>
               </a:rPr>
               <a:t>Инкрементальный – загрузка дельты данных за прошедшие сутки</a:t>
             </a:r>
             <a:endParaRPr b="0" lang="ru-RU" sz="2200" spc="-1" strike="noStrike">
-              <a:solidFill>
-                <a:srgbClr val="333333"/>
-              </a:solidFill>
-              <a:latin typeface="Noto Sans Regular"/>
-            </a:endParaRPr>
-          </a:p>
-          <a:p>
-            <a:pPr lvl="1" marL="864000" indent="-324000">
+              <a:latin typeface="Arial"/>
+            </a:endParaRPr>
+          </a:p>
+          <a:p>
+            <a:pPr lvl="1" marL="864000" indent="-323280">
+              <a:lnSpc>
+                <a:spcPct val="100000"/>
+              </a:lnSpc>
               <a:spcAft>
                 <a:spcPts val="1134"/>
               </a:spcAft>
@@ -4464,7 +5400,7 @@
                 <a:srgbClr val="ef2929"/>
               </a:buClr>
               <a:buSzPct val="75000"/>
-              <a:buFont typeface="Symbol" charset="2"/>
+              <a:buFont typeface="Symbol"/>
               <a:buChar char=""/>
             </a:pPr>
             <a:r>
@@ -4473,18 +5409,19 @@
                   <a:srgbClr val="333333"/>
                 </a:solidFill>
                 <a:latin typeface="Noto Sans Regular"/>
+                <a:ea typeface="DejaVu Sans"/>
               </a:rPr>
               <a:t>Организовать правильную структуру хранения данных</a:t>
             </a:r>
             <a:endParaRPr b="0" lang="ru-RU" sz="2200" spc="-1" strike="noStrike">
-              <a:solidFill>
-                <a:srgbClr val="333333"/>
-              </a:solidFill>
-              <a:latin typeface="Noto Sans Regular"/>
-            </a:endParaRPr>
-          </a:p>
-          <a:p>
-            <a:pPr lvl="2" marL="1296000" indent="-288000">
+              <a:latin typeface="Arial"/>
+            </a:endParaRPr>
+          </a:p>
+          <a:p>
+            <a:pPr lvl="2" marL="1296000" indent="-287280">
+              <a:lnSpc>
+                <a:spcPct val="100000"/>
+              </a:lnSpc>
               <a:spcAft>
                 <a:spcPts val="845"/>
               </a:spcAft>
@@ -4501,18 +5438,19 @@
                   <a:srgbClr val="333333"/>
                 </a:solidFill>
                 <a:latin typeface="Noto Sans Regular"/>
+                <a:ea typeface="DejaVu Sans"/>
               </a:rPr>
               <a:t>Сырой слой данных</a:t>
             </a:r>
             <a:endParaRPr b="0" lang="ru-RU" sz="2200" spc="-1" strike="noStrike">
-              <a:solidFill>
-                <a:srgbClr val="333333"/>
-              </a:solidFill>
-              <a:latin typeface="Noto Sans Regular"/>
-            </a:endParaRPr>
-          </a:p>
-          <a:p>
-            <a:pPr lvl="2" marL="1296000" indent="-288000">
+              <a:latin typeface="Arial"/>
+            </a:endParaRPr>
+          </a:p>
+          <a:p>
+            <a:pPr lvl="2" marL="1296000" indent="-287280">
+              <a:lnSpc>
+                <a:spcPct val="100000"/>
+              </a:lnSpc>
               <a:spcAft>
                 <a:spcPts val="845"/>
               </a:spcAft>
@@ -4529,18 +5467,19 @@
                   <a:srgbClr val="333333"/>
                 </a:solidFill>
                 <a:latin typeface="Noto Sans Regular"/>
+                <a:ea typeface="DejaVu Sans"/>
               </a:rPr>
               <a:t>Промежуточный слой</a:t>
             </a:r>
             <a:endParaRPr b="0" lang="ru-RU" sz="2200" spc="-1" strike="noStrike">
-              <a:solidFill>
-                <a:srgbClr val="333333"/>
-              </a:solidFill>
-              <a:latin typeface="Noto Sans Regular"/>
-            </a:endParaRPr>
-          </a:p>
-          <a:p>
-            <a:pPr lvl="2" marL="1296000" indent="-288000">
+              <a:latin typeface="Arial"/>
+            </a:endParaRPr>
+          </a:p>
+          <a:p>
+            <a:pPr lvl="2" marL="1296000" indent="-287280">
+              <a:lnSpc>
+                <a:spcPct val="100000"/>
+              </a:lnSpc>
               <a:spcAft>
                 <a:spcPts val="845"/>
               </a:spcAft>
@@ -4557,14 +5496,12 @@
                   <a:srgbClr val="333333"/>
                 </a:solidFill>
                 <a:latin typeface="Noto Sans Regular"/>
+                <a:ea typeface="DejaVu Sans"/>
               </a:rPr>
               <a:t>Слой витрин</a:t>
             </a:r>
             <a:endParaRPr b="0" lang="ru-RU" sz="2200" spc="-1" strike="noStrike">
-              <a:solidFill>
-                <a:srgbClr val="333333"/>
-              </a:solidFill>
-              <a:latin typeface="Noto Sans Regular"/>
+              <a:latin typeface="Arial"/>
             </a:endParaRPr>
           </a:p>
         </p:txBody>
@@ -4620,14 +5557,14 @@
       </p:grpSpPr>
       <p:sp>
         <p:nvSpPr>
-          <p:cNvPr id="88" name="TextShape 1"/>
-          <p:cNvSpPr txBox="1"/>
+          <p:cNvPr id="82" name="CustomShape 1"/>
+          <p:cNvSpPr/>
           <p:nvPr/>
         </p:nvSpPr>
         <p:spPr>
           <a:xfrm>
             <a:off x="720000" y="300960"/>
-            <a:ext cx="8855640" cy="1262520"/>
+            <a:ext cx="8854920" cy="1261800"/>
           </a:xfrm>
           <a:prstGeom prst="rect">
             <a:avLst/>
@@ -4637,37 +5574,46 @@
             <a:noFill/>
           </a:ln>
         </p:spPr>
+        <p:style>
+          <a:lnRef idx="0"/>
+          <a:fillRef idx="0"/>
+          <a:effectRef idx="0"/>
+          <a:fontRef idx="minor"/>
+        </p:style>
         <p:txBody>
           <a:bodyPr lIns="0" rIns="0" tIns="0" bIns="0" anchor="ctr"/>
           <a:p>
+            <a:pPr>
+              <a:lnSpc>
+                <a:spcPct val="100000"/>
+              </a:lnSpc>
+            </a:pPr>
             <a:r>
               <a:rPr b="1" lang="ru-RU" sz="4400" spc="-1" strike="noStrike">
                 <a:solidFill>
                   <a:srgbClr val="333333"/>
                 </a:solidFill>
                 <a:latin typeface="Noto Sans Regular"/>
+                <a:ea typeface="DejaVu Sans"/>
               </a:rPr>
               <a:t>Цель проекта</a:t>
             </a:r>
-            <a:endParaRPr b="1" lang="ru-RU" sz="4400" spc="-1" strike="noStrike">
-              <a:solidFill>
-                <a:srgbClr val="333333"/>
-              </a:solidFill>
-              <a:latin typeface="Noto Sans Regular"/>
-            </a:endParaRPr>
-          </a:p>
-        </p:txBody>
-      </p:sp>
-      <p:sp>
-        <p:nvSpPr>
-          <p:cNvPr id="89" name="TextShape 2"/>
-          <p:cNvSpPr txBox="1"/>
+            <a:endParaRPr b="0" lang="ru-RU" sz="4400" spc="-1" strike="noStrike">
+              <a:latin typeface="Arial"/>
+            </a:endParaRPr>
+          </a:p>
+        </p:txBody>
+      </p:sp>
+      <p:sp>
+        <p:nvSpPr>
+          <p:cNvPr id="83" name="CustomShape 2"/>
+          <p:cNvSpPr/>
           <p:nvPr/>
         </p:nvSpPr>
         <p:spPr>
           <a:xfrm>
             <a:off x="720000" y="2160000"/>
-            <a:ext cx="8640000" cy="4384800"/>
+            <a:ext cx="8639280" cy="4384080"/>
           </a:xfrm>
           <a:prstGeom prst="rect">
             <a:avLst/>
@@ -4677,10 +5623,19 @@
             <a:noFill/>
           </a:ln>
         </p:spPr>
+        <p:style>
+          <a:lnRef idx="0"/>
+          <a:fillRef idx="0"/>
+          <a:effectRef idx="0"/>
+          <a:fontRef idx="minor"/>
+        </p:style>
         <p:txBody>
           <a:bodyPr lIns="0" rIns="0" tIns="0" bIns="0"/>
           <a:p>
-            <a:pPr marL="432000" indent="-324000">
+            <a:pPr marL="432000" indent="-323280">
+              <a:lnSpc>
+                <a:spcPct val="100000"/>
+              </a:lnSpc>
               <a:spcAft>
                 <a:spcPts val="1414"/>
               </a:spcAft>
@@ -4697,48 +5652,19 @@
                   <a:srgbClr val="333333"/>
                 </a:solidFill>
                 <a:latin typeface="Noto Sans Regular"/>
-              </a:rPr>
-              <a:t>Проект предназначен для </a:t>
-            </a:r>
-            <a:r>
-              <a:rPr b="0" lang="ru-RU" sz="2400" spc="-1" strike="noStrike">
-                <a:solidFill>
-                  <a:srgbClr val="333333"/>
-                </a:solidFill>
-                <a:latin typeface="Noto Sans Regular"/>
-              </a:rPr>
-              <a:t>ежедневной агрегации и </a:t>
-            </a:r>
-            <a:r>
-              <a:rPr b="0" lang="ru-RU" sz="2400" spc="-1" strike="noStrike">
-                <a:solidFill>
-                  <a:srgbClr val="333333"/>
-                </a:solidFill>
-                <a:latin typeface="Noto Sans Regular"/>
-              </a:rPr>
-              <a:t>подсчета статистик </a:t>
-            </a:r>
-            <a:r>
-              <a:rPr b="0" lang="ru-RU" sz="2400" spc="-1" strike="noStrike">
-                <a:solidFill>
-                  <a:srgbClr val="333333"/>
-                </a:solidFill>
-                <a:latin typeface="Noto Sans Regular"/>
-              </a:rPr>
-              <a:t>новостей из RSS рассылок.</a:t>
+                <a:ea typeface="DejaVu Sans"/>
+              </a:rPr>
+              <a:t>Проект предназначен для ежедневной агрегации и подсчета статистик новостей из RSS рассылок.</a:t>
             </a:r>
             <a:endParaRPr b="0" lang="ru-RU" sz="2400" spc="-1" strike="noStrike">
-              <a:solidFill>
-                <a:srgbClr val="333333"/>
-              </a:solidFill>
-              <a:latin typeface="Noto Sans Regular"/>
+              <a:latin typeface="Arial"/>
             </a:endParaRPr>
           </a:p>
         </p:txBody>
       </p:sp>
       <p:pic>
         <p:nvPicPr>
-          <p:cNvPr id="90" name="" descr=""/>
+          <p:cNvPr id="84" name="" descr=""/>
           <p:cNvPicPr/>
           <p:nvPr/>
         </p:nvPicPr>
@@ -4749,7 +5675,7 @@
         <p:spPr>
           <a:xfrm>
             <a:off x="2520000" y="4737600"/>
-            <a:ext cx="4248000" cy="806400"/>
+            <a:ext cx="4247280" cy="805680"/>
           </a:xfrm>
           <a:prstGeom prst="rect">
             <a:avLst/>
@@ -4761,7 +5687,7 @@
       </p:pic>
       <p:pic>
         <p:nvPicPr>
-          <p:cNvPr id="91" name="" descr=""/>
+          <p:cNvPr id="85" name="" descr=""/>
           <p:cNvPicPr/>
           <p:nvPr/>
         </p:nvPicPr>
@@ -4772,7 +5698,7 @@
         <p:spPr>
           <a:xfrm>
             <a:off x="576000" y="4608000"/>
-            <a:ext cx="1512000" cy="1512000"/>
+            <a:ext cx="1511280" cy="1511280"/>
           </a:xfrm>
           <a:prstGeom prst="rect">
             <a:avLst/>
@@ -4784,7 +5710,7 @@
       </p:pic>
       <p:pic>
         <p:nvPicPr>
-          <p:cNvPr id="92" name="" descr=""/>
+          <p:cNvPr id="86" name="" descr=""/>
           <p:cNvPicPr/>
           <p:nvPr/>
         </p:nvPicPr>
@@ -4795,7 +5721,7 @@
         <p:spPr>
           <a:xfrm>
             <a:off x="7134840" y="4680000"/>
-            <a:ext cx="2153160" cy="1130400"/>
+            <a:ext cx="2152440" cy="1129680"/>
           </a:xfrm>
           <a:prstGeom prst="rect">
             <a:avLst/>
@@ -4807,7 +5733,7 @@
       </p:pic>
       <p:pic>
         <p:nvPicPr>
-          <p:cNvPr id="93" name="" descr=""/>
+          <p:cNvPr id="87" name="" descr=""/>
           <p:cNvPicPr/>
           <p:nvPr/>
         </p:nvPicPr>
@@ -4818,7 +5744,7 @@
         <p:spPr>
           <a:xfrm>
             <a:off x="4752000" y="3332160"/>
-            <a:ext cx="4755600" cy="1059840"/>
+            <a:ext cx="4754880" cy="1059120"/>
           </a:xfrm>
           <a:prstGeom prst="rect">
             <a:avLst/>
@@ -4830,7 +5756,7 @@
       </p:pic>
       <p:pic>
         <p:nvPicPr>
-          <p:cNvPr id="94" name="" descr=""/>
+          <p:cNvPr id="88" name="" descr=""/>
           <p:cNvPicPr/>
           <p:nvPr/>
         </p:nvPicPr>
@@ -4841,7 +5767,7 @@
         <p:spPr>
           <a:xfrm>
             <a:off x="360000" y="3172680"/>
-            <a:ext cx="3675600" cy="1147320"/>
+            <a:ext cx="3674880" cy="1146600"/>
           </a:xfrm>
           <a:prstGeom prst="rect">
             <a:avLst/>
@@ -4853,7 +5779,7 @@
       </p:pic>
       <p:pic>
         <p:nvPicPr>
-          <p:cNvPr id="95" name="" descr=""/>
+          <p:cNvPr id="89" name="" descr=""/>
           <p:cNvPicPr/>
           <p:nvPr/>
         </p:nvPicPr>
@@ -4864,7 +5790,7 @@
         <p:spPr>
           <a:xfrm>
             <a:off x="3528000" y="5728680"/>
-            <a:ext cx="2900520" cy="1039320"/>
+            <a:ext cx="2899800" cy="1038600"/>
           </a:xfrm>
           <a:prstGeom prst="rect">
             <a:avLst/>
@@ -4925,14 +5851,14 @@
       </p:grpSpPr>
       <p:sp>
         <p:nvSpPr>
-          <p:cNvPr id="96" name="TextShape 1"/>
-          <p:cNvSpPr txBox="1"/>
+          <p:cNvPr id="90" name="CustomShape 1"/>
+          <p:cNvSpPr/>
           <p:nvPr/>
         </p:nvSpPr>
         <p:spPr>
           <a:xfrm>
             <a:off x="720000" y="300960"/>
-            <a:ext cx="8855640" cy="1262520"/>
+            <a:ext cx="8854920" cy="1261800"/>
           </a:xfrm>
           <a:prstGeom prst="rect">
             <a:avLst/>
@@ -4942,37 +5868,46 @@
             <a:noFill/>
           </a:ln>
         </p:spPr>
+        <p:style>
+          <a:lnRef idx="0"/>
+          <a:fillRef idx="0"/>
+          <a:effectRef idx="0"/>
+          <a:fontRef idx="minor"/>
+        </p:style>
         <p:txBody>
           <a:bodyPr lIns="0" rIns="0" tIns="0" bIns="0" anchor="ctr"/>
           <a:p>
+            <a:pPr>
+              <a:lnSpc>
+                <a:spcPct val="100000"/>
+              </a:lnSpc>
+            </a:pPr>
             <a:r>
               <a:rPr b="1" lang="ru-RU" sz="4400" spc="-1" strike="noStrike">
                 <a:solidFill>
                   <a:srgbClr val="333333"/>
                 </a:solidFill>
                 <a:latin typeface="Noto Sans Regular"/>
+                <a:ea typeface="DejaVu Sans"/>
               </a:rPr>
               <a:t>План реализации</a:t>
             </a:r>
-            <a:endParaRPr b="1" lang="ru-RU" sz="4400" spc="-1" strike="noStrike">
-              <a:solidFill>
-                <a:srgbClr val="333333"/>
-              </a:solidFill>
-              <a:latin typeface="Noto Sans Regular"/>
-            </a:endParaRPr>
-          </a:p>
-        </p:txBody>
-      </p:sp>
-      <p:sp>
-        <p:nvSpPr>
-          <p:cNvPr id="97" name="TextShape 2"/>
-          <p:cNvSpPr txBox="1"/>
+            <a:endParaRPr b="0" lang="ru-RU" sz="4400" spc="-1" strike="noStrike">
+              <a:latin typeface="Arial"/>
+            </a:endParaRPr>
+          </a:p>
+        </p:txBody>
+      </p:sp>
+      <p:sp>
+        <p:nvSpPr>
+          <p:cNvPr id="91" name="CustomShape 2"/>
+          <p:cNvSpPr/>
           <p:nvPr/>
         </p:nvSpPr>
         <p:spPr>
           <a:xfrm>
             <a:off x="576000" y="1872000"/>
-            <a:ext cx="8784000" cy="5112000"/>
+            <a:ext cx="8783280" cy="5111280"/>
           </a:xfrm>
           <a:prstGeom prst="rect">
             <a:avLst/>
@@ -4982,10 +5917,19 @@
             <a:noFill/>
           </a:ln>
         </p:spPr>
+        <p:style>
+          <a:lnRef idx="0"/>
+          <a:fillRef idx="0"/>
+          <a:effectRef idx="0"/>
+          <a:fontRef idx="minor"/>
+        </p:style>
         <p:txBody>
           <a:bodyPr lIns="0" rIns="0" tIns="0" bIns="0"/>
           <a:p>
-            <a:pPr marL="432000" indent="-324000">
+            <a:pPr marL="432000" indent="-323280">
+              <a:lnSpc>
+                <a:spcPct val="100000"/>
+              </a:lnSpc>
               <a:spcAft>
                 <a:spcPts val="1414"/>
               </a:spcAft>
@@ -5002,18 +5946,19 @@
                   <a:srgbClr val="333333"/>
                 </a:solidFill>
                 <a:latin typeface="Noto Sans Regular"/>
+                <a:ea typeface="DejaVu Sans"/>
               </a:rPr>
               <a:t>Формирование требований к проекту;</a:t>
             </a:r>
             <a:endParaRPr b="0" lang="ru-RU" sz="2200" spc="-1" strike="noStrike">
-              <a:solidFill>
-                <a:srgbClr val="333333"/>
-              </a:solidFill>
-              <a:latin typeface="Noto Sans Regular"/>
-            </a:endParaRPr>
-          </a:p>
-          <a:p>
-            <a:pPr marL="432000" indent="-324000">
+              <a:latin typeface="Arial"/>
+            </a:endParaRPr>
+          </a:p>
+          <a:p>
+            <a:pPr marL="432000" indent="-323280">
+              <a:lnSpc>
+                <a:spcPct val="100000"/>
+              </a:lnSpc>
               <a:spcAft>
                 <a:spcPts val="1414"/>
               </a:spcAft>
@@ -5030,18 +5975,19 @@
                   <a:srgbClr val="333333"/>
                 </a:solidFill>
                 <a:latin typeface="Noto Sans Regular"/>
+                <a:ea typeface="DejaVu Sans"/>
               </a:rPr>
               <a:t>Формирование блок схемы (архитектуры) с ключевыми функциями системы;</a:t>
             </a:r>
             <a:endParaRPr b="0" lang="ru-RU" sz="2200" spc="-1" strike="noStrike">
-              <a:solidFill>
-                <a:srgbClr val="333333"/>
-              </a:solidFill>
-              <a:latin typeface="Noto Sans Regular"/>
-            </a:endParaRPr>
-          </a:p>
-          <a:p>
-            <a:pPr marL="432000" indent="-324000">
+              <a:latin typeface="Arial"/>
+            </a:endParaRPr>
+          </a:p>
+          <a:p>
+            <a:pPr marL="432000" indent="-323280">
+              <a:lnSpc>
+                <a:spcPct val="100000"/>
+              </a:lnSpc>
               <a:spcAft>
                 <a:spcPts val="1414"/>
               </a:spcAft>
@@ -5058,18 +6004,19 @@
                   <a:srgbClr val="333333"/>
                 </a:solidFill>
                 <a:latin typeface="Noto Sans Regular"/>
+                <a:ea typeface="DejaVu Sans"/>
               </a:rPr>
               <a:t>Разделение сформированных функций по слоям обработки данных;</a:t>
             </a:r>
             <a:endParaRPr b="0" lang="ru-RU" sz="2200" spc="-1" strike="noStrike">
-              <a:solidFill>
-                <a:srgbClr val="333333"/>
-              </a:solidFill>
-              <a:latin typeface="Noto Sans Regular"/>
-            </a:endParaRPr>
-          </a:p>
-          <a:p>
-            <a:pPr marL="432000" indent="-324000">
+              <a:latin typeface="Arial"/>
+            </a:endParaRPr>
+          </a:p>
+          <a:p>
+            <a:pPr marL="432000" indent="-323280">
+              <a:lnSpc>
+                <a:spcPct val="100000"/>
+              </a:lnSpc>
               <a:spcAft>
                 <a:spcPts val="1414"/>
               </a:spcAft>
@@ -5086,18 +6033,19 @@
                   <a:srgbClr val="333333"/>
                 </a:solidFill>
                 <a:latin typeface="Noto Sans Regular"/>
+                <a:ea typeface="DejaVu Sans"/>
               </a:rPr>
               <a:t>Подготовка схемы хранения данных в БД;</a:t>
             </a:r>
             <a:endParaRPr b="0" lang="ru-RU" sz="2200" spc="-1" strike="noStrike">
-              <a:solidFill>
-                <a:srgbClr val="333333"/>
-              </a:solidFill>
-              <a:latin typeface="Noto Sans Regular"/>
-            </a:endParaRPr>
-          </a:p>
-          <a:p>
-            <a:pPr marL="432000" indent="-324000">
+              <a:latin typeface="Arial"/>
+            </a:endParaRPr>
+          </a:p>
+          <a:p>
+            <a:pPr marL="432000" indent="-323280">
+              <a:lnSpc>
+                <a:spcPct val="100000"/>
+              </a:lnSpc>
               <a:spcAft>
                 <a:spcPts val="1414"/>
               </a:spcAft>
@@ -5114,18 +6062,19 @@
                   <a:srgbClr val="333333"/>
                 </a:solidFill>
                 <a:latin typeface="Noto Sans Regular"/>
+                <a:ea typeface="DejaVu Sans"/>
               </a:rPr>
               <a:t>Определение стека используемых технологий;</a:t>
             </a:r>
             <a:endParaRPr b="0" lang="ru-RU" sz="2200" spc="-1" strike="noStrike">
-              <a:solidFill>
-                <a:srgbClr val="333333"/>
-              </a:solidFill>
-              <a:latin typeface="Noto Sans Regular"/>
-            </a:endParaRPr>
-          </a:p>
-          <a:p>
-            <a:pPr marL="432000" indent="-324000">
+              <a:latin typeface="Arial"/>
+            </a:endParaRPr>
+          </a:p>
+          <a:p>
+            <a:pPr marL="432000" indent="-323280">
+              <a:lnSpc>
+                <a:spcPct val="100000"/>
+              </a:lnSpc>
               <a:spcAft>
                 <a:spcPts val="1414"/>
               </a:spcAft>
@@ -5142,18 +6091,19 @@
                   <a:srgbClr val="333333"/>
                 </a:solidFill>
                 <a:latin typeface="Noto Sans Regular"/>
+                <a:ea typeface="DejaVu Sans"/>
               </a:rPr>
               <a:t>Поэтапная разработка запланированных функций;</a:t>
             </a:r>
             <a:endParaRPr b="0" lang="ru-RU" sz="2200" spc="-1" strike="noStrike">
-              <a:solidFill>
-                <a:srgbClr val="333333"/>
-              </a:solidFill>
-              <a:latin typeface="Noto Sans Regular"/>
-            </a:endParaRPr>
-          </a:p>
-          <a:p>
-            <a:pPr marL="432000" indent="-324000">
+              <a:latin typeface="Arial"/>
+            </a:endParaRPr>
+          </a:p>
+          <a:p>
+            <a:pPr marL="432000" indent="-323280">
+              <a:lnSpc>
+                <a:spcPct val="100000"/>
+              </a:lnSpc>
               <a:spcAft>
                 <a:spcPts val="1414"/>
               </a:spcAft>
@@ -5170,18 +6120,19 @@
                   <a:srgbClr val="333333"/>
                 </a:solidFill>
                 <a:latin typeface="Noto Sans Regular"/>
+                <a:ea typeface="DejaVu Sans"/>
               </a:rPr>
               <a:t>Тестирование;</a:t>
             </a:r>
             <a:endParaRPr b="0" lang="ru-RU" sz="2200" spc="-1" strike="noStrike">
-              <a:solidFill>
-                <a:srgbClr val="333333"/>
-              </a:solidFill>
-              <a:latin typeface="Noto Sans Regular"/>
-            </a:endParaRPr>
-          </a:p>
-          <a:p>
-            <a:pPr marL="432000" indent="-324000">
+              <a:latin typeface="Arial"/>
+            </a:endParaRPr>
+          </a:p>
+          <a:p>
+            <a:pPr marL="432000" indent="-323280">
+              <a:lnSpc>
+                <a:spcPct val="100000"/>
+              </a:lnSpc>
               <a:spcAft>
                 <a:spcPts val="1414"/>
               </a:spcAft>
@@ -5198,14 +6149,12 @@
                   <a:srgbClr val="333333"/>
                 </a:solidFill>
                 <a:latin typeface="Noto Sans Regular"/>
+                <a:ea typeface="DejaVu Sans"/>
               </a:rPr>
               <a:t>Доработка.</a:t>
             </a:r>
             <a:endParaRPr b="0" lang="ru-RU" sz="2200" spc="-1" strike="noStrike">
-              <a:solidFill>
-                <a:srgbClr val="333333"/>
-              </a:solidFill>
-              <a:latin typeface="Noto Sans Regular"/>
+              <a:latin typeface="Arial"/>
             </a:endParaRPr>
           </a:p>
         </p:txBody>
@@ -5261,14 +6210,14 @@
       </p:grpSpPr>
       <p:sp>
         <p:nvSpPr>
-          <p:cNvPr id="98" name="TextShape 1"/>
-          <p:cNvSpPr txBox="1"/>
+          <p:cNvPr id="92" name="CustomShape 1"/>
+          <p:cNvSpPr/>
           <p:nvPr/>
         </p:nvSpPr>
         <p:spPr>
           <a:xfrm>
             <a:off x="720000" y="300960"/>
-            <a:ext cx="8855640" cy="1262520"/>
+            <a:ext cx="8854920" cy="1261800"/>
           </a:xfrm>
           <a:prstGeom prst="rect">
             <a:avLst/>
@@ -5278,37 +6227,46 @@
             <a:noFill/>
           </a:ln>
         </p:spPr>
+        <p:style>
+          <a:lnRef idx="0"/>
+          <a:fillRef idx="0"/>
+          <a:effectRef idx="0"/>
+          <a:fontRef idx="minor"/>
+        </p:style>
         <p:txBody>
           <a:bodyPr lIns="0" rIns="0" tIns="0" bIns="0" anchor="ctr"/>
           <a:p>
+            <a:pPr>
+              <a:lnSpc>
+                <a:spcPct val="100000"/>
+              </a:lnSpc>
+            </a:pPr>
             <a:r>
               <a:rPr b="1" lang="ru-RU" sz="4400" spc="-1" strike="noStrike">
                 <a:solidFill>
                   <a:srgbClr val="333333"/>
                 </a:solidFill>
                 <a:latin typeface="Noto Sans Regular"/>
+                <a:ea typeface="DejaVu Sans"/>
               </a:rPr>
               <a:t>Используемые технологии</a:t>
             </a:r>
-            <a:endParaRPr b="1" lang="ru-RU" sz="4400" spc="-1" strike="noStrike">
-              <a:solidFill>
-                <a:srgbClr val="333333"/>
-              </a:solidFill>
-              <a:latin typeface="Noto Sans Regular"/>
-            </a:endParaRPr>
-          </a:p>
-        </p:txBody>
-      </p:sp>
-      <p:sp>
-        <p:nvSpPr>
-          <p:cNvPr id="99" name="TextShape 2"/>
-          <p:cNvSpPr txBox="1"/>
+            <a:endParaRPr b="0" lang="ru-RU" sz="4400" spc="-1" strike="noStrike">
+              <a:latin typeface="Arial"/>
+            </a:endParaRPr>
+          </a:p>
+        </p:txBody>
+      </p:sp>
+      <p:sp>
+        <p:nvSpPr>
+          <p:cNvPr id="93" name="CustomShape 2"/>
+          <p:cNvSpPr/>
           <p:nvPr/>
         </p:nvSpPr>
         <p:spPr>
           <a:xfrm>
             <a:off x="432000" y="1800000"/>
-            <a:ext cx="6768000" cy="5256000"/>
+            <a:ext cx="6767280" cy="5255280"/>
           </a:xfrm>
           <a:prstGeom prst="rect">
             <a:avLst/>
@@ -5318,10 +6276,19 @@
             <a:noFill/>
           </a:ln>
         </p:spPr>
+        <p:style>
+          <a:lnRef idx="0"/>
+          <a:fillRef idx="0"/>
+          <a:effectRef idx="0"/>
+          <a:fontRef idx="minor"/>
+        </p:style>
         <p:txBody>
           <a:bodyPr lIns="0" rIns="0" tIns="0" bIns="0"/>
           <a:p>
-            <a:pPr marL="432000" indent="-324000">
+            <a:pPr marL="432000" indent="-323280">
+              <a:lnSpc>
+                <a:spcPct val="100000"/>
+              </a:lnSpc>
               <a:spcAft>
                 <a:spcPts val="1414"/>
               </a:spcAft>
@@ -5338,18 +6305,19 @@
                   <a:srgbClr val="333333"/>
                 </a:solidFill>
                 <a:latin typeface="Noto Sans Regular"/>
+                <a:ea typeface="DejaVu Sans"/>
               </a:rPr>
               <a:t>В проекте используются:</a:t>
             </a:r>
             <a:endParaRPr b="0" lang="ru-RU" sz="2200" spc="-1" strike="noStrike">
-              <a:solidFill>
-                <a:srgbClr val="333333"/>
-              </a:solidFill>
-              <a:latin typeface="Noto Sans Regular"/>
-            </a:endParaRPr>
-          </a:p>
-          <a:p>
-            <a:pPr lvl="1" marL="864000" indent="-324000">
+              <a:latin typeface="Arial"/>
+            </a:endParaRPr>
+          </a:p>
+          <a:p>
+            <a:pPr lvl="1" marL="864000" indent="-323280">
+              <a:lnSpc>
+                <a:spcPct val="100000"/>
+              </a:lnSpc>
               <a:spcAft>
                 <a:spcPts val="1134"/>
               </a:spcAft>
@@ -5357,7 +6325,7 @@
                 <a:srgbClr val="ef2929"/>
               </a:buClr>
               <a:buSzPct val="75000"/>
-              <a:buFont typeface="Symbol" charset="2"/>
+              <a:buFont typeface="Symbol"/>
               <a:buChar char=""/>
             </a:pPr>
             <a:r>
@@ -5366,18 +6334,19 @@
                   <a:srgbClr val="333333"/>
                 </a:solidFill>
                 <a:latin typeface="Noto Sans Regular"/>
+                <a:ea typeface="DejaVu Sans"/>
               </a:rPr>
               <a:t>Python;</a:t>
             </a:r>
             <a:endParaRPr b="0" lang="ru-RU" sz="2200" spc="-1" strike="noStrike">
-              <a:solidFill>
-                <a:srgbClr val="333333"/>
-              </a:solidFill>
-              <a:latin typeface="Noto Sans Regular"/>
-            </a:endParaRPr>
-          </a:p>
-          <a:p>
-            <a:pPr lvl="1" marL="864000" indent="-324000">
+              <a:latin typeface="Arial"/>
+            </a:endParaRPr>
+          </a:p>
+          <a:p>
+            <a:pPr lvl="1" marL="864000" indent="-323280">
+              <a:lnSpc>
+                <a:spcPct val="100000"/>
+              </a:lnSpc>
               <a:spcAft>
                 <a:spcPts val="1134"/>
               </a:spcAft>
@@ -5385,7 +6354,7 @@
                 <a:srgbClr val="ef2929"/>
               </a:buClr>
               <a:buSzPct val="75000"/>
-              <a:buFont typeface="Symbol" charset="2"/>
+              <a:buFont typeface="Symbol"/>
               <a:buChar char=""/>
             </a:pPr>
             <a:r>
@@ -5394,27 +6363,19 @@
                   <a:srgbClr val="333333"/>
                 </a:solidFill>
                 <a:latin typeface="Noto Sans Regular"/>
-              </a:rPr>
-              <a:t>Airflow (поддерживает python, удобный интерфейс, </a:t>
-            </a:r>
-            <a:r>
-              <a:rPr b="0" lang="ru-RU" sz="2200" spc="-1" strike="noStrike">
-                <a:solidFill>
-                  <a:srgbClr val="333333"/>
-                </a:solidFill>
-                <a:latin typeface="Noto Sans Regular"/>
-              </a:rPr>
-              <a:t>удобное отображение задач);</a:t>
+                <a:ea typeface="DejaVu Sans"/>
+              </a:rPr>
+              <a:t>Airflow (поддерживает python, удобный интерфейс, удобное отображение задач);</a:t>
             </a:r>
             <a:endParaRPr b="0" lang="ru-RU" sz="2200" spc="-1" strike="noStrike">
-              <a:solidFill>
-                <a:srgbClr val="333333"/>
-              </a:solidFill>
-              <a:latin typeface="Noto Sans Regular"/>
-            </a:endParaRPr>
-          </a:p>
-          <a:p>
-            <a:pPr lvl="1" marL="864000" indent="-324000">
+              <a:latin typeface="Arial"/>
+            </a:endParaRPr>
+          </a:p>
+          <a:p>
+            <a:pPr lvl="1" marL="864000" indent="-323280">
+              <a:lnSpc>
+                <a:spcPct val="100000"/>
+              </a:lnSpc>
               <a:spcAft>
                 <a:spcPts val="1134"/>
               </a:spcAft>
@@ -5422,7 +6383,7 @@
                 <a:srgbClr val="ef2929"/>
               </a:buClr>
               <a:buSzPct val="75000"/>
-              <a:buFont typeface="Symbol" charset="2"/>
+              <a:buFont typeface="Symbol"/>
               <a:buChar char=""/>
             </a:pPr>
             <a:r>
@@ -5431,36 +6392,19 @@
                   <a:srgbClr val="333333"/>
                 </a:solidFill>
                 <a:latin typeface="Noto Sans Regular"/>
-              </a:rPr>
-              <a:t>PostgreSQL (в проекте нет большого количества </a:t>
-            </a:r>
-            <a:r>
-              <a:rPr b="0" lang="ru-RU" sz="2200" spc="-1" strike="noStrike">
-                <a:solidFill>
-                  <a:srgbClr val="333333"/>
-                </a:solidFill>
-                <a:latin typeface="Noto Sans Regular"/>
-              </a:rPr>
-              <a:t>данных, поэтому нет проблем со скоростью </a:t>
-            </a:r>
-            <a:r>
-              <a:rPr b="0" lang="ru-RU" sz="2200" spc="-1" strike="noStrike">
-                <a:solidFill>
-                  <a:srgbClr val="333333"/>
-                </a:solidFill>
-                <a:latin typeface="Noto Sans Regular"/>
-              </a:rPr>
-              <a:t>выполнения запросов);</a:t>
+                <a:ea typeface="DejaVu Sans"/>
+              </a:rPr>
+              <a:t>PostgreSQL (в проекте нет большого количества данных, поэтому нет проблем со скоростью выполнения запросов);</a:t>
             </a:r>
             <a:endParaRPr b="0" lang="ru-RU" sz="2200" spc="-1" strike="noStrike">
-              <a:solidFill>
-                <a:srgbClr val="333333"/>
-              </a:solidFill>
-              <a:latin typeface="Noto Sans Regular"/>
-            </a:endParaRPr>
-          </a:p>
-          <a:p>
-            <a:pPr lvl="1" marL="864000" indent="-324000">
+              <a:latin typeface="Arial"/>
+            </a:endParaRPr>
+          </a:p>
+          <a:p>
+            <a:pPr lvl="1" marL="864000" indent="-323280">
+              <a:lnSpc>
+                <a:spcPct val="100000"/>
+              </a:lnSpc>
               <a:spcAft>
                 <a:spcPts val="1134"/>
               </a:spcAft>
@@ -5468,7 +6412,7 @@
                 <a:srgbClr val="ef2929"/>
               </a:buClr>
               <a:buSzPct val="75000"/>
-              <a:buFont typeface="Symbol" charset="2"/>
+              <a:buFont typeface="Symbol"/>
               <a:buChar char=""/>
             </a:pPr>
             <a:r>
@@ -5477,36 +6421,19 @@
                   <a:srgbClr val="333333"/>
                 </a:solidFill>
                 <a:latin typeface="Noto Sans Regular"/>
-              </a:rPr>
-              <a:t>Gensim, NLTK</a:t>
-            </a:r>
-            <a:r>
-              <a:rPr b="0" lang="ru-RU" sz="2200" spc="-1" strike="noStrike">
-                <a:solidFill>
-                  <a:srgbClr val="333333"/>
-                </a:solidFill>
-                <a:latin typeface="Noto Sans Regular"/>
-              </a:rPr>
-              <a:t> (для классификации категории </a:t>
-            </a:r>
-            <a:r>
-              <a:rPr b="0" lang="ru-RU" sz="2200" spc="-1" strike="noStrike">
-                <a:solidFill>
-                  <a:srgbClr val="333333"/>
-                </a:solidFill>
-                <a:latin typeface="Noto Sans Regular"/>
-              </a:rPr>
-              <a:t>новости);</a:t>
+                <a:ea typeface="DejaVu Sans"/>
+              </a:rPr>
+              <a:t>Gensim, NLTK (для классификации категории новости);</a:t>
             </a:r>
             <a:endParaRPr b="0" lang="ru-RU" sz="2200" spc="-1" strike="noStrike">
-              <a:solidFill>
-                <a:srgbClr val="333333"/>
-              </a:solidFill>
-              <a:latin typeface="Noto Sans Regular"/>
-            </a:endParaRPr>
-          </a:p>
-          <a:p>
-            <a:pPr lvl="1" marL="864000" indent="-324000">
+              <a:latin typeface="Arial"/>
+            </a:endParaRPr>
+          </a:p>
+          <a:p>
+            <a:pPr lvl="1" marL="864000" indent="-323280">
+              <a:lnSpc>
+                <a:spcPct val="100000"/>
+              </a:lnSpc>
               <a:spcAft>
                 <a:spcPts val="1134"/>
               </a:spcAft>
@@ -5514,7 +6441,7 @@
                 <a:srgbClr val="ef2929"/>
               </a:buClr>
               <a:buSzPct val="75000"/>
-              <a:buFont typeface="Symbol" charset="2"/>
+              <a:buFont typeface="Symbol"/>
               <a:buChar char=""/>
             </a:pPr>
             <a:r>
@@ -5523,30 +6450,19 @@
                   <a:srgbClr val="333333"/>
                 </a:solidFill>
                 <a:latin typeface="Noto Sans Regular"/>
-              </a:rPr>
-              <a:t>pgAdmin, DBeaver </a:t>
-            </a:r>
-            <a:r>
-              <a:rPr b="0" lang="ru-RU" sz="2200" spc="-1" strike="noStrike">
-                <a:solidFill>
-                  <a:srgbClr val="333333"/>
-                </a:solidFill>
-                <a:latin typeface="Noto Sans Regular"/>
-              </a:rPr>
-              <a:t>(для отладки запросов к БД);</a:t>
+                <a:ea typeface="DejaVu Sans"/>
+              </a:rPr>
+              <a:t>pgAdmin, DBeaver (для отладки запросов к БД);</a:t>
             </a:r>
             <a:endParaRPr b="0" lang="ru-RU" sz="2200" spc="-1" strike="noStrike">
-              <a:solidFill>
-                <a:srgbClr val="333333"/>
-              </a:solidFill>
-              <a:latin typeface="Noto Sans Regular"/>
+              <a:latin typeface="Arial"/>
             </a:endParaRPr>
           </a:p>
         </p:txBody>
       </p:sp>
       <p:pic>
         <p:nvPicPr>
-          <p:cNvPr id="100" name="" descr=""/>
+          <p:cNvPr id="94" name="" descr=""/>
           <p:cNvPicPr/>
           <p:nvPr/>
         </p:nvPicPr>
@@ -5557,7 +6473,7 @@
         <p:spPr>
           <a:xfrm>
             <a:off x="6408000" y="5904000"/>
-            <a:ext cx="1952640" cy="634320"/>
+            <a:ext cx="1951920" cy="633600"/>
           </a:xfrm>
           <a:prstGeom prst="rect">
             <a:avLst/>
@@ -5569,7 +6485,7 @@
       </p:pic>
       <p:pic>
         <p:nvPicPr>
-          <p:cNvPr id="101" name="" descr=""/>
+          <p:cNvPr id="95" name="" descr=""/>
           <p:cNvPicPr/>
           <p:nvPr/>
         </p:nvPicPr>
@@ -5580,7 +6496,7 @@
         <p:spPr>
           <a:xfrm>
             <a:off x="8844480" y="1800000"/>
-            <a:ext cx="1091520" cy="1196280"/>
+            <a:ext cx="1090800" cy="1195560"/>
           </a:xfrm>
           <a:prstGeom prst="rect">
             <a:avLst/>
@@ -5592,7 +6508,7 @@
       </p:pic>
       <p:pic>
         <p:nvPicPr>
-          <p:cNvPr id="102" name="" descr=""/>
+          <p:cNvPr id="96" name="" descr=""/>
           <p:cNvPicPr/>
           <p:nvPr/>
         </p:nvPicPr>
@@ -5603,7 +6519,7 @@
         <p:spPr>
           <a:xfrm>
             <a:off x="7272000" y="2448000"/>
-            <a:ext cx="1008000" cy="1008000"/>
+            <a:ext cx="1007280" cy="1007280"/>
           </a:xfrm>
           <a:prstGeom prst="rect">
             <a:avLst/>
@@ -5615,7 +6531,7 @@
       </p:pic>
       <p:pic>
         <p:nvPicPr>
-          <p:cNvPr id="103" name="" descr=""/>
+          <p:cNvPr id="97" name="" descr=""/>
           <p:cNvPicPr/>
           <p:nvPr/>
         </p:nvPicPr>
@@ -5626,7 +6542,7 @@
         <p:spPr>
           <a:xfrm>
             <a:off x="8712000" y="3672000"/>
-            <a:ext cx="1117080" cy="1152000"/>
+            <a:ext cx="1116360" cy="1151280"/>
           </a:xfrm>
           <a:prstGeom prst="rect">
             <a:avLst/>
@@ -5638,7 +6554,7 @@
       </p:pic>
       <p:pic>
         <p:nvPicPr>
-          <p:cNvPr id="104" name="" descr=""/>
+          <p:cNvPr id="98" name="" descr=""/>
           <p:cNvPicPr/>
           <p:nvPr/>
         </p:nvPicPr>
@@ -5649,7 +6565,7 @@
         <p:spPr>
           <a:xfrm>
             <a:off x="6984000" y="4176000"/>
-            <a:ext cx="1091520" cy="1124280"/>
+            <a:ext cx="1090800" cy="1123560"/>
           </a:xfrm>
           <a:prstGeom prst="rect">
             <a:avLst/>
@@ -5661,7 +6577,7 @@
       </p:pic>
       <p:pic>
         <p:nvPicPr>
-          <p:cNvPr id="105" name="" descr=""/>
+          <p:cNvPr id="99" name="" descr=""/>
           <p:cNvPicPr/>
           <p:nvPr/>
         </p:nvPicPr>
@@ -5672,7 +6588,7 @@
         <p:spPr>
           <a:xfrm>
             <a:off x="8595720" y="5139720"/>
-            <a:ext cx="1124280" cy="1124280"/>
+            <a:ext cx="1123560" cy="1123560"/>
           </a:xfrm>
           <a:prstGeom prst="rect">
             <a:avLst/>
@@ -5733,14 +6649,14 @@
       </p:grpSpPr>
       <p:sp>
         <p:nvSpPr>
-          <p:cNvPr id="106" name="TextShape 1"/>
-          <p:cNvSpPr txBox="1"/>
+          <p:cNvPr id="100" name="CustomShape 1"/>
+          <p:cNvSpPr/>
           <p:nvPr/>
         </p:nvSpPr>
         <p:spPr>
           <a:xfrm>
             <a:off x="720000" y="300960"/>
-            <a:ext cx="8855640" cy="1262520"/>
+            <a:ext cx="8854920" cy="1261800"/>
           </a:xfrm>
           <a:prstGeom prst="rect">
             <a:avLst/>
@@ -5750,37 +6666,46 @@
             <a:noFill/>
           </a:ln>
         </p:spPr>
+        <p:style>
+          <a:lnRef idx="0"/>
+          <a:fillRef idx="0"/>
+          <a:effectRef idx="0"/>
+          <a:fontRef idx="minor"/>
+        </p:style>
         <p:txBody>
           <a:bodyPr lIns="0" rIns="0" tIns="0" bIns="0" anchor="ctr"/>
           <a:p>
+            <a:pPr>
+              <a:lnSpc>
+                <a:spcPct val="100000"/>
+              </a:lnSpc>
+            </a:pPr>
             <a:r>
               <a:rPr b="1" lang="ru-RU" sz="4400" spc="-1" strike="noStrike">
                 <a:solidFill>
                   <a:srgbClr val="333333"/>
                 </a:solidFill>
                 <a:latin typeface="Noto Sans Regular"/>
+                <a:ea typeface="DejaVu Sans"/>
               </a:rPr>
               <a:t>Архитектура</a:t>
             </a:r>
-            <a:endParaRPr b="1" lang="ru-RU" sz="4400" spc="-1" strike="noStrike">
-              <a:solidFill>
-                <a:srgbClr val="333333"/>
-              </a:solidFill>
-              <a:latin typeface="Noto Sans Regular"/>
-            </a:endParaRPr>
-          </a:p>
-        </p:txBody>
-      </p:sp>
-      <p:sp>
-        <p:nvSpPr>
-          <p:cNvPr id="107" name="TextShape 2"/>
-          <p:cNvSpPr txBox="1"/>
+            <a:endParaRPr b="0" lang="ru-RU" sz="4400" spc="-1" strike="noStrike">
+              <a:latin typeface="Arial"/>
+            </a:endParaRPr>
+          </a:p>
+        </p:txBody>
+      </p:sp>
+      <p:sp>
+        <p:nvSpPr>
+          <p:cNvPr id="101" name="CustomShape 2"/>
+          <p:cNvSpPr/>
           <p:nvPr/>
         </p:nvSpPr>
         <p:spPr>
           <a:xfrm>
             <a:off x="216000" y="1656000"/>
-            <a:ext cx="8640000" cy="504000"/>
+            <a:ext cx="8639280" cy="503280"/>
           </a:xfrm>
           <a:prstGeom prst="rect">
             <a:avLst/>
@@ -5790,10 +6715,19 @@
             <a:noFill/>
           </a:ln>
         </p:spPr>
+        <p:style>
+          <a:lnRef idx="0"/>
+          <a:fillRef idx="0"/>
+          <a:effectRef idx="0"/>
+          <a:fontRef idx="minor"/>
+        </p:style>
         <p:txBody>
           <a:bodyPr lIns="0" rIns="0" tIns="0" bIns="0"/>
           <a:p>
-            <a:pPr marL="432000" indent="-324000">
+            <a:pPr marL="432000" indent="-323280">
+              <a:lnSpc>
+                <a:spcPct val="100000"/>
+              </a:lnSpc>
               <a:spcAft>
                 <a:spcPts val="1414"/>
               </a:spcAft>
@@ -5810,21 +6744,19 @@
                   <a:srgbClr val="333333"/>
                 </a:solidFill>
                 <a:latin typeface="Noto Sans Regular"/>
+                <a:ea typeface="DejaVu Sans"/>
               </a:rPr>
               <a:t>Схема архитектуры проекта</a:t>
             </a:r>
             <a:endParaRPr b="0" lang="ru-RU" sz="2200" spc="-1" strike="noStrike">
-              <a:solidFill>
-                <a:srgbClr val="333333"/>
-              </a:solidFill>
-              <a:latin typeface="Noto Sans Regular"/>
+              <a:latin typeface="Arial"/>
             </a:endParaRPr>
           </a:p>
         </p:txBody>
       </p:sp>
       <p:pic>
         <p:nvPicPr>
-          <p:cNvPr id="108" name="" descr=""/>
+          <p:cNvPr id="102" name="" descr=""/>
           <p:cNvPicPr/>
           <p:nvPr/>
         </p:nvPicPr>
@@ -5835,7 +6767,7 @@
         <p:spPr>
           <a:xfrm>
             <a:off x="1296000" y="2110320"/>
-            <a:ext cx="7419600" cy="5017680"/>
+            <a:ext cx="7418880" cy="5016960"/>
           </a:xfrm>
           <a:prstGeom prst="rect">
             <a:avLst/>
@@ -5896,14 +6828,14 @@
       </p:grpSpPr>
       <p:sp>
         <p:nvSpPr>
-          <p:cNvPr id="109" name="TextShape 1"/>
-          <p:cNvSpPr txBox="1"/>
+          <p:cNvPr id="103" name="CustomShape 1"/>
+          <p:cNvSpPr/>
           <p:nvPr/>
         </p:nvSpPr>
         <p:spPr>
           <a:xfrm>
             <a:off x="720000" y="300960"/>
-            <a:ext cx="8855640" cy="1262520"/>
+            <a:ext cx="8854920" cy="1261800"/>
           </a:xfrm>
           <a:prstGeom prst="rect">
             <a:avLst/>
@@ -5913,37 +6845,46 @@
             <a:noFill/>
           </a:ln>
         </p:spPr>
+        <p:style>
+          <a:lnRef idx="0"/>
+          <a:fillRef idx="0"/>
+          <a:effectRef idx="0"/>
+          <a:fontRef idx="minor"/>
+        </p:style>
         <p:txBody>
           <a:bodyPr lIns="0" rIns="0" tIns="0" bIns="0" anchor="ctr"/>
           <a:p>
+            <a:pPr>
+              <a:lnSpc>
+                <a:spcPct val="100000"/>
+              </a:lnSpc>
+            </a:pPr>
             <a:r>
               <a:rPr b="1" lang="ru-RU" sz="4400" spc="-1" strike="noStrike">
                 <a:solidFill>
                   <a:srgbClr val="333333"/>
                 </a:solidFill>
                 <a:latin typeface="Noto Sans Regular"/>
+                <a:ea typeface="DejaVu Sans"/>
               </a:rPr>
               <a:t>Архитектура</a:t>
             </a:r>
-            <a:endParaRPr b="1" lang="ru-RU" sz="4400" spc="-1" strike="noStrike">
-              <a:solidFill>
-                <a:srgbClr val="333333"/>
-              </a:solidFill>
-              <a:latin typeface="Noto Sans Regular"/>
-            </a:endParaRPr>
-          </a:p>
-        </p:txBody>
-      </p:sp>
-      <p:sp>
-        <p:nvSpPr>
-          <p:cNvPr id="110" name="TextShape 2"/>
-          <p:cNvSpPr txBox="1"/>
+            <a:endParaRPr b="0" lang="ru-RU" sz="4400" spc="-1" strike="noStrike">
+              <a:latin typeface="Arial"/>
+            </a:endParaRPr>
+          </a:p>
+        </p:txBody>
+      </p:sp>
+      <p:sp>
+        <p:nvSpPr>
+          <p:cNvPr id="104" name="CustomShape 2"/>
+          <p:cNvSpPr/>
           <p:nvPr/>
         </p:nvSpPr>
         <p:spPr>
           <a:xfrm>
             <a:off x="216000" y="1656000"/>
-            <a:ext cx="8640000" cy="504000"/>
+            <a:ext cx="8639280" cy="503280"/>
           </a:xfrm>
           <a:prstGeom prst="rect">
             <a:avLst/>
@@ -5953,10 +6894,19 @@
             <a:noFill/>
           </a:ln>
         </p:spPr>
+        <p:style>
+          <a:lnRef idx="0"/>
+          <a:fillRef idx="0"/>
+          <a:effectRef idx="0"/>
+          <a:fontRef idx="minor"/>
+        </p:style>
         <p:txBody>
           <a:bodyPr lIns="0" rIns="0" tIns="0" bIns="0"/>
           <a:p>
-            <a:pPr marL="432000" indent="-324000">
+            <a:pPr marL="432000" indent="-323280">
+              <a:lnSpc>
+                <a:spcPct val="100000"/>
+              </a:lnSpc>
               <a:spcAft>
                 <a:spcPts val="1414"/>
               </a:spcAft>
@@ -5973,21 +6923,19 @@
                   <a:srgbClr val="333333"/>
                 </a:solidFill>
                 <a:latin typeface="Noto Sans Regular"/>
+                <a:ea typeface="DejaVu Sans"/>
               </a:rPr>
               <a:t>Схема данных PostrgeSQL</a:t>
             </a:r>
             <a:endParaRPr b="0" lang="ru-RU" sz="2200" spc="-1" strike="noStrike">
-              <a:solidFill>
-                <a:srgbClr val="333333"/>
-              </a:solidFill>
-              <a:latin typeface="Noto Sans Regular"/>
+              <a:latin typeface="Arial"/>
             </a:endParaRPr>
           </a:p>
         </p:txBody>
       </p:sp>
       <p:pic>
         <p:nvPicPr>
-          <p:cNvPr id="111" name="" descr=""/>
+          <p:cNvPr id="105" name="" descr=""/>
           <p:cNvPicPr/>
           <p:nvPr/>
         </p:nvPicPr>
@@ -5998,7 +6946,7 @@
         <p:spPr>
           <a:xfrm>
             <a:off x="1296000" y="2124000"/>
-            <a:ext cx="7668360" cy="4680000"/>
+            <a:ext cx="7667640" cy="4679280"/>
           </a:xfrm>
           <a:prstGeom prst="rect">
             <a:avLst/>
@@ -6059,14 +7007,14 @@
       </p:grpSpPr>
       <p:sp>
         <p:nvSpPr>
-          <p:cNvPr id="112" name="TextShape 1"/>
-          <p:cNvSpPr txBox="1"/>
+          <p:cNvPr id="106" name="CustomShape 1"/>
+          <p:cNvSpPr/>
           <p:nvPr/>
         </p:nvSpPr>
         <p:spPr>
           <a:xfrm>
             <a:off x="720000" y="300960"/>
-            <a:ext cx="8855640" cy="1262520"/>
+            <a:ext cx="8854920" cy="1261800"/>
           </a:xfrm>
           <a:prstGeom prst="rect">
             <a:avLst/>
@@ -6076,37 +7024,46 @@
             <a:noFill/>
           </a:ln>
         </p:spPr>
+        <p:style>
+          <a:lnRef idx="0"/>
+          <a:fillRef idx="0"/>
+          <a:effectRef idx="0"/>
+          <a:fontRef idx="minor"/>
+        </p:style>
         <p:txBody>
           <a:bodyPr lIns="0" rIns="0" tIns="0" bIns="0" anchor="ctr"/>
           <a:p>
+            <a:pPr>
+              <a:lnSpc>
+                <a:spcPct val="100000"/>
+              </a:lnSpc>
+            </a:pPr>
             <a:r>
               <a:rPr b="1" lang="ru-RU" sz="4400" spc="-1" strike="noStrike">
                 <a:solidFill>
                   <a:srgbClr val="333333"/>
                 </a:solidFill>
                 <a:latin typeface="Noto Sans Regular"/>
+                <a:ea typeface="DejaVu Sans"/>
               </a:rPr>
               <a:t>Архитектура</a:t>
             </a:r>
-            <a:endParaRPr b="1" lang="ru-RU" sz="4400" spc="-1" strike="noStrike">
-              <a:solidFill>
-                <a:srgbClr val="333333"/>
-              </a:solidFill>
-              <a:latin typeface="Noto Sans Regular"/>
-            </a:endParaRPr>
-          </a:p>
-        </p:txBody>
-      </p:sp>
-      <p:sp>
-        <p:nvSpPr>
-          <p:cNvPr id="113" name="TextShape 2"/>
-          <p:cNvSpPr txBox="1"/>
+            <a:endParaRPr b="0" lang="ru-RU" sz="4400" spc="-1" strike="noStrike">
+              <a:latin typeface="Arial"/>
+            </a:endParaRPr>
+          </a:p>
+        </p:txBody>
+      </p:sp>
+      <p:sp>
+        <p:nvSpPr>
+          <p:cNvPr id="107" name="CustomShape 2"/>
+          <p:cNvSpPr/>
           <p:nvPr/>
         </p:nvSpPr>
         <p:spPr>
           <a:xfrm>
             <a:off x="216000" y="1656000"/>
-            <a:ext cx="8640000" cy="504000"/>
+            <a:ext cx="8639280" cy="503280"/>
           </a:xfrm>
           <a:prstGeom prst="rect">
             <a:avLst/>
@@ -6116,10 +7073,19 @@
             <a:noFill/>
           </a:ln>
         </p:spPr>
+        <p:style>
+          <a:lnRef idx="0"/>
+          <a:fillRef idx="0"/>
+          <a:effectRef idx="0"/>
+          <a:fontRef idx="minor"/>
+        </p:style>
         <p:txBody>
           <a:bodyPr lIns="0" rIns="0" tIns="0" bIns="0"/>
           <a:p>
-            <a:pPr marL="432000" indent="-324000">
+            <a:pPr marL="432000" indent="-323280">
+              <a:lnSpc>
+                <a:spcPct val="100000"/>
+              </a:lnSpc>
               <a:spcAft>
                 <a:spcPts val="1414"/>
               </a:spcAft>
@@ -6136,30 +7102,19 @@
                   <a:srgbClr val="333333"/>
                 </a:solidFill>
                 <a:latin typeface="Noto Sans Regular"/>
-              </a:rPr>
-              <a:t>Airflow </a:t>
-            </a:r>
-            <a:r>
-              <a:rPr b="0" lang="ru-RU" sz="2200" spc="-1" strike="noStrike">
-                <a:solidFill>
-                  <a:srgbClr val="333333"/>
-                </a:solidFill>
-                <a:latin typeface="Noto Sans Regular"/>
-              </a:rPr>
-              <a:t>DAG</a:t>
+                <a:ea typeface="DejaVu Sans"/>
+              </a:rPr>
+              <a:t>Airflow DAG</a:t>
             </a:r>
             <a:endParaRPr b="0" lang="ru-RU" sz="2200" spc="-1" strike="noStrike">
-              <a:solidFill>
-                <a:srgbClr val="333333"/>
-              </a:solidFill>
-              <a:latin typeface="Noto Sans Regular"/>
+              <a:latin typeface="Arial"/>
             </a:endParaRPr>
           </a:p>
         </p:txBody>
       </p:sp>
       <p:pic>
         <p:nvPicPr>
-          <p:cNvPr id="114" name="" descr=""/>
+          <p:cNvPr id="108" name="" descr=""/>
           <p:cNvPicPr/>
           <p:nvPr/>
         </p:nvPicPr>
@@ -6170,7 +7125,7 @@
         <p:spPr>
           <a:xfrm>
             <a:off x="396000" y="2543400"/>
-            <a:ext cx="9432000" cy="2964600"/>
+            <a:ext cx="9431280" cy="2963880"/>
           </a:xfrm>
           <a:prstGeom prst="rect">
             <a:avLst/>
@@ -6231,14 +7186,14 @@
       </p:grpSpPr>
       <p:sp>
         <p:nvSpPr>
-          <p:cNvPr id="115" name="TextShape 1"/>
-          <p:cNvSpPr txBox="1"/>
+          <p:cNvPr id="109" name="CustomShape 1"/>
+          <p:cNvSpPr/>
           <p:nvPr/>
         </p:nvSpPr>
         <p:spPr>
           <a:xfrm>
             <a:off x="720000" y="300960"/>
-            <a:ext cx="8855640" cy="1262520"/>
+            <a:ext cx="8854920" cy="1261800"/>
           </a:xfrm>
           <a:prstGeom prst="rect">
             <a:avLst/>
@@ -6248,37 +7203,46 @@
             <a:noFill/>
           </a:ln>
         </p:spPr>
+        <p:style>
+          <a:lnRef idx="0"/>
+          <a:fillRef idx="0"/>
+          <a:effectRef idx="0"/>
+          <a:fontRef idx="minor"/>
+        </p:style>
         <p:txBody>
           <a:bodyPr lIns="0" rIns="0" tIns="0" bIns="0" anchor="ctr"/>
           <a:p>
+            <a:pPr>
+              <a:lnSpc>
+                <a:spcPct val="100000"/>
+              </a:lnSpc>
+            </a:pPr>
             <a:r>
               <a:rPr b="1" lang="ru-RU" sz="4400" spc="-1" strike="noStrike">
                 <a:solidFill>
                   <a:srgbClr val="333333"/>
                 </a:solidFill>
                 <a:latin typeface="Noto Sans Regular"/>
+                <a:ea typeface="DejaVu Sans"/>
               </a:rPr>
               <a:t>Ключевые особенности</a:t>
             </a:r>
-            <a:endParaRPr b="1" lang="ru-RU" sz="4400" spc="-1" strike="noStrike">
-              <a:solidFill>
-                <a:srgbClr val="333333"/>
-              </a:solidFill>
-              <a:latin typeface="Noto Sans Regular"/>
-            </a:endParaRPr>
-          </a:p>
-        </p:txBody>
-      </p:sp>
-      <p:sp>
-        <p:nvSpPr>
-          <p:cNvPr id="116" name="TextShape 2"/>
-          <p:cNvSpPr txBox="1"/>
+            <a:endParaRPr b="0" lang="ru-RU" sz="4400" spc="-1" strike="noStrike">
+              <a:latin typeface="Arial"/>
+            </a:endParaRPr>
+          </a:p>
+        </p:txBody>
+      </p:sp>
+      <p:sp>
+        <p:nvSpPr>
+          <p:cNvPr id="110" name="CustomShape 2"/>
+          <p:cNvSpPr/>
           <p:nvPr/>
         </p:nvSpPr>
         <p:spPr>
           <a:xfrm>
             <a:off x="288000" y="1368000"/>
-            <a:ext cx="9720000" cy="504000"/>
+            <a:ext cx="9719280" cy="503280"/>
           </a:xfrm>
           <a:prstGeom prst="rect">
             <a:avLst/>
@@ -6288,10 +7252,19 @@
             <a:noFill/>
           </a:ln>
         </p:spPr>
+        <p:style>
+          <a:lnRef idx="0"/>
+          <a:fillRef idx="0"/>
+          <a:effectRef idx="0"/>
+          <a:fontRef idx="minor"/>
+        </p:style>
         <p:txBody>
           <a:bodyPr lIns="0" rIns="0" tIns="0" bIns="0"/>
           <a:p>
-            <a:pPr marL="432000" indent="-324000">
+            <a:pPr marL="432000" indent="-323280">
+              <a:lnSpc>
+                <a:spcPct val="100000"/>
+              </a:lnSpc>
               <a:spcAft>
                 <a:spcPts val="1414"/>
               </a:spcAft>
@@ -6308,21 +7281,19 @@
                   <a:srgbClr val="333333"/>
                 </a:solidFill>
                 <a:latin typeface="Noto Sans Regular"/>
+                <a:ea typeface="DejaVu Sans"/>
               </a:rPr>
               <a:t>Добавление новых источников данных выполняется через переменную Airflow. При этом необходимые таски и таблицы создаются автоматически.</a:t>
             </a:r>
             <a:endParaRPr b="0" lang="ru-RU" sz="1800" spc="-1" strike="noStrike">
-              <a:solidFill>
-                <a:srgbClr val="333333"/>
-              </a:solidFill>
-              <a:latin typeface="Noto Sans Regular"/>
+              <a:latin typeface="Arial"/>
             </a:endParaRPr>
           </a:p>
         </p:txBody>
       </p:sp>
       <p:pic>
         <p:nvPicPr>
-          <p:cNvPr id="117" name="" descr=""/>
+          <p:cNvPr id="111" name="" descr=""/>
           <p:cNvPicPr/>
           <p:nvPr/>
         </p:nvPicPr>
@@ -6333,7 +7304,7 @@
         <p:spPr>
           <a:xfrm>
             <a:off x="504000" y="2592000"/>
-            <a:ext cx="9215640" cy="1144800"/>
+            <a:ext cx="9214920" cy="1144080"/>
           </a:xfrm>
           <a:prstGeom prst="rect">
             <a:avLst/>
@@ -6345,7 +7316,7 @@
       </p:pic>
       <p:pic>
         <p:nvPicPr>
-          <p:cNvPr id="118" name="" descr=""/>
+          <p:cNvPr id="112" name="" descr=""/>
           <p:cNvPicPr/>
           <p:nvPr/>
         </p:nvPicPr>
@@ -6356,7 +7327,7 @@
         <p:spPr>
           <a:xfrm>
             <a:off x="720000" y="1951200"/>
-            <a:ext cx="8208000" cy="659520"/>
+            <a:ext cx="8207280" cy="658800"/>
           </a:xfrm>
           <a:prstGeom prst="rect">
             <a:avLst/>
@@ -6368,7 +7339,7 @@
       </p:pic>
       <p:pic>
         <p:nvPicPr>
-          <p:cNvPr id="119" name="" descr=""/>
+          <p:cNvPr id="113" name="" descr=""/>
           <p:cNvPicPr/>
           <p:nvPr/>
         </p:nvPicPr>
@@ -6379,7 +7350,7 @@
         <p:spPr>
           <a:xfrm>
             <a:off x="330840" y="3748320"/>
-            <a:ext cx="9605160" cy="638280"/>
+            <a:ext cx="9604440" cy="637560"/>
           </a:xfrm>
           <a:prstGeom prst="rect">
             <a:avLst/>
@@ -6391,7 +7362,7 @@
       </p:pic>
       <p:pic>
         <p:nvPicPr>
-          <p:cNvPr id="120" name="" descr=""/>
+          <p:cNvPr id="114" name="" descr=""/>
           <p:cNvPicPr/>
           <p:nvPr/>
         </p:nvPicPr>
@@ -6402,7 +7373,7 @@
         <p:spPr>
           <a:xfrm>
             <a:off x="504720" y="4422600"/>
-            <a:ext cx="9215280" cy="2964600"/>
+            <a:ext cx="9214560" cy="2963880"/>
           </a:xfrm>
           <a:prstGeom prst="rect">
             <a:avLst/>
